--- a/proj_screenshot_ppt.pptx
+++ b/proj_screenshot_ppt.pptx
@@ -1,33 +1,35 @@
 
 <file path=ppt/presentation.xml><?xml version="1.0" encoding="utf-8"?>
-<p:presentation xmlns:a="http://schemas.openxmlformats.org/drawingml/2006/main" xmlns:r="http://schemas.openxmlformats.org/officeDocument/2006/relationships" xmlns:mc="http://schemas.openxmlformats.org/markup-compatibility/2006" xmlns:mv="urn:schemas-microsoft-com:mac:vml" xmlns:p="http://schemas.openxmlformats.org/presentationml/2006/main" xmlns:c="http://schemas.openxmlformats.org/drawingml/2006/chart" xmlns:dgm="http://schemas.openxmlformats.org/drawingml/2006/diagram" xmlns:o="urn:schemas-microsoft-com:office:office" xmlns:v="urn:schemas-microsoft-com:vml" xmlns:pvml="urn:schemas-microsoft-com:office:powerpoint" xmlns:com="http://schemas.openxmlformats.org/drawingml/2006/compatibility" xmlns:p14="http://schemas.microsoft.com/office/powerpoint/2010/main" autoCompressPictures="0" strictFirstAndLastChars="0" saveSubsetFonts="1">
+<p:presentation xmlns:a="http://schemas.openxmlformats.org/drawingml/2006/main" xmlns:r="http://schemas.openxmlformats.org/officeDocument/2006/relationships" xmlns:p="http://schemas.openxmlformats.org/presentationml/2006/main" strictFirstAndLastChars="0" autoCompressPictures="0">
   <p:sldMasterIdLst>
-    <p:sldMasterId id="2147483659" r:id="rId3"/>
+    <p:sldMasterId id="2147483648" r:id="rId1"/>
   </p:sldMasterIdLst>
   <p:notesMasterIdLst>
-    <p:notesMasterId r:id="rId4"/>
+    <p:notesMasterId r:id="rId5"/>
   </p:notesMasterIdLst>
   <p:sldIdLst>
-    <p:sldId id="256" r:id="rId5"/>
+    <p:sldId id="271" r:id="rId3"/>
+    <p:sldId id="256" r:id="rId4"/>
     <p:sldId id="257" r:id="rId6"/>
     <p:sldId id="258" r:id="rId7"/>
     <p:sldId id="259" r:id="rId8"/>
-    <p:sldId id="260" r:id="rId9"/>
-    <p:sldId id="261" r:id="rId10"/>
-    <p:sldId id="262" r:id="rId11"/>
-    <p:sldId id="263" r:id="rId12"/>
-    <p:sldId id="264" r:id="rId13"/>
-    <p:sldId id="265" r:id="rId14"/>
-    <p:sldId id="266" r:id="rId15"/>
-    <p:sldId id="267" r:id="rId16"/>
-    <p:sldId id="268" r:id="rId17"/>
-    <p:sldId id="269" r:id="rId18"/>
-    <p:sldId id="270" r:id="rId19"/>
+    <p:sldId id="272" r:id="rId9"/>
+    <p:sldId id="260" r:id="rId10"/>
+    <p:sldId id="261" r:id="rId11"/>
+    <p:sldId id="262" r:id="rId12"/>
+    <p:sldId id="263" r:id="rId13"/>
+    <p:sldId id="264" r:id="rId14"/>
+    <p:sldId id="273" r:id="rId15"/>
+    <p:sldId id="265" r:id="rId16"/>
+    <p:sldId id="266" r:id="rId17"/>
+    <p:sldId id="267" r:id="rId18"/>
+    <p:sldId id="268" r:id="rId19"/>
+    <p:sldId id="269" r:id="rId20"/>
   </p:sldIdLst>
-  <p:sldSz cy="5143500" cx="9144000"/>
+  <p:sldSz cx="9144000" cy="5143500"/>
   <p:notesSz cx="6858000" cy="9144000"/>
   <p:defaultTextStyle>
-    <a:defPPr lvl="0" marR="0" rtl="0" algn="l">
+    <a:defPPr marR="0" lvl="0" algn="l" rtl="0">
       <a:lnSpc>
         <a:spcPct val="100000"/>
       </a:lnSpc>
@@ -38,7 +40,7 @@
         <a:spcPts val="0"/>
       </a:spcAft>
     </a:defPPr>
-    <a:lvl1pPr lvl="0" marR="0" rtl="0" algn="l">
+    <a:lvl1pPr marR="0" lvl="0" algn="l" rtl="0">
       <a:lnSpc>
         <a:spcPct val="100000"/>
       </a:lnSpc>
@@ -49,18 +51,18 @@
         <a:spcPts val="0"/>
       </a:spcAft>
       <a:buNone/>
-      <a:defRPr b="0" i="0" sz="1400" u="none" cap="none" strike="noStrike">
+      <a:defRPr sz="1400" b="0" i="0" u="none" strike="noStrike" cap="none">
         <a:solidFill>
           <a:srgbClr val="000000"/>
         </a:solidFill>
-        <a:latin typeface="Arial"/>
-        <a:ea typeface="Arial"/>
-        <a:cs typeface="Arial"/>
-        <a:sym typeface="Arial"/>
+        <a:latin typeface="Arial" panose="020B0604020202020204"/>
+        <a:ea typeface="Arial" panose="020B0604020202020204"/>
+        <a:cs typeface="Arial" panose="020B0604020202020204"/>
+        <a:sym typeface="Arial" panose="020B0604020202020204"/>
         <a:rtl val="0"/>
       </a:defRPr>
     </a:lvl1pPr>
-    <a:lvl2pPr lvl="1" marR="0" rtl="0" algn="l">
+    <a:lvl2pPr marR="0" lvl="1" algn="l" rtl="0">
       <a:lnSpc>
         <a:spcPct val="100000"/>
       </a:lnSpc>
@@ -71,18 +73,18 @@
         <a:spcPts val="0"/>
       </a:spcAft>
       <a:buNone/>
-      <a:defRPr b="0" i="0" sz="1400" u="none" cap="none" strike="noStrike">
+      <a:defRPr sz="1400" b="0" i="0" u="none" strike="noStrike" cap="none">
         <a:solidFill>
           <a:srgbClr val="000000"/>
         </a:solidFill>
-        <a:latin typeface="Arial"/>
-        <a:ea typeface="Arial"/>
-        <a:cs typeface="Arial"/>
-        <a:sym typeface="Arial"/>
+        <a:latin typeface="Arial" panose="020B0604020202020204"/>
+        <a:ea typeface="Arial" panose="020B0604020202020204"/>
+        <a:cs typeface="Arial" panose="020B0604020202020204"/>
+        <a:sym typeface="Arial" panose="020B0604020202020204"/>
         <a:rtl val="0"/>
       </a:defRPr>
     </a:lvl2pPr>
-    <a:lvl3pPr lvl="2" marR="0" rtl="0" algn="l">
+    <a:lvl3pPr marR="0" lvl="2" algn="l" rtl="0">
       <a:lnSpc>
         <a:spcPct val="100000"/>
       </a:lnSpc>
@@ -93,18 +95,18 @@
         <a:spcPts val="0"/>
       </a:spcAft>
       <a:buNone/>
-      <a:defRPr b="0" i="0" sz="1400" u="none" cap="none" strike="noStrike">
+      <a:defRPr sz="1400" b="0" i="0" u="none" strike="noStrike" cap="none">
         <a:solidFill>
           <a:srgbClr val="000000"/>
         </a:solidFill>
-        <a:latin typeface="Arial"/>
-        <a:ea typeface="Arial"/>
-        <a:cs typeface="Arial"/>
-        <a:sym typeface="Arial"/>
+        <a:latin typeface="Arial" panose="020B0604020202020204"/>
+        <a:ea typeface="Arial" panose="020B0604020202020204"/>
+        <a:cs typeface="Arial" panose="020B0604020202020204"/>
+        <a:sym typeface="Arial" panose="020B0604020202020204"/>
         <a:rtl val="0"/>
       </a:defRPr>
     </a:lvl3pPr>
-    <a:lvl4pPr lvl="3" marR="0" rtl="0" algn="l">
+    <a:lvl4pPr marR="0" lvl="3" algn="l" rtl="0">
       <a:lnSpc>
         <a:spcPct val="100000"/>
       </a:lnSpc>
@@ -115,18 +117,18 @@
         <a:spcPts val="0"/>
       </a:spcAft>
       <a:buNone/>
-      <a:defRPr b="0" i="0" sz="1400" u="none" cap="none" strike="noStrike">
+      <a:defRPr sz="1400" b="0" i="0" u="none" strike="noStrike" cap="none">
         <a:solidFill>
           <a:srgbClr val="000000"/>
         </a:solidFill>
-        <a:latin typeface="Arial"/>
-        <a:ea typeface="Arial"/>
-        <a:cs typeface="Arial"/>
-        <a:sym typeface="Arial"/>
+        <a:latin typeface="Arial" panose="020B0604020202020204"/>
+        <a:ea typeface="Arial" panose="020B0604020202020204"/>
+        <a:cs typeface="Arial" panose="020B0604020202020204"/>
+        <a:sym typeface="Arial" panose="020B0604020202020204"/>
         <a:rtl val="0"/>
       </a:defRPr>
     </a:lvl4pPr>
-    <a:lvl5pPr lvl="4" marR="0" rtl="0" algn="l">
+    <a:lvl5pPr marR="0" lvl="4" algn="l" rtl="0">
       <a:lnSpc>
         <a:spcPct val="100000"/>
       </a:lnSpc>
@@ -137,18 +139,18 @@
         <a:spcPts val="0"/>
       </a:spcAft>
       <a:buNone/>
-      <a:defRPr b="0" i="0" sz="1400" u="none" cap="none" strike="noStrike">
+      <a:defRPr sz="1400" b="0" i="0" u="none" strike="noStrike" cap="none">
         <a:solidFill>
           <a:srgbClr val="000000"/>
         </a:solidFill>
-        <a:latin typeface="Arial"/>
-        <a:ea typeface="Arial"/>
-        <a:cs typeface="Arial"/>
-        <a:sym typeface="Arial"/>
+        <a:latin typeface="Arial" panose="020B0604020202020204"/>
+        <a:ea typeface="Arial" panose="020B0604020202020204"/>
+        <a:cs typeface="Arial" panose="020B0604020202020204"/>
+        <a:sym typeface="Arial" panose="020B0604020202020204"/>
         <a:rtl val="0"/>
       </a:defRPr>
     </a:lvl5pPr>
-    <a:lvl6pPr lvl="5" marR="0" rtl="0" algn="l">
+    <a:lvl6pPr marR="0" lvl="5" algn="l" rtl="0">
       <a:lnSpc>
         <a:spcPct val="100000"/>
       </a:lnSpc>
@@ -159,18 +161,18 @@
         <a:spcPts val="0"/>
       </a:spcAft>
       <a:buNone/>
-      <a:defRPr b="0" i="0" sz="1400" u="none" cap="none" strike="noStrike">
+      <a:defRPr sz="1400" b="0" i="0" u="none" strike="noStrike" cap="none">
         <a:solidFill>
           <a:srgbClr val="000000"/>
         </a:solidFill>
-        <a:latin typeface="Arial"/>
-        <a:ea typeface="Arial"/>
-        <a:cs typeface="Arial"/>
-        <a:sym typeface="Arial"/>
+        <a:latin typeface="Arial" panose="020B0604020202020204"/>
+        <a:ea typeface="Arial" panose="020B0604020202020204"/>
+        <a:cs typeface="Arial" panose="020B0604020202020204"/>
+        <a:sym typeface="Arial" panose="020B0604020202020204"/>
         <a:rtl val="0"/>
       </a:defRPr>
     </a:lvl6pPr>
-    <a:lvl7pPr lvl="6" marR="0" rtl="0" algn="l">
+    <a:lvl7pPr marR="0" lvl="6" algn="l" rtl="0">
       <a:lnSpc>
         <a:spcPct val="100000"/>
       </a:lnSpc>
@@ -181,18 +183,18 @@
         <a:spcPts val="0"/>
       </a:spcAft>
       <a:buNone/>
-      <a:defRPr b="0" i="0" sz="1400" u="none" cap="none" strike="noStrike">
+      <a:defRPr sz="1400" b="0" i="0" u="none" strike="noStrike" cap="none">
         <a:solidFill>
           <a:srgbClr val="000000"/>
         </a:solidFill>
-        <a:latin typeface="Arial"/>
-        <a:ea typeface="Arial"/>
-        <a:cs typeface="Arial"/>
-        <a:sym typeface="Arial"/>
+        <a:latin typeface="Arial" panose="020B0604020202020204"/>
+        <a:ea typeface="Arial" panose="020B0604020202020204"/>
+        <a:cs typeface="Arial" panose="020B0604020202020204"/>
+        <a:sym typeface="Arial" panose="020B0604020202020204"/>
         <a:rtl val="0"/>
       </a:defRPr>
     </a:lvl7pPr>
-    <a:lvl8pPr lvl="7" marR="0" rtl="0" algn="l">
+    <a:lvl8pPr marR="0" lvl="7" algn="l" rtl="0">
       <a:lnSpc>
         <a:spcPct val="100000"/>
       </a:lnSpc>
@@ -203,18 +205,18 @@
         <a:spcPts val="0"/>
       </a:spcAft>
       <a:buNone/>
-      <a:defRPr b="0" i="0" sz="1400" u="none" cap="none" strike="noStrike">
+      <a:defRPr sz="1400" b="0" i="0" u="none" strike="noStrike" cap="none">
         <a:solidFill>
           <a:srgbClr val="000000"/>
         </a:solidFill>
-        <a:latin typeface="Arial"/>
-        <a:ea typeface="Arial"/>
-        <a:cs typeface="Arial"/>
-        <a:sym typeface="Arial"/>
+        <a:latin typeface="Arial" panose="020B0604020202020204"/>
+        <a:ea typeface="Arial" panose="020B0604020202020204"/>
+        <a:cs typeface="Arial" panose="020B0604020202020204"/>
+        <a:sym typeface="Arial" panose="020B0604020202020204"/>
         <a:rtl val="0"/>
       </a:defRPr>
     </a:lvl8pPr>
-    <a:lvl9pPr lvl="8" marR="0" rtl="0" algn="l">
+    <a:lvl9pPr marR="0" lvl="8" algn="l" rtl="0">
       <a:lnSpc>
         <a:spcPct val="100000"/>
       </a:lnSpc>
@@ -225,14 +227,14 @@
         <a:spcPts val="0"/>
       </a:spcAft>
       <a:buNone/>
-      <a:defRPr b="0" i="0" sz="1400" u="none" cap="none" strike="noStrike">
+      <a:defRPr sz="1400" b="0" i="0" u="none" strike="noStrike" cap="none">
         <a:solidFill>
           <a:srgbClr val="000000"/>
         </a:solidFill>
-        <a:latin typeface="Arial"/>
-        <a:ea typeface="Arial"/>
-        <a:cs typeface="Arial"/>
-        <a:sym typeface="Arial"/>
+        <a:latin typeface="Arial" panose="020B0604020202020204"/>
+        <a:ea typeface="Arial" panose="020B0604020202020204"/>
+        <a:cs typeface="Arial" panose="020B0604020202020204"/>
+        <a:sym typeface="Arial" panose="020B0604020202020204"/>
         <a:rtl val="0"/>
       </a:defRPr>
     </a:lvl9pPr>
@@ -240,9 +242,14 @@
 </p:presentation>
 </file>
 
-<file path=ppt/notesMasters/notesMaster.xml><?xml version="1.0" encoding="utf-8"?>
-<p:notesMaster xmlns:a="http://schemas.openxmlformats.org/drawingml/2006/main" xmlns:r="http://schemas.openxmlformats.org/officeDocument/2006/relationships" xmlns:mc="http://schemas.openxmlformats.org/markup-compatibility/2006" xmlns:mv="urn:schemas-microsoft-com:mac:vml" xmlns:p="http://schemas.openxmlformats.org/presentationml/2006/main" xmlns:c="http://schemas.openxmlformats.org/drawingml/2006/chart" xmlns:dgm="http://schemas.openxmlformats.org/drawingml/2006/diagram" xmlns:o="urn:schemas-microsoft-com:office:office" xmlns:v="urn:schemas-microsoft-com:vml" xmlns:pvml="urn:schemas-microsoft-com:office:powerpoint" xmlns:com="http://schemas.openxmlformats.org/drawingml/2006/compatibility" xmlns:p14="http://schemas.microsoft.com/office/powerpoint/2010/main">
+<file path=ppt/notesMasters/notesMaster1.xml><?xml version="1.0" encoding="utf-8"?>
+<p:notesMaster xmlns:a="http://schemas.openxmlformats.org/drawingml/2006/main" xmlns:r="http://schemas.openxmlformats.org/officeDocument/2006/relationships" xmlns:p="http://schemas.openxmlformats.org/presentationml/2006/main">
   <p:cSld>
+    <p:bg>
+      <p:bgRef idx="1001">
+        <a:schemeClr val="bg1"/>
+      </p:bgRef>
+    </p:bg>
     <p:spTree>
       <p:nvGrpSpPr>
         <p:cNvPr id="2" name="Shape 2"/>
@@ -262,7 +269,7 @@
           <p:cNvPr id="3" name="Shape 3"/>
           <p:cNvSpPr/>
           <p:nvPr>
-            <p:ph idx="2" type="sldImg"/>
+            <p:ph type="sldImg" idx="2"/>
           </p:nvPr>
         </p:nvSpPr>
         <p:spPr>
@@ -271,8 +278,12 @@
             <a:ext cx="6096075" cy="3429000"/>
           </a:xfrm>
           <a:custGeom>
+            <a:avLst/>
+            <a:gdLst/>
+            <a:ahLst/>
+            <a:cxnLst/>
             <a:pathLst>
-              <a:path extrusionOk="0" h="120000" w="120000">
+              <a:path w="120000" h="120000" extrusionOk="0">
                 <a:moveTo>
                   <a:pt x="0" y="0"/>
                 </a:moveTo>
@@ -290,14 +301,14 @@
             </a:pathLst>
           </a:custGeom>
           <a:noFill/>
-          <a:ln cap="flat" cmpd="sng" w="9525">
+          <a:ln w="9525" cap="flat" cmpd="sng">
             <a:solidFill>
               <a:srgbClr val="000000"/>
             </a:solidFill>
             <a:prstDash val="solid"/>
             <a:round/>
-            <a:headEnd len="med" w="med" type="none"/>
-            <a:tailEnd len="med" w="med" type="none"/>
+            <a:headEnd type="none" w="med" len="med"/>
+            <a:tailEnd type="none" w="med" len="med"/>
           </a:ln>
         </p:spPr>
       </p:sp>
@@ -306,7 +317,7 @@
           <p:cNvPr id="4" name="Shape 4"/>
           <p:cNvSpPr txBox="1"/>
           <p:nvPr>
-            <p:ph idx="1" type="body"/>
+            <p:ph type="body" idx="1"/>
           </p:nvPr>
         </p:nvSpPr>
         <p:spPr>
@@ -323,7 +334,7 @@
           </a:ln>
         </p:spPr>
         <p:txBody>
-          <a:bodyPr anchorCtr="0" anchor="t" bIns="91425" lIns="91425" rIns="91425" tIns="91425"/>
+          <a:bodyPr lIns="91425" tIns="91425" rIns="91425" bIns="91425" anchor="t" anchorCtr="0"/>
           <a:lstStyle>
             <a:lvl1pPr lvl="0">
               <a:spcBef>
@@ -385,12 +396,13 @@
       </p:sp>
     </p:spTree>
   </p:cSld>
-  <p:clrMap accent1="accent1" accent2="accent2" accent3="accent3" accent4="accent4" accent5="accent5" accent6="accent6" bg1="lt1" bg2="dk2" tx1="dk1" tx2="lt2" folHlink="folHlink" hlink="hlink"/>
+  <p:clrMap bg1="lt1" tx1="dk1" bg2="dk2" tx2="lt2" accent1="accent1" accent2="accent2" accent3="accent3" accent4="accent4" accent5="accent5" accent6="accent6" hlink="hlink" folHlink="folHlink"/>
+  <p:notesStyle/>
 </p:notesMaster>
 </file>
 
-<file path=ppt/notesSlides/notesSlide.xml><?xml version="1.0" encoding="utf-8"?>
-<p:notes xmlns:a="http://schemas.openxmlformats.org/drawingml/2006/main" xmlns:r="http://schemas.openxmlformats.org/officeDocument/2006/relationships" xmlns:mc="http://schemas.openxmlformats.org/markup-compatibility/2006" xmlns:mv="urn:schemas-microsoft-com:mac:vml" xmlns:p="http://schemas.openxmlformats.org/presentationml/2006/main" xmlns:c="http://schemas.openxmlformats.org/drawingml/2006/chart" xmlns:dgm="http://schemas.openxmlformats.org/drawingml/2006/diagram" xmlns:o="urn:schemas-microsoft-com:office:office" xmlns:v="urn:schemas-microsoft-com:vml" xmlns:pvml="urn:schemas-microsoft-com:office:powerpoint" xmlns:com="http://schemas.openxmlformats.org/drawingml/2006/compatibility" xmlns:p14="http://schemas.microsoft.com/office/powerpoint/2010/main" showMasterPhAnim="0" showMasterSp="0">
+<file path=ppt/notesSlides/notesSlide1.xml><?xml version="1.0" encoding="utf-8"?>
+<p:notes xmlns:a="http://schemas.openxmlformats.org/drawingml/2006/main" xmlns:r="http://schemas.openxmlformats.org/officeDocument/2006/relationships" xmlns:p="http://schemas.openxmlformats.org/presentationml/2006/main" showMasterPhAnim="0" showMasterSp="0">
   <p:cSld>
     <p:spTree>
       <p:nvGrpSpPr>
@@ -411,7 +423,7 @@
           <p:cNvPr id="51" name="Shape 51"/>
           <p:cNvSpPr/>
           <p:nvPr>
-            <p:ph idx="2" type="sldImg"/>
+            <p:ph type="sldImg" idx="2"/>
           </p:nvPr>
         </p:nvSpPr>
         <p:spPr>
@@ -420,8 +432,12 @@
             <a:ext cx="6096075" cy="3429000"/>
           </a:xfrm>
           <a:custGeom>
+            <a:avLst/>
+            <a:gdLst/>
+            <a:ahLst/>
+            <a:cxnLst/>
             <a:pathLst>
-              <a:path extrusionOk="0" h="120000" w="120000">
+              <a:path w="120000" h="120000" extrusionOk="0">
                 <a:moveTo>
                   <a:pt x="0" y="0"/>
                 </a:moveTo>
@@ -445,7 +461,7 @@
           <p:cNvPr id="52" name="Shape 52"/>
           <p:cNvSpPr txBox="1"/>
           <p:nvPr>
-            <p:ph idx="1" type="body"/>
+            <p:ph type="body" idx="1"/>
           </p:nvPr>
         </p:nvSpPr>
         <p:spPr>
@@ -458,7 +474,7 @@
           </a:prstGeom>
         </p:spPr>
         <p:txBody>
-          <a:bodyPr anchorCtr="0" anchor="t" bIns="91425" lIns="91425" rIns="91425" tIns="91425">
+          <a:bodyPr lIns="91425" tIns="91425" rIns="91425" bIns="91425" anchor="t" anchorCtr="0">
             <a:noAutofit/>
           </a:bodyPr>
           <a:lstStyle/>
@@ -469,10 +485,6 @@
               </a:spcBef>
               <a:buNone/>
             </a:pPr>
-            <a:r>
-              <a:t/>
-            </a:r>
-            <a:endParaRPr/>
           </a:p>
         </p:txBody>
       </p:sp>
@@ -484,12 +496,12 @@
 </p:notes>
 </file>
 
-<file path=ppt/notesSlides/notesSlide1.xml><?xml version="1.0" encoding="utf-8"?>
-<p:notes xmlns:a="http://schemas.openxmlformats.org/drawingml/2006/main" xmlns:r="http://schemas.openxmlformats.org/officeDocument/2006/relationships" xmlns:mc="http://schemas.openxmlformats.org/markup-compatibility/2006" xmlns:mv="urn:schemas-microsoft-com:mac:vml" xmlns:p="http://schemas.openxmlformats.org/presentationml/2006/main" xmlns:c="http://schemas.openxmlformats.org/drawingml/2006/chart" xmlns:dgm="http://schemas.openxmlformats.org/drawingml/2006/diagram" xmlns:o="urn:schemas-microsoft-com:office:office" xmlns:v="urn:schemas-microsoft-com:vml" xmlns:pvml="urn:schemas-microsoft-com:office:powerpoint" xmlns:com="http://schemas.openxmlformats.org/drawingml/2006/compatibility" xmlns:p14="http://schemas.microsoft.com/office/powerpoint/2010/main" showMasterPhAnim="0" showMasterSp="0">
+<file path=ppt/notesSlides/notesSlide10.xml><?xml version="1.0" encoding="utf-8"?>
+<p:notes xmlns:a="http://schemas.openxmlformats.org/drawingml/2006/main" xmlns:r="http://schemas.openxmlformats.org/officeDocument/2006/relationships" xmlns:p="http://schemas.openxmlformats.org/presentationml/2006/main" showMasterPhAnim="0" showMasterSp="0">
   <p:cSld>
     <p:spTree>
       <p:nvGrpSpPr>
-        <p:cNvPr id="55" name="Shape 55"/>
+        <p:cNvPr id="98" name="Shape 98"/>
         <p:cNvGrpSpPr/>
         <p:nvPr/>
       </p:nvGrpSpPr>
@@ -503,10 +515,10 @@
       </p:grpSpPr>
       <p:sp>
         <p:nvSpPr>
-          <p:cNvPr id="56" name="Shape 56"/>
+          <p:cNvPr id="99" name="Shape 99"/>
           <p:cNvSpPr/>
           <p:nvPr>
-            <p:ph idx="2" type="sldImg"/>
+            <p:ph type="sldImg" idx="2"/>
           </p:nvPr>
         </p:nvSpPr>
         <p:spPr>
@@ -515,8 +527,12 @@
             <a:ext cx="6096000" cy="3429000"/>
           </a:xfrm>
           <a:custGeom>
+            <a:avLst/>
+            <a:gdLst/>
+            <a:ahLst/>
+            <a:cxnLst/>
             <a:pathLst>
-              <a:path extrusionOk="0" h="120000" w="120000">
+              <a:path w="120000" h="120000" extrusionOk="0">
                 <a:moveTo>
                   <a:pt x="0" y="0"/>
                 </a:moveTo>
@@ -537,10 +553,10 @@
       </p:sp>
       <p:sp>
         <p:nvSpPr>
-          <p:cNvPr id="57" name="Shape 57"/>
+          <p:cNvPr id="100" name="Shape 100"/>
           <p:cNvSpPr txBox="1"/>
           <p:nvPr>
-            <p:ph idx="1" type="body"/>
+            <p:ph type="body" idx="1"/>
           </p:nvPr>
         </p:nvSpPr>
         <p:spPr>
@@ -553,7 +569,7 @@
           </a:prstGeom>
         </p:spPr>
         <p:txBody>
-          <a:bodyPr anchorCtr="0" anchor="t" bIns="91425" lIns="91425" rIns="91425" tIns="91425">
+          <a:bodyPr lIns="91425" tIns="91425" rIns="91425" bIns="91425" anchor="t" anchorCtr="0">
             <a:noAutofit/>
           </a:bodyPr>
           <a:lstStyle/>
@@ -564,10 +580,6 @@
               </a:spcBef>
               <a:buNone/>
             </a:pPr>
-            <a:r>
-              <a:t/>
-            </a:r>
-            <a:endParaRPr/>
           </a:p>
         </p:txBody>
       </p:sp>
@@ -579,8 +591,8 @@
 </p:notes>
 </file>
 
-<file path=ppt/notesSlides/notesSlide10.xml><?xml version="1.0" encoding="utf-8"?>
-<p:notes xmlns:a="http://schemas.openxmlformats.org/drawingml/2006/main" xmlns:r="http://schemas.openxmlformats.org/officeDocument/2006/relationships" xmlns:mc="http://schemas.openxmlformats.org/markup-compatibility/2006" xmlns:mv="urn:schemas-microsoft-com:mac:vml" xmlns:p="http://schemas.openxmlformats.org/presentationml/2006/main" xmlns:c="http://schemas.openxmlformats.org/drawingml/2006/chart" xmlns:dgm="http://schemas.openxmlformats.org/drawingml/2006/diagram" xmlns:o="urn:schemas-microsoft-com:office:office" xmlns:v="urn:schemas-microsoft-com:vml" xmlns:pvml="urn:schemas-microsoft-com:office:powerpoint" xmlns:com="http://schemas.openxmlformats.org/drawingml/2006/compatibility" xmlns:p14="http://schemas.microsoft.com/office/powerpoint/2010/main" showMasterPhAnim="0" showMasterSp="0">
+<file path=ppt/notesSlides/notesSlide11.xml><?xml version="1.0" encoding="utf-8"?>
+<p:notes xmlns:a="http://schemas.openxmlformats.org/drawingml/2006/main" xmlns:r="http://schemas.openxmlformats.org/officeDocument/2006/relationships" xmlns:p="http://schemas.openxmlformats.org/presentationml/2006/main" showMasterPhAnim="0" showMasterSp="0">
   <p:cSld>
     <p:spTree>
       <p:nvGrpSpPr>
@@ -601,7 +613,7 @@
           <p:cNvPr id="104" name="Shape 104"/>
           <p:cNvSpPr/>
           <p:nvPr>
-            <p:ph idx="2" type="sldImg"/>
+            <p:ph type="sldImg" idx="2"/>
           </p:nvPr>
         </p:nvSpPr>
         <p:spPr>
@@ -610,8 +622,12 @@
             <a:ext cx="6096000" cy="3429000"/>
           </a:xfrm>
           <a:custGeom>
+            <a:avLst/>
+            <a:gdLst/>
+            <a:ahLst/>
+            <a:cxnLst/>
             <a:pathLst>
-              <a:path extrusionOk="0" h="120000" w="120000">
+              <a:path w="120000" h="120000" extrusionOk="0">
                 <a:moveTo>
                   <a:pt x="0" y="0"/>
                 </a:moveTo>
@@ -635,7 +651,7 @@
           <p:cNvPr id="105" name="Shape 105"/>
           <p:cNvSpPr txBox="1"/>
           <p:nvPr>
-            <p:ph idx="1" type="body"/>
+            <p:ph type="body" idx="1"/>
           </p:nvPr>
         </p:nvSpPr>
         <p:spPr>
@@ -648,7 +664,7 @@
           </a:prstGeom>
         </p:spPr>
         <p:txBody>
-          <a:bodyPr anchorCtr="0" anchor="t" bIns="91425" lIns="91425" rIns="91425" tIns="91425">
+          <a:bodyPr lIns="91425" tIns="91425" rIns="91425" bIns="91425" anchor="t" anchorCtr="0">
             <a:noAutofit/>
           </a:bodyPr>
           <a:lstStyle/>
@@ -659,10 +675,6 @@
               </a:spcBef>
               <a:buNone/>
             </a:pPr>
-            <a:r>
-              <a:t/>
-            </a:r>
-            <a:endParaRPr/>
           </a:p>
         </p:txBody>
       </p:sp>
@@ -674,8 +686,8 @@
 </p:notes>
 </file>
 
-<file path=ppt/notesSlides/notesSlide11.xml><?xml version="1.0" encoding="utf-8"?>
-<p:notes xmlns:a="http://schemas.openxmlformats.org/drawingml/2006/main" xmlns:r="http://schemas.openxmlformats.org/officeDocument/2006/relationships" xmlns:mc="http://schemas.openxmlformats.org/markup-compatibility/2006" xmlns:mv="urn:schemas-microsoft-com:mac:vml" xmlns:p="http://schemas.openxmlformats.org/presentationml/2006/main" xmlns:c="http://schemas.openxmlformats.org/drawingml/2006/chart" xmlns:dgm="http://schemas.openxmlformats.org/drawingml/2006/diagram" xmlns:o="urn:schemas-microsoft-com:office:office" xmlns:v="urn:schemas-microsoft-com:vml" xmlns:pvml="urn:schemas-microsoft-com:office:powerpoint" xmlns:com="http://schemas.openxmlformats.org/drawingml/2006/compatibility" xmlns:p14="http://schemas.microsoft.com/office/powerpoint/2010/main" showMasterPhAnim="0" showMasterSp="0">
+<file path=ppt/notesSlides/notesSlide12.xml><?xml version="1.0" encoding="utf-8"?>
+<p:notes xmlns:a="http://schemas.openxmlformats.org/drawingml/2006/main" xmlns:r="http://schemas.openxmlformats.org/officeDocument/2006/relationships" xmlns:p="http://schemas.openxmlformats.org/presentationml/2006/main" showMasterPhAnim="0" showMasterSp="0">
   <p:cSld>
     <p:spTree>
       <p:nvGrpSpPr>
@@ -696,7 +708,7 @@
           <p:cNvPr id="110" name="Shape 110"/>
           <p:cNvSpPr/>
           <p:nvPr>
-            <p:ph idx="2" type="sldImg"/>
+            <p:ph type="sldImg" idx="2"/>
           </p:nvPr>
         </p:nvSpPr>
         <p:spPr>
@@ -705,8 +717,12 @@
             <a:ext cx="6096000" cy="3429000"/>
           </a:xfrm>
           <a:custGeom>
+            <a:avLst/>
+            <a:gdLst/>
+            <a:ahLst/>
+            <a:cxnLst/>
             <a:pathLst>
-              <a:path extrusionOk="0" h="120000" w="120000">
+              <a:path w="120000" h="120000" extrusionOk="0">
                 <a:moveTo>
                   <a:pt x="0" y="0"/>
                 </a:moveTo>
@@ -730,7 +746,7 @@
           <p:cNvPr id="111" name="Shape 111"/>
           <p:cNvSpPr txBox="1"/>
           <p:nvPr>
-            <p:ph idx="1" type="body"/>
+            <p:ph type="body" idx="1"/>
           </p:nvPr>
         </p:nvSpPr>
         <p:spPr>
@@ -743,7 +759,7 @@
           </a:prstGeom>
         </p:spPr>
         <p:txBody>
-          <a:bodyPr anchorCtr="0" anchor="t" bIns="91425" lIns="91425" rIns="91425" tIns="91425">
+          <a:bodyPr lIns="91425" tIns="91425" rIns="91425" bIns="91425" anchor="t" anchorCtr="0">
             <a:noAutofit/>
           </a:bodyPr>
           <a:lstStyle/>
@@ -754,10 +770,6 @@
               </a:spcBef>
               <a:buNone/>
             </a:pPr>
-            <a:r>
-              <a:t/>
-            </a:r>
-            <a:endParaRPr/>
           </a:p>
         </p:txBody>
       </p:sp>
@@ -769,8 +781,8 @@
 </p:notes>
 </file>
 
-<file path=ppt/notesSlides/notesSlide12.xml><?xml version="1.0" encoding="utf-8"?>
-<p:notes xmlns:a="http://schemas.openxmlformats.org/drawingml/2006/main" xmlns:r="http://schemas.openxmlformats.org/officeDocument/2006/relationships" xmlns:mc="http://schemas.openxmlformats.org/markup-compatibility/2006" xmlns:mv="urn:schemas-microsoft-com:mac:vml" xmlns:p="http://schemas.openxmlformats.org/presentationml/2006/main" xmlns:c="http://schemas.openxmlformats.org/drawingml/2006/chart" xmlns:dgm="http://schemas.openxmlformats.org/drawingml/2006/diagram" xmlns:o="urn:schemas-microsoft-com:office:office" xmlns:v="urn:schemas-microsoft-com:vml" xmlns:pvml="urn:schemas-microsoft-com:office:powerpoint" xmlns:com="http://schemas.openxmlformats.org/drawingml/2006/compatibility" xmlns:p14="http://schemas.microsoft.com/office/powerpoint/2010/main" showMasterPhAnim="0" showMasterSp="0">
+<file path=ppt/notesSlides/notesSlide13.xml><?xml version="1.0" encoding="utf-8"?>
+<p:notes xmlns:a="http://schemas.openxmlformats.org/drawingml/2006/main" xmlns:r="http://schemas.openxmlformats.org/officeDocument/2006/relationships" xmlns:p="http://schemas.openxmlformats.org/presentationml/2006/main" showMasterPhAnim="0" showMasterSp="0">
   <p:cSld>
     <p:spTree>
       <p:nvGrpSpPr>
@@ -791,7 +803,7 @@
           <p:cNvPr id="115" name="Shape 115"/>
           <p:cNvSpPr/>
           <p:nvPr>
-            <p:ph idx="2" type="sldImg"/>
+            <p:ph type="sldImg" idx="2"/>
           </p:nvPr>
         </p:nvSpPr>
         <p:spPr>
@@ -800,8 +812,12 @@
             <a:ext cx="6096000" cy="3429000"/>
           </a:xfrm>
           <a:custGeom>
+            <a:avLst/>
+            <a:gdLst/>
+            <a:ahLst/>
+            <a:cxnLst/>
             <a:pathLst>
-              <a:path extrusionOk="0" h="120000" w="120000">
+              <a:path w="120000" h="120000" extrusionOk="0">
                 <a:moveTo>
                   <a:pt x="0" y="0"/>
                 </a:moveTo>
@@ -825,7 +841,7 @@
           <p:cNvPr id="116" name="Shape 116"/>
           <p:cNvSpPr txBox="1"/>
           <p:nvPr>
-            <p:ph idx="1" type="body"/>
+            <p:ph type="body" idx="1"/>
           </p:nvPr>
         </p:nvSpPr>
         <p:spPr>
@@ -838,7 +854,7 @@
           </a:prstGeom>
         </p:spPr>
         <p:txBody>
-          <a:bodyPr anchorCtr="0" anchor="t" bIns="91425" lIns="91425" rIns="91425" tIns="91425">
+          <a:bodyPr lIns="91425" tIns="91425" rIns="91425" bIns="91425" anchor="t" anchorCtr="0">
             <a:noAutofit/>
           </a:bodyPr>
           <a:lstStyle/>
@@ -849,10 +865,6 @@
               </a:spcBef>
               <a:buNone/>
             </a:pPr>
-            <a:r>
-              <a:t/>
-            </a:r>
-            <a:endParaRPr/>
           </a:p>
         </p:txBody>
       </p:sp>
@@ -864,8 +876,8 @@
 </p:notes>
 </file>
 
-<file path=ppt/notesSlides/notesSlide13.xml><?xml version="1.0" encoding="utf-8"?>
-<p:notes xmlns:a="http://schemas.openxmlformats.org/drawingml/2006/main" xmlns:r="http://schemas.openxmlformats.org/officeDocument/2006/relationships" xmlns:mc="http://schemas.openxmlformats.org/markup-compatibility/2006" xmlns:mv="urn:schemas-microsoft-com:mac:vml" xmlns:p="http://schemas.openxmlformats.org/presentationml/2006/main" xmlns:c="http://schemas.openxmlformats.org/drawingml/2006/chart" xmlns:dgm="http://schemas.openxmlformats.org/drawingml/2006/diagram" xmlns:o="urn:schemas-microsoft-com:office:office" xmlns:v="urn:schemas-microsoft-com:vml" xmlns:pvml="urn:schemas-microsoft-com:office:powerpoint" xmlns:com="http://schemas.openxmlformats.org/drawingml/2006/compatibility" xmlns:p14="http://schemas.microsoft.com/office/powerpoint/2010/main" showMasterPhAnim="0" showMasterSp="0">
+<file path=ppt/notesSlides/notesSlide14.xml><?xml version="1.0" encoding="utf-8"?>
+<p:notes xmlns:a="http://schemas.openxmlformats.org/drawingml/2006/main" xmlns:r="http://schemas.openxmlformats.org/officeDocument/2006/relationships" xmlns:p="http://schemas.openxmlformats.org/presentationml/2006/main" showMasterPhAnim="0" showMasterSp="0">
   <p:cSld>
     <p:spTree>
       <p:nvGrpSpPr>
@@ -886,7 +898,7 @@
           <p:cNvPr id="121" name="Shape 121"/>
           <p:cNvSpPr/>
           <p:nvPr>
-            <p:ph idx="2" type="sldImg"/>
+            <p:ph type="sldImg" idx="2"/>
           </p:nvPr>
         </p:nvSpPr>
         <p:spPr>
@@ -895,8 +907,12 @@
             <a:ext cx="6096000" cy="3429000"/>
           </a:xfrm>
           <a:custGeom>
+            <a:avLst/>
+            <a:gdLst/>
+            <a:ahLst/>
+            <a:cxnLst/>
             <a:pathLst>
-              <a:path extrusionOk="0" h="120000" w="120000">
+              <a:path w="120000" h="120000" extrusionOk="0">
                 <a:moveTo>
                   <a:pt x="0" y="0"/>
                 </a:moveTo>
@@ -920,7 +936,7 @@
           <p:cNvPr id="122" name="Shape 122"/>
           <p:cNvSpPr txBox="1"/>
           <p:nvPr>
-            <p:ph idx="1" type="body"/>
+            <p:ph type="body" idx="1"/>
           </p:nvPr>
         </p:nvSpPr>
         <p:spPr>
@@ -933,7 +949,7 @@
           </a:prstGeom>
         </p:spPr>
         <p:txBody>
-          <a:bodyPr anchorCtr="0" anchor="t" bIns="91425" lIns="91425" rIns="91425" tIns="91425">
+          <a:bodyPr lIns="91425" tIns="91425" rIns="91425" bIns="91425" anchor="t" anchorCtr="0">
             <a:noAutofit/>
           </a:bodyPr>
           <a:lstStyle/>
@@ -944,10 +960,6 @@
               </a:spcBef>
               <a:buNone/>
             </a:pPr>
-            <a:r>
-              <a:t/>
-            </a:r>
-            <a:endParaRPr/>
           </a:p>
         </p:txBody>
       </p:sp>
@@ -959,12 +971,12 @@
 </p:notes>
 </file>
 
-<file path=ppt/notesSlides/notesSlide14.xml><?xml version="1.0" encoding="utf-8"?>
-<p:notes xmlns:a="http://schemas.openxmlformats.org/drawingml/2006/main" xmlns:r="http://schemas.openxmlformats.org/officeDocument/2006/relationships" xmlns:mc="http://schemas.openxmlformats.org/markup-compatibility/2006" xmlns:mv="urn:schemas-microsoft-com:mac:vml" xmlns:p="http://schemas.openxmlformats.org/presentationml/2006/main" xmlns:c="http://schemas.openxmlformats.org/drawingml/2006/chart" xmlns:dgm="http://schemas.openxmlformats.org/drawingml/2006/diagram" xmlns:o="urn:schemas-microsoft-com:office:office" xmlns:v="urn:schemas-microsoft-com:vml" xmlns:pvml="urn:schemas-microsoft-com:office:powerpoint" xmlns:com="http://schemas.openxmlformats.org/drawingml/2006/compatibility" xmlns:p14="http://schemas.microsoft.com/office/powerpoint/2010/main" showMasterPhAnim="0" showMasterSp="0">
+<file path=ppt/notesSlides/notesSlide2.xml><?xml version="1.0" encoding="utf-8"?>
+<p:notes xmlns:a="http://schemas.openxmlformats.org/drawingml/2006/main" xmlns:r="http://schemas.openxmlformats.org/officeDocument/2006/relationships" xmlns:p="http://schemas.openxmlformats.org/presentationml/2006/main" showMasterPhAnim="0" showMasterSp="0">
   <p:cSld>
     <p:spTree>
       <p:nvGrpSpPr>
-        <p:cNvPr id="125" name="Shape 125"/>
+        <p:cNvPr id="55" name="Shape 55"/>
         <p:cNvGrpSpPr/>
         <p:nvPr/>
       </p:nvGrpSpPr>
@@ -978,10 +990,10 @@
       </p:grpSpPr>
       <p:sp>
         <p:nvSpPr>
-          <p:cNvPr id="126" name="Shape 126"/>
+          <p:cNvPr id="56" name="Shape 56"/>
           <p:cNvSpPr/>
           <p:nvPr>
-            <p:ph idx="2" type="sldImg"/>
+            <p:ph type="sldImg" idx="2"/>
           </p:nvPr>
         </p:nvSpPr>
         <p:spPr>
@@ -990,8 +1002,12 @@
             <a:ext cx="6096000" cy="3429000"/>
           </a:xfrm>
           <a:custGeom>
+            <a:avLst/>
+            <a:gdLst/>
+            <a:ahLst/>
+            <a:cxnLst/>
             <a:pathLst>
-              <a:path extrusionOk="0" h="120000" w="120000">
+              <a:path w="120000" h="120000" extrusionOk="0">
                 <a:moveTo>
                   <a:pt x="0" y="0"/>
                 </a:moveTo>
@@ -1012,10 +1028,10 @@
       </p:sp>
       <p:sp>
         <p:nvSpPr>
-          <p:cNvPr id="127" name="Shape 127"/>
+          <p:cNvPr id="57" name="Shape 57"/>
           <p:cNvSpPr txBox="1"/>
           <p:nvPr>
-            <p:ph idx="1" type="body"/>
+            <p:ph type="body" idx="1"/>
           </p:nvPr>
         </p:nvSpPr>
         <p:spPr>
@@ -1028,7 +1044,7 @@
           </a:prstGeom>
         </p:spPr>
         <p:txBody>
-          <a:bodyPr anchorCtr="0" anchor="t" bIns="91425" lIns="91425" rIns="91425" tIns="91425">
+          <a:bodyPr lIns="91425" tIns="91425" rIns="91425" bIns="91425" anchor="t" anchorCtr="0">
             <a:noAutofit/>
           </a:bodyPr>
           <a:lstStyle/>
@@ -1039,10 +1055,6 @@
               </a:spcBef>
               <a:buNone/>
             </a:pPr>
-            <a:r>
-              <a:t/>
-            </a:r>
-            <a:endParaRPr/>
           </a:p>
         </p:txBody>
       </p:sp>
@@ -1054,8 +1066,8 @@
 </p:notes>
 </file>
 
-<file path=ppt/notesSlides/notesSlide2.xml><?xml version="1.0" encoding="utf-8"?>
-<p:notes xmlns:a="http://schemas.openxmlformats.org/drawingml/2006/main" xmlns:r="http://schemas.openxmlformats.org/officeDocument/2006/relationships" xmlns:mc="http://schemas.openxmlformats.org/markup-compatibility/2006" xmlns:mv="urn:schemas-microsoft-com:mac:vml" xmlns:p="http://schemas.openxmlformats.org/presentationml/2006/main" xmlns:c="http://schemas.openxmlformats.org/drawingml/2006/chart" xmlns:dgm="http://schemas.openxmlformats.org/drawingml/2006/diagram" xmlns:o="urn:schemas-microsoft-com:office:office" xmlns:v="urn:schemas-microsoft-com:vml" xmlns:pvml="urn:schemas-microsoft-com:office:powerpoint" xmlns:com="http://schemas.openxmlformats.org/drawingml/2006/compatibility" xmlns:p14="http://schemas.microsoft.com/office/powerpoint/2010/main" showMasterPhAnim="0" showMasterSp="0">
+<file path=ppt/notesSlides/notesSlide3.xml><?xml version="1.0" encoding="utf-8"?>
+<p:notes xmlns:a="http://schemas.openxmlformats.org/drawingml/2006/main" xmlns:r="http://schemas.openxmlformats.org/officeDocument/2006/relationships" xmlns:p="http://schemas.openxmlformats.org/presentationml/2006/main" showMasterPhAnim="0" showMasterSp="0">
   <p:cSld>
     <p:spTree>
       <p:nvGrpSpPr>
@@ -1076,7 +1088,7 @@
           <p:cNvPr id="61" name="Shape 61"/>
           <p:cNvSpPr/>
           <p:nvPr>
-            <p:ph idx="2" type="sldImg"/>
+            <p:ph type="sldImg" idx="2"/>
           </p:nvPr>
         </p:nvSpPr>
         <p:spPr>
@@ -1085,8 +1097,12 @@
             <a:ext cx="6096000" cy="3429000"/>
           </a:xfrm>
           <a:custGeom>
+            <a:avLst/>
+            <a:gdLst/>
+            <a:ahLst/>
+            <a:cxnLst/>
             <a:pathLst>
-              <a:path extrusionOk="0" h="120000" w="120000">
+              <a:path w="120000" h="120000" extrusionOk="0">
                 <a:moveTo>
                   <a:pt x="0" y="0"/>
                 </a:moveTo>
@@ -1110,7 +1126,7 @@
           <p:cNvPr id="62" name="Shape 62"/>
           <p:cNvSpPr txBox="1"/>
           <p:nvPr>
-            <p:ph idx="1" type="body"/>
+            <p:ph type="body" idx="1"/>
           </p:nvPr>
         </p:nvSpPr>
         <p:spPr>
@@ -1123,7 +1139,7 @@
           </a:prstGeom>
         </p:spPr>
         <p:txBody>
-          <a:bodyPr anchorCtr="0" anchor="t" bIns="91425" lIns="91425" rIns="91425" tIns="91425">
+          <a:bodyPr lIns="91425" tIns="91425" rIns="91425" bIns="91425" anchor="t" anchorCtr="0">
             <a:noAutofit/>
           </a:bodyPr>
           <a:lstStyle/>
@@ -1134,10 +1150,6 @@
               </a:spcBef>
               <a:buNone/>
             </a:pPr>
-            <a:r>
-              <a:t/>
-            </a:r>
-            <a:endParaRPr/>
           </a:p>
         </p:txBody>
       </p:sp>
@@ -1149,8 +1161,8 @@
 </p:notes>
 </file>
 
-<file path=ppt/notesSlides/notesSlide3.xml><?xml version="1.0" encoding="utf-8"?>
-<p:notes xmlns:a="http://schemas.openxmlformats.org/drawingml/2006/main" xmlns:r="http://schemas.openxmlformats.org/officeDocument/2006/relationships" xmlns:mc="http://schemas.openxmlformats.org/markup-compatibility/2006" xmlns:mv="urn:schemas-microsoft-com:mac:vml" xmlns:p="http://schemas.openxmlformats.org/presentationml/2006/main" xmlns:c="http://schemas.openxmlformats.org/drawingml/2006/chart" xmlns:dgm="http://schemas.openxmlformats.org/drawingml/2006/diagram" xmlns:o="urn:schemas-microsoft-com:office:office" xmlns:v="urn:schemas-microsoft-com:vml" xmlns:pvml="urn:schemas-microsoft-com:office:powerpoint" xmlns:com="http://schemas.openxmlformats.org/drawingml/2006/compatibility" xmlns:p14="http://schemas.microsoft.com/office/powerpoint/2010/main" showMasterPhAnim="0" showMasterSp="0">
+<file path=ppt/notesSlides/notesSlide4.xml><?xml version="1.0" encoding="utf-8"?>
+<p:notes xmlns:a="http://schemas.openxmlformats.org/drawingml/2006/main" xmlns:r="http://schemas.openxmlformats.org/officeDocument/2006/relationships" xmlns:p="http://schemas.openxmlformats.org/presentationml/2006/main" showMasterPhAnim="0" showMasterSp="0">
   <p:cSld>
     <p:spTree>
       <p:nvGrpSpPr>
@@ -1171,7 +1183,7 @@
           <p:cNvPr id="66" name="Shape 66"/>
           <p:cNvSpPr/>
           <p:nvPr>
-            <p:ph idx="2" type="sldImg"/>
+            <p:ph type="sldImg" idx="2"/>
           </p:nvPr>
         </p:nvSpPr>
         <p:spPr>
@@ -1180,8 +1192,12 @@
             <a:ext cx="6096000" cy="3429000"/>
           </a:xfrm>
           <a:custGeom>
+            <a:avLst/>
+            <a:gdLst/>
+            <a:ahLst/>
+            <a:cxnLst/>
             <a:pathLst>
-              <a:path extrusionOk="0" h="120000" w="120000">
+              <a:path w="120000" h="120000" extrusionOk="0">
                 <a:moveTo>
                   <a:pt x="0" y="0"/>
                 </a:moveTo>
@@ -1205,7 +1221,7 @@
           <p:cNvPr id="67" name="Shape 67"/>
           <p:cNvSpPr txBox="1"/>
           <p:nvPr>
-            <p:ph idx="1" type="body"/>
+            <p:ph type="body" idx="1"/>
           </p:nvPr>
         </p:nvSpPr>
         <p:spPr>
@@ -1218,7 +1234,7 @@
           </a:prstGeom>
         </p:spPr>
         <p:txBody>
-          <a:bodyPr anchorCtr="0" anchor="t" bIns="91425" lIns="91425" rIns="91425" tIns="91425">
+          <a:bodyPr lIns="91425" tIns="91425" rIns="91425" bIns="91425" anchor="t" anchorCtr="0">
             <a:noAutofit/>
           </a:bodyPr>
           <a:lstStyle/>
@@ -1229,10 +1245,6 @@
               </a:spcBef>
               <a:buNone/>
             </a:pPr>
-            <a:r>
-              <a:t/>
-            </a:r>
-            <a:endParaRPr/>
           </a:p>
         </p:txBody>
       </p:sp>
@@ -1244,8 +1256,8 @@
 </p:notes>
 </file>
 
-<file path=ppt/notesSlides/notesSlide4.xml><?xml version="1.0" encoding="utf-8"?>
-<p:notes xmlns:a="http://schemas.openxmlformats.org/drawingml/2006/main" xmlns:r="http://schemas.openxmlformats.org/officeDocument/2006/relationships" xmlns:mc="http://schemas.openxmlformats.org/markup-compatibility/2006" xmlns:mv="urn:schemas-microsoft-com:mac:vml" xmlns:p="http://schemas.openxmlformats.org/presentationml/2006/main" xmlns:c="http://schemas.openxmlformats.org/drawingml/2006/chart" xmlns:dgm="http://schemas.openxmlformats.org/drawingml/2006/diagram" xmlns:o="urn:schemas-microsoft-com:office:office" xmlns:v="urn:schemas-microsoft-com:vml" xmlns:pvml="urn:schemas-microsoft-com:office:powerpoint" xmlns:com="http://schemas.openxmlformats.org/drawingml/2006/compatibility" xmlns:p14="http://schemas.microsoft.com/office/powerpoint/2010/main" showMasterPhAnim="0" showMasterSp="0">
+<file path=ppt/notesSlides/notesSlide5.xml><?xml version="1.0" encoding="utf-8"?>
+<p:notes xmlns:a="http://schemas.openxmlformats.org/drawingml/2006/main" xmlns:r="http://schemas.openxmlformats.org/officeDocument/2006/relationships" xmlns:p="http://schemas.openxmlformats.org/presentationml/2006/main" showMasterPhAnim="0" showMasterSp="0">
   <p:cSld>
     <p:spTree>
       <p:nvGrpSpPr>
@@ -1266,7 +1278,7 @@
           <p:cNvPr id="72" name="Shape 72"/>
           <p:cNvSpPr/>
           <p:nvPr>
-            <p:ph idx="2" type="sldImg"/>
+            <p:ph type="sldImg" idx="2"/>
           </p:nvPr>
         </p:nvSpPr>
         <p:spPr>
@@ -1275,8 +1287,12 @@
             <a:ext cx="6096000" cy="3429000"/>
           </a:xfrm>
           <a:custGeom>
+            <a:avLst/>
+            <a:gdLst/>
+            <a:ahLst/>
+            <a:cxnLst/>
             <a:pathLst>
-              <a:path extrusionOk="0" h="120000" w="120000">
+              <a:path w="120000" h="120000" extrusionOk="0">
                 <a:moveTo>
                   <a:pt x="0" y="0"/>
                 </a:moveTo>
@@ -1300,7 +1316,7 @@
           <p:cNvPr id="73" name="Shape 73"/>
           <p:cNvSpPr txBox="1"/>
           <p:nvPr>
-            <p:ph idx="1" type="body"/>
+            <p:ph type="body" idx="1"/>
           </p:nvPr>
         </p:nvSpPr>
         <p:spPr>
@@ -1313,7 +1329,7 @@
           </a:prstGeom>
         </p:spPr>
         <p:txBody>
-          <a:bodyPr anchorCtr="0" anchor="t" bIns="91425" lIns="91425" rIns="91425" tIns="91425">
+          <a:bodyPr lIns="91425" tIns="91425" rIns="91425" bIns="91425" anchor="t" anchorCtr="0">
             <a:noAutofit/>
           </a:bodyPr>
           <a:lstStyle/>
@@ -1324,10 +1340,6 @@
               </a:spcBef>
               <a:buNone/>
             </a:pPr>
-            <a:r>
-              <a:t/>
-            </a:r>
-            <a:endParaRPr/>
           </a:p>
         </p:txBody>
       </p:sp>
@@ -1339,8 +1351,8 @@
 </p:notes>
 </file>
 
-<file path=ppt/notesSlides/notesSlide5.xml><?xml version="1.0" encoding="utf-8"?>
-<p:notes xmlns:a="http://schemas.openxmlformats.org/drawingml/2006/main" xmlns:r="http://schemas.openxmlformats.org/officeDocument/2006/relationships" xmlns:mc="http://schemas.openxmlformats.org/markup-compatibility/2006" xmlns:mv="urn:schemas-microsoft-com:mac:vml" xmlns:p="http://schemas.openxmlformats.org/presentationml/2006/main" xmlns:c="http://schemas.openxmlformats.org/drawingml/2006/chart" xmlns:dgm="http://schemas.openxmlformats.org/drawingml/2006/diagram" xmlns:o="urn:schemas-microsoft-com:office:office" xmlns:v="urn:schemas-microsoft-com:vml" xmlns:pvml="urn:schemas-microsoft-com:office:powerpoint" xmlns:com="http://schemas.openxmlformats.org/drawingml/2006/compatibility" xmlns:p14="http://schemas.microsoft.com/office/powerpoint/2010/main" showMasterPhAnim="0" showMasterSp="0">
+<file path=ppt/notesSlides/notesSlide6.xml><?xml version="1.0" encoding="utf-8"?>
+<p:notes xmlns:a="http://schemas.openxmlformats.org/drawingml/2006/main" xmlns:r="http://schemas.openxmlformats.org/officeDocument/2006/relationships" xmlns:p="http://schemas.openxmlformats.org/presentationml/2006/main" showMasterPhAnim="0" showMasterSp="0">
   <p:cSld>
     <p:spTree>
       <p:nvGrpSpPr>
@@ -1361,7 +1373,7 @@
           <p:cNvPr id="77" name="Shape 77"/>
           <p:cNvSpPr/>
           <p:nvPr>
-            <p:ph idx="2" type="sldImg"/>
+            <p:ph type="sldImg" idx="2"/>
           </p:nvPr>
         </p:nvSpPr>
         <p:spPr>
@@ -1370,8 +1382,12 @@
             <a:ext cx="6096000" cy="3429000"/>
           </a:xfrm>
           <a:custGeom>
+            <a:avLst/>
+            <a:gdLst/>
+            <a:ahLst/>
+            <a:cxnLst/>
             <a:pathLst>
-              <a:path extrusionOk="0" h="120000" w="120000">
+              <a:path w="120000" h="120000" extrusionOk="0">
                 <a:moveTo>
                   <a:pt x="0" y="0"/>
                 </a:moveTo>
@@ -1395,7 +1411,7 @@
           <p:cNvPr id="78" name="Shape 78"/>
           <p:cNvSpPr txBox="1"/>
           <p:nvPr>
-            <p:ph idx="1" type="body"/>
+            <p:ph type="body" idx="1"/>
           </p:nvPr>
         </p:nvSpPr>
         <p:spPr>
@@ -1408,7 +1424,7 @@
           </a:prstGeom>
         </p:spPr>
         <p:txBody>
-          <a:bodyPr anchorCtr="0" anchor="t" bIns="91425" lIns="91425" rIns="91425" tIns="91425">
+          <a:bodyPr lIns="91425" tIns="91425" rIns="91425" bIns="91425" anchor="t" anchorCtr="0">
             <a:noAutofit/>
           </a:bodyPr>
           <a:lstStyle/>
@@ -1419,10 +1435,6 @@
               </a:spcBef>
               <a:buNone/>
             </a:pPr>
-            <a:r>
-              <a:t/>
-            </a:r>
-            <a:endParaRPr/>
           </a:p>
         </p:txBody>
       </p:sp>
@@ -1434,8 +1446,8 @@
 </p:notes>
 </file>
 
-<file path=ppt/notesSlides/notesSlide6.xml><?xml version="1.0" encoding="utf-8"?>
-<p:notes xmlns:a="http://schemas.openxmlformats.org/drawingml/2006/main" xmlns:r="http://schemas.openxmlformats.org/officeDocument/2006/relationships" xmlns:mc="http://schemas.openxmlformats.org/markup-compatibility/2006" xmlns:mv="urn:schemas-microsoft-com:mac:vml" xmlns:p="http://schemas.openxmlformats.org/presentationml/2006/main" xmlns:c="http://schemas.openxmlformats.org/drawingml/2006/chart" xmlns:dgm="http://schemas.openxmlformats.org/drawingml/2006/diagram" xmlns:o="urn:schemas-microsoft-com:office:office" xmlns:v="urn:schemas-microsoft-com:vml" xmlns:pvml="urn:schemas-microsoft-com:office:powerpoint" xmlns:com="http://schemas.openxmlformats.org/drawingml/2006/compatibility" xmlns:p14="http://schemas.microsoft.com/office/powerpoint/2010/main" showMasterPhAnim="0" showMasterSp="0">
+<file path=ppt/notesSlides/notesSlide7.xml><?xml version="1.0" encoding="utf-8"?>
+<p:notes xmlns:a="http://schemas.openxmlformats.org/drawingml/2006/main" xmlns:r="http://schemas.openxmlformats.org/officeDocument/2006/relationships" xmlns:p="http://schemas.openxmlformats.org/presentationml/2006/main" showMasterPhAnim="0" showMasterSp="0">
   <p:cSld>
     <p:spTree>
       <p:nvGrpSpPr>
@@ -1456,7 +1468,7 @@
           <p:cNvPr id="83" name="Shape 83"/>
           <p:cNvSpPr/>
           <p:nvPr>
-            <p:ph idx="2" type="sldImg"/>
+            <p:ph type="sldImg" idx="2"/>
           </p:nvPr>
         </p:nvSpPr>
         <p:spPr>
@@ -1465,8 +1477,12 @@
             <a:ext cx="6096000" cy="3429000"/>
           </a:xfrm>
           <a:custGeom>
+            <a:avLst/>
+            <a:gdLst/>
+            <a:ahLst/>
+            <a:cxnLst/>
             <a:pathLst>
-              <a:path extrusionOk="0" h="120000" w="120000">
+              <a:path w="120000" h="120000" extrusionOk="0">
                 <a:moveTo>
                   <a:pt x="0" y="0"/>
                 </a:moveTo>
@@ -1490,7 +1506,7 @@
           <p:cNvPr id="84" name="Shape 84"/>
           <p:cNvSpPr txBox="1"/>
           <p:nvPr>
-            <p:ph idx="1" type="body"/>
+            <p:ph type="body" idx="1"/>
           </p:nvPr>
         </p:nvSpPr>
         <p:spPr>
@@ -1503,7 +1519,7 @@
           </a:prstGeom>
         </p:spPr>
         <p:txBody>
-          <a:bodyPr anchorCtr="0" anchor="t" bIns="91425" lIns="91425" rIns="91425" tIns="91425">
+          <a:bodyPr lIns="91425" tIns="91425" rIns="91425" bIns="91425" anchor="t" anchorCtr="0">
             <a:noAutofit/>
           </a:bodyPr>
           <a:lstStyle/>
@@ -1514,10 +1530,6 @@
               </a:spcBef>
               <a:buNone/>
             </a:pPr>
-            <a:r>
-              <a:t/>
-            </a:r>
-            <a:endParaRPr/>
           </a:p>
         </p:txBody>
       </p:sp>
@@ -1529,8 +1541,8 @@
 </p:notes>
 </file>
 
-<file path=ppt/notesSlides/notesSlide7.xml><?xml version="1.0" encoding="utf-8"?>
-<p:notes xmlns:a="http://schemas.openxmlformats.org/drawingml/2006/main" xmlns:r="http://schemas.openxmlformats.org/officeDocument/2006/relationships" xmlns:mc="http://schemas.openxmlformats.org/markup-compatibility/2006" xmlns:mv="urn:schemas-microsoft-com:mac:vml" xmlns:p="http://schemas.openxmlformats.org/presentationml/2006/main" xmlns:c="http://schemas.openxmlformats.org/drawingml/2006/chart" xmlns:dgm="http://schemas.openxmlformats.org/drawingml/2006/diagram" xmlns:o="urn:schemas-microsoft-com:office:office" xmlns:v="urn:schemas-microsoft-com:vml" xmlns:pvml="urn:schemas-microsoft-com:office:powerpoint" xmlns:com="http://schemas.openxmlformats.org/drawingml/2006/compatibility" xmlns:p14="http://schemas.microsoft.com/office/powerpoint/2010/main" showMasterPhAnim="0" showMasterSp="0">
+<file path=ppt/notesSlides/notesSlide8.xml><?xml version="1.0" encoding="utf-8"?>
+<p:notes xmlns:a="http://schemas.openxmlformats.org/drawingml/2006/main" xmlns:r="http://schemas.openxmlformats.org/officeDocument/2006/relationships" xmlns:p="http://schemas.openxmlformats.org/presentationml/2006/main" showMasterPhAnim="0" showMasterSp="0">
   <p:cSld>
     <p:spTree>
       <p:nvGrpSpPr>
@@ -1551,7 +1563,7 @@
           <p:cNvPr id="88" name="Shape 88"/>
           <p:cNvSpPr/>
           <p:nvPr>
-            <p:ph idx="2" type="sldImg"/>
+            <p:ph type="sldImg" idx="2"/>
           </p:nvPr>
         </p:nvSpPr>
         <p:spPr>
@@ -1560,8 +1572,12 @@
             <a:ext cx="6096000" cy="3429000"/>
           </a:xfrm>
           <a:custGeom>
+            <a:avLst/>
+            <a:gdLst/>
+            <a:ahLst/>
+            <a:cxnLst/>
             <a:pathLst>
-              <a:path extrusionOk="0" h="120000" w="120000">
+              <a:path w="120000" h="120000" extrusionOk="0">
                 <a:moveTo>
                   <a:pt x="0" y="0"/>
                 </a:moveTo>
@@ -1585,7 +1601,7 @@
           <p:cNvPr id="89" name="Shape 89"/>
           <p:cNvSpPr txBox="1"/>
           <p:nvPr>
-            <p:ph idx="1" type="body"/>
+            <p:ph type="body" idx="1"/>
           </p:nvPr>
         </p:nvSpPr>
         <p:spPr>
@@ -1598,7 +1614,7 @@
           </a:prstGeom>
         </p:spPr>
         <p:txBody>
-          <a:bodyPr anchorCtr="0" anchor="t" bIns="91425" lIns="91425" rIns="91425" tIns="91425">
+          <a:bodyPr lIns="91425" tIns="91425" rIns="91425" bIns="91425" anchor="t" anchorCtr="0">
             <a:noAutofit/>
           </a:bodyPr>
           <a:lstStyle/>
@@ -1609,10 +1625,6 @@
               </a:spcBef>
               <a:buNone/>
             </a:pPr>
-            <a:r>
-              <a:t/>
-            </a:r>
-            <a:endParaRPr/>
           </a:p>
         </p:txBody>
       </p:sp>
@@ -1624,8 +1636,8 @@
 </p:notes>
 </file>
 
-<file path=ppt/notesSlides/notesSlide8.xml><?xml version="1.0" encoding="utf-8"?>
-<p:notes xmlns:a="http://schemas.openxmlformats.org/drawingml/2006/main" xmlns:r="http://schemas.openxmlformats.org/officeDocument/2006/relationships" xmlns:mc="http://schemas.openxmlformats.org/markup-compatibility/2006" xmlns:mv="urn:schemas-microsoft-com:mac:vml" xmlns:p="http://schemas.openxmlformats.org/presentationml/2006/main" xmlns:c="http://schemas.openxmlformats.org/drawingml/2006/chart" xmlns:dgm="http://schemas.openxmlformats.org/drawingml/2006/diagram" xmlns:o="urn:schemas-microsoft-com:office:office" xmlns:v="urn:schemas-microsoft-com:vml" xmlns:pvml="urn:schemas-microsoft-com:office:powerpoint" xmlns:com="http://schemas.openxmlformats.org/drawingml/2006/compatibility" xmlns:p14="http://schemas.microsoft.com/office/powerpoint/2010/main" showMasterPhAnim="0" showMasterSp="0">
+<file path=ppt/notesSlides/notesSlide9.xml><?xml version="1.0" encoding="utf-8"?>
+<p:notes xmlns:a="http://schemas.openxmlformats.org/drawingml/2006/main" xmlns:r="http://schemas.openxmlformats.org/officeDocument/2006/relationships" xmlns:p="http://schemas.openxmlformats.org/presentationml/2006/main" showMasterPhAnim="0" showMasterSp="0">
   <p:cSld>
     <p:spTree>
       <p:nvGrpSpPr>
@@ -1646,7 +1658,7 @@
           <p:cNvPr id="94" name="Shape 94"/>
           <p:cNvSpPr/>
           <p:nvPr>
-            <p:ph idx="2" type="sldImg"/>
+            <p:ph type="sldImg" idx="2"/>
           </p:nvPr>
         </p:nvSpPr>
         <p:spPr>
@@ -1655,8 +1667,12 @@
             <a:ext cx="6096000" cy="3429000"/>
           </a:xfrm>
           <a:custGeom>
+            <a:avLst/>
+            <a:gdLst/>
+            <a:ahLst/>
+            <a:cxnLst/>
             <a:pathLst>
-              <a:path extrusionOk="0" h="120000" w="120000">
+              <a:path w="120000" h="120000" extrusionOk="0">
                 <a:moveTo>
                   <a:pt x="0" y="0"/>
                 </a:moveTo>
@@ -1680,7 +1696,7 @@
           <p:cNvPr id="95" name="Shape 95"/>
           <p:cNvSpPr txBox="1"/>
           <p:nvPr>
-            <p:ph idx="1" type="body"/>
+            <p:ph type="body" idx="1"/>
           </p:nvPr>
         </p:nvSpPr>
         <p:spPr>
@@ -1693,7 +1709,7 @@
           </a:prstGeom>
         </p:spPr>
         <p:txBody>
-          <a:bodyPr anchorCtr="0" anchor="t" bIns="91425" lIns="91425" rIns="91425" tIns="91425">
+          <a:bodyPr lIns="91425" tIns="91425" rIns="91425" bIns="91425" anchor="t" anchorCtr="0">
             <a:noAutofit/>
           </a:bodyPr>
           <a:lstStyle/>
@@ -1704,10 +1720,6 @@
               </a:spcBef>
               <a:buNone/>
             </a:pPr>
-            <a:r>
-              <a:t/>
-            </a:r>
-            <a:endParaRPr/>
           </a:p>
         </p:txBody>
       </p:sp>
@@ -1719,103 +1731,8 @@
 </p:notes>
 </file>
 
-<file path=ppt/notesSlides/notesSlide9.xml><?xml version="1.0" encoding="utf-8"?>
-<p:notes xmlns:a="http://schemas.openxmlformats.org/drawingml/2006/main" xmlns:r="http://schemas.openxmlformats.org/officeDocument/2006/relationships" xmlns:mc="http://schemas.openxmlformats.org/markup-compatibility/2006" xmlns:mv="urn:schemas-microsoft-com:mac:vml" xmlns:p="http://schemas.openxmlformats.org/presentationml/2006/main" xmlns:c="http://schemas.openxmlformats.org/drawingml/2006/chart" xmlns:dgm="http://schemas.openxmlformats.org/drawingml/2006/diagram" xmlns:o="urn:schemas-microsoft-com:office:office" xmlns:v="urn:schemas-microsoft-com:vml" xmlns:pvml="urn:schemas-microsoft-com:office:powerpoint" xmlns:com="http://schemas.openxmlformats.org/drawingml/2006/compatibility" xmlns:p14="http://schemas.microsoft.com/office/powerpoint/2010/main" showMasterPhAnim="0" showMasterSp="0">
-  <p:cSld>
-    <p:spTree>
-      <p:nvGrpSpPr>
-        <p:cNvPr id="98" name="Shape 98"/>
-        <p:cNvGrpSpPr/>
-        <p:nvPr/>
-      </p:nvGrpSpPr>
-      <p:grpSpPr>
-        <a:xfrm>
-          <a:off x="0" y="0"/>
-          <a:ext cx="0" cy="0"/>
-          <a:chOff x="0" y="0"/>
-          <a:chExt cx="0" cy="0"/>
-        </a:xfrm>
-      </p:grpSpPr>
-      <p:sp>
-        <p:nvSpPr>
-          <p:cNvPr id="99" name="Shape 99"/>
-          <p:cNvSpPr/>
-          <p:nvPr>
-            <p:ph idx="2" type="sldImg"/>
-          </p:nvPr>
-        </p:nvSpPr>
-        <p:spPr>
-          <a:xfrm>
-            <a:off x="381300" y="685800"/>
-            <a:ext cx="6096000" cy="3429000"/>
-          </a:xfrm>
-          <a:custGeom>
-            <a:pathLst>
-              <a:path extrusionOk="0" h="120000" w="120000">
-                <a:moveTo>
-                  <a:pt x="0" y="0"/>
-                </a:moveTo>
-                <a:lnTo>
-                  <a:pt x="120000" y="0"/>
-                </a:lnTo>
-                <a:lnTo>
-                  <a:pt x="120000" y="120000"/>
-                </a:lnTo>
-                <a:lnTo>
-                  <a:pt x="0" y="120000"/>
-                </a:lnTo>
-                <a:close/>
-              </a:path>
-            </a:pathLst>
-          </a:custGeom>
-        </p:spPr>
-      </p:sp>
-      <p:sp>
-        <p:nvSpPr>
-          <p:cNvPr id="100" name="Shape 100"/>
-          <p:cNvSpPr txBox="1"/>
-          <p:nvPr>
-            <p:ph idx="1" type="body"/>
-          </p:nvPr>
-        </p:nvSpPr>
-        <p:spPr>
-          <a:xfrm>
-            <a:off x="685800" y="4343400"/>
-            <a:ext cx="5486399" cy="4114800"/>
-          </a:xfrm>
-          <a:prstGeom prst="rect">
-            <a:avLst/>
-          </a:prstGeom>
-        </p:spPr>
-        <p:txBody>
-          <a:bodyPr anchorCtr="0" anchor="t" bIns="91425" lIns="91425" rIns="91425" tIns="91425">
-            <a:noAutofit/>
-          </a:bodyPr>
-          <a:lstStyle/>
-          <a:p>
-            <a:pPr lvl="0" rtl="0">
-              <a:spcBef>
-                <a:spcPts val="0"/>
-              </a:spcBef>
-              <a:buNone/>
-            </a:pPr>
-            <a:r>
-              <a:t/>
-            </a:r>
-            <a:endParaRPr/>
-          </a:p>
-        </p:txBody>
-      </p:sp>
-    </p:spTree>
-  </p:cSld>
-  <p:clrMapOvr>
-    <a:masterClrMapping/>
-  </p:clrMapOvr>
-</p:notes>
-</file>
-
-<file path=ppt/slideLayouts/slideLayout.xml><?xml version="1.0" encoding="utf-8"?>
-<p:sldLayout xmlns:a="http://schemas.openxmlformats.org/drawingml/2006/main" xmlns:r="http://schemas.openxmlformats.org/officeDocument/2006/relationships" xmlns:mc="http://schemas.openxmlformats.org/markup-compatibility/2006" xmlns:mv="urn:schemas-microsoft-com:mac:vml" xmlns:p="http://schemas.openxmlformats.org/presentationml/2006/main" xmlns:c="http://schemas.openxmlformats.org/drawingml/2006/chart" xmlns:dgm="http://schemas.openxmlformats.org/drawingml/2006/diagram" xmlns:o="urn:schemas-microsoft-com:office:office" xmlns:v="urn:schemas-microsoft-com:vml" xmlns:pvml="urn:schemas-microsoft-com:office:powerpoint" xmlns:com="http://schemas.openxmlformats.org/drawingml/2006/compatibility" xmlns:p14="http://schemas.microsoft.com/office/powerpoint/2010/main" type="title">
+<file path=ppt/slideLayouts/slideLayout1.xml><?xml version="1.0" encoding="utf-8"?>
+<p:sldLayout xmlns:a="http://schemas.openxmlformats.org/drawingml/2006/main" xmlns:r="http://schemas.openxmlformats.org/officeDocument/2006/relationships" xmlns:p="http://schemas.openxmlformats.org/presentationml/2006/main" type="title">
   <p:cSld name="Title slide">
     <p:spTree>
       <p:nvGrpSpPr>
@@ -1849,7 +1766,7 @@
           </a:prstGeom>
         </p:spPr>
         <p:txBody>
-          <a:bodyPr anchorCtr="0" anchor="b" bIns="91425" lIns="91425" rIns="91425" tIns="91425"/>
+          <a:bodyPr lIns="91425" tIns="91425" rIns="91425" bIns="91425" anchor="b" anchorCtr="0"/>
           <a:lstStyle>
             <a:lvl1pPr lvl="0" algn="ctr">
               <a:spcBef>
@@ -1923,7 +1840,7 @@
           <p:cNvPr id="11" name="Shape 11"/>
           <p:cNvSpPr txBox="1"/>
           <p:nvPr>
-            <p:ph idx="1" type="subTitle"/>
+            <p:ph type="subTitle" idx="1"/>
           </p:nvPr>
         </p:nvSpPr>
         <p:spPr>
@@ -1936,7 +1853,7 @@
           </a:prstGeom>
         </p:spPr>
         <p:txBody>
-          <a:bodyPr anchorCtr="0" anchor="t" bIns="91425" lIns="91425" rIns="91425" tIns="91425"/>
+          <a:bodyPr lIns="91425" tIns="91425" rIns="91425" bIns="91425" anchor="t" anchorCtr="0"/>
           <a:lstStyle>
             <a:lvl1pPr lvl="0" algn="ctr">
               <a:lnSpc>
@@ -2073,7 +1990,7 @@
           <p:cNvPr id="12" name="Shape 12"/>
           <p:cNvSpPr txBox="1"/>
           <p:nvPr>
-            <p:ph idx="12" type="sldNum"/>
+            <p:ph type="sldNum" idx="12"/>
           </p:nvPr>
         </p:nvSpPr>
         <p:spPr>
@@ -2086,7 +2003,7 @@
           </a:prstGeom>
         </p:spPr>
         <p:txBody>
-          <a:bodyPr anchorCtr="0" anchor="ctr" bIns="91425" lIns="91425" rIns="91425" tIns="91425">
+          <a:bodyPr lIns="91425" tIns="91425" rIns="91425" bIns="91425" anchor="ctr" anchorCtr="0">
             <a:noAutofit/>
           </a:bodyPr>
           <a:lstStyle/>
@@ -2098,9 +2015,9 @@
               <a:buNone/>
             </a:pPr>
             <a:fld id="{00000000-1234-1234-1234-123412341234}" type="slidenum">
-              <a:rPr lang="en"/>
-              <a:t>‹#›</a:t>
+              <a:rPr lang="en-GB"/>
             </a:fld>
+            <a:endParaRPr lang="en-GB"/>
           </a:p>
         </p:txBody>
       </p:sp>
@@ -2112,8 +2029,295 @@
 </p:sldLayout>
 </file>
 
-<file path=ppt/slideLayouts/slideLayout1.xml><?xml version="1.0" encoding="utf-8"?>
-<p:sldLayout xmlns:a="http://schemas.openxmlformats.org/drawingml/2006/main" xmlns:r="http://schemas.openxmlformats.org/officeDocument/2006/relationships" xmlns:mc="http://schemas.openxmlformats.org/markup-compatibility/2006" xmlns:mv="urn:schemas-microsoft-com:mac:vml" xmlns:p="http://schemas.openxmlformats.org/presentationml/2006/main" xmlns:c="http://schemas.openxmlformats.org/drawingml/2006/chart" xmlns:dgm="http://schemas.openxmlformats.org/drawingml/2006/diagram" xmlns:o="urn:schemas-microsoft-com:office:office" xmlns:v="urn:schemas-microsoft-com:vml" xmlns:pvml="urn:schemas-microsoft-com:office:powerpoint" xmlns:com="http://schemas.openxmlformats.org/drawingml/2006/compatibility" xmlns:p14="http://schemas.microsoft.com/office/powerpoint/2010/main" type="secHead">
+<file path=ppt/slideLayouts/slideLayout10.xml><?xml version="1.0" encoding="utf-8"?>
+<p:sldLayout xmlns:a="http://schemas.openxmlformats.org/drawingml/2006/main" xmlns:r="http://schemas.openxmlformats.org/officeDocument/2006/relationships" xmlns:p="http://schemas.openxmlformats.org/presentationml/2006/main">
+  <p:cSld name="Big number">
+    <p:spTree>
+      <p:nvGrpSpPr>
+        <p:cNvPr id="44" name="Shape 44"/>
+        <p:cNvGrpSpPr/>
+        <p:nvPr/>
+      </p:nvGrpSpPr>
+      <p:grpSpPr>
+        <a:xfrm>
+          <a:off x="0" y="0"/>
+          <a:ext cx="0" cy="0"/>
+          <a:chOff x="0" y="0"/>
+          <a:chExt cx="0" cy="0"/>
+        </a:xfrm>
+      </p:grpSpPr>
+      <p:sp>
+        <p:nvSpPr>
+          <p:cNvPr id="45" name="Shape 45"/>
+          <p:cNvSpPr txBox="1"/>
+          <p:nvPr>
+            <p:ph type="title"/>
+          </p:nvPr>
+        </p:nvSpPr>
+        <p:spPr>
+          <a:xfrm>
+            <a:off x="311700" y="1106125"/>
+            <a:ext cx="8520599" cy="1963500"/>
+          </a:xfrm>
+          <a:prstGeom prst="rect">
+            <a:avLst/>
+          </a:prstGeom>
+        </p:spPr>
+        <p:txBody>
+          <a:bodyPr lIns="91425" tIns="91425" rIns="91425" bIns="91425" anchor="b" anchorCtr="0"/>
+          <a:lstStyle>
+            <a:lvl1pPr lvl="0" algn="ctr">
+              <a:spcBef>
+                <a:spcPts val="0"/>
+              </a:spcBef>
+              <a:buSzPct val="100000"/>
+              <a:defRPr sz="12000"/>
+            </a:lvl1pPr>
+            <a:lvl2pPr lvl="1" algn="ctr">
+              <a:spcBef>
+                <a:spcPts val="0"/>
+              </a:spcBef>
+              <a:buSzPct val="100000"/>
+              <a:defRPr sz="12000"/>
+            </a:lvl2pPr>
+            <a:lvl3pPr lvl="2" algn="ctr">
+              <a:spcBef>
+                <a:spcPts val="0"/>
+              </a:spcBef>
+              <a:buSzPct val="100000"/>
+              <a:defRPr sz="12000"/>
+            </a:lvl3pPr>
+            <a:lvl4pPr lvl="3" algn="ctr">
+              <a:spcBef>
+                <a:spcPts val="0"/>
+              </a:spcBef>
+              <a:buSzPct val="100000"/>
+              <a:defRPr sz="12000"/>
+            </a:lvl4pPr>
+            <a:lvl5pPr lvl="4" algn="ctr">
+              <a:spcBef>
+                <a:spcPts val="0"/>
+              </a:spcBef>
+              <a:buSzPct val="100000"/>
+              <a:defRPr sz="12000"/>
+            </a:lvl5pPr>
+            <a:lvl6pPr lvl="5" algn="ctr">
+              <a:spcBef>
+                <a:spcPts val="0"/>
+              </a:spcBef>
+              <a:buSzPct val="100000"/>
+              <a:defRPr sz="12000"/>
+            </a:lvl6pPr>
+            <a:lvl7pPr lvl="6" algn="ctr">
+              <a:spcBef>
+                <a:spcPts val="0"/>
+              </a:spcBef>
+              <a:buSzPct val="100000"/>
+              <a:defRPr sz="12000"/>
+            </a:lvl7pPr>
+            <a:lvl8pPr lvl="7" algn="ctr">
+              <a:spcBef>
+                <a:spcPts val="0"/>
+              </a:spcBef>
+              <a:buSzPct val="100000"/>
+              <a:defRPr sz="12000"/>
+            </a:lvl8pPr>
+            <a:lvl9pPr lvl="8" algn="ctr">
+              <a:spcBef>
+                <a:spcPts val="0"/>
+              </a:spcBef>
+              <a:buSzPct val="100000"/>
+              <a:defRPr sz="12000"/>
+            </a:lvl9pPr>
+          </a:lstStyle>
+          <a:p/>
+        </p:txBody>
+      </p:sp>
+      <p:sp>
+        <p:nvSpPr>
+          <p:cNvPr id="46" name="Shape 46"/>
+          <p:cNvSpPr txBox="1"/>
+          <p:nvPr>
+            <p:ph type="body" idx="1"/>
+          </p:nvPr>
+        </p:nvSpPr>
+        <p:spPr>
+          <a:xfrm>
+            <a:off x="311700" y="3152225"/>
+            <a:ext cx="8520599" cy="1300800"/>
+          </a:xfrm>
+          <a:prstGeom prst="rect">
+            <a:avLst/>
+          </a:prstGeom>
+        </p:spPr>
+        <p:txBody>
+          <a:bodyPr lIns="91425" tIns="91425" rIns="91425" bIns="91425" anchor="t" anchorCtr="0"/>
+          <a:lstStyle>
+            <a:lvl1pPr lvl="0" algn="ctr">
+              <a:spcBef>
+                <a:spcPts val="0"/>
+              </a:spcBef>
+              <a:defRPr/>
+            </a:lvl1pPr>
+            <a:lvl2pPr lvl="1" algn="ctr">
+              <a:spcBef>
+                <a:spcPts val="0"/>
+              </a:spcBef>
+              <a:defRPr/>
+            </a:lvl2pPr>
+            <a:lvl3pPr lvl="2" algn="ctr">
+              <a:spcBef>
+                <a:spcPts val="0"/>
+              </a:spcBef>
+              <a:defRPr/>
+            </a:lvl3pPr>
+            <a:lvl4pPr lvl="3" algn="ctr">
+              <a:spcBef>
+                <a:spcPts val="0"/>
+              </a:spcBef>
+              <a:defRPr/>
+            </a:lvl4pPr>
+            <a:lvl5pPr lvl="4" algn="ctr">
+              <a:spcBef>
+                <a:spcPts val="0"/>
+              </a:spcBef>
+              <a:defRPr/>
+            </a:lvl5pPr>
+            <a:lvl6pPr lvl="5" algn="ctr">
+              <a:spcBef>
+                <a:spcPts val="0"/>
+              </a:spcBef>
+              <a:defRPr/>
+            </a:lvl6pPr>
+            <a:lvl7pPr lvl="6" algn="ctr">
+              <a:spcBef>
+                <a:spcPts val="0"/>
+              </a:spcBef>
+              <a:defRPr/>
+            </a:lvl7pPr>
+            <a:lvl8pPr lvl="7" algn="ctr">
+              <a:spcBef>
+                <a:spcPts val="0"/>
+              </a:spcBef>
+              <a:defRPr/>
+            </a:lvl8pPr>
+            <a:lvl9pPr lvl="8" algn="ctr">
+              <a:spcBef>
+                <a:spcPts val="0"/>
+              </a:spcBef>
+              <a:defRPr/>
+            </a:lvl9pPr>
+          </a:lstStyle>
+          <a:p/>
+        </p:txBody>
+      </p:sp>
+      <p:sp>
+        <p:nvSpPr>
+          <p:cNvPr id="47" name="Shape 47"/>
+          <p:cNvSpPr txBox="1"/>
+          <p:nvPr>
+            <p:ph type="sldNum" idx="12"/>
+          </p:nvPr>
+        </p:nvSpPr>
+        <p:spPr>
+          <a:xfrm>
+            <a:off x="8472457" y="4663216"/>
+            <a:ext cx="548699" cy="393600"/>
+          </a:xfrm>
+          <a:prstGeom prst="rect">
+            <a:avLst/>
+          </a:prstGeom>
+        </p:spPr>
+        <p:txBody>
+          <a:bodyPr lIns="91425" tIns="91425" rIns="91425" bIns="91425" anchor="ctr" anchorCtr="0">
+            <a:noAutofit/>
+          </a:bodyPr>
+          <a:lstStyle/>
+          <a:p>
+            <a:pPr lvl="0">
+              <a:spcBef>
+                <a:spcPts val="0"/>
+              </a:spcBef>
+              <a:buNone/>
+            </a:pPr>
+            <a:fld id="{00000000-1234-1234-1234-123412341234}" type="slidenum">
+              <a:rPr lang="en-GB"/>
+            </a:fld>
+            <a:endParaRPr lang="en-GB"/>
+          </a:p>
+        </p:txBody>
+      </p:sp>
+    </p:spTree>
+  </p:cSld>
+  <p:clrMapOvr>
+    <a:masterClrMapping/>
+  </p:clrMapOvr>
+</p:sldLayout>
+</file>
+
+<file path=ppt/slideLayouts/slideLayout11.xml><?xml version="1.0" encoding="utf-8"?>
+<p:sldLayout xmlns:a="http://schemas.openxmlformats.org/drawingml/2006/main" xmlns:r="http://schemas.openxmlformats.org/officeDocument/2006/relationships" xmlns:p="http://schemas.openxmlformats.org/presentationml/2006/main" type="blank">
+  <p:cSld name="Blank">
+    <p:spTree>
+      <p:nvGrpSpPr>
+        <p:cNvPr id="48" name="Shape 48"/>
+        <p:cNvGrpSpPr/>
+        <p:nvPr/>
+      </p:nvGrpSpPr>
+      <p:grpSpPr>
+        <a:xfrm>
+          <a:off x="0" y="0"/>
+          <a:ext cx="0" cy="0"/>
+          <a:chOff x="0" y="0"/>
+          <a:chExt cx="0" cy="0"/>
+        </a:xfrm>
+      </p:grpSpPr>
+      <p:sp>
+        <p:nvSpPr>
+          <p:cNvPr id="49" name="Shape 49"/>
+          <p:cNvSpPr txBox="1"/>
+          <p:nvPr>
+            <p:ph type="sldNum" idx="12"/>
+          </p:nvPr>
+        </p:nvSpPr>
+        <p:spPr>
+          <a:xfrm>
+            <a:off x="8472457" y="4663216"/>
+            <a:ext cx="548699" cy="393600"/>
+          </a:xfrm>
+          <a:prstGeom prst="rect">
+            <a:avLst/>
+          </a:prstGeom>
+        </p:spPr>
+        <p:txBody>
+          <a:bodyPr lIns="91425" tIns="91425" rIns="91425" bIns="91425" anchor="ctr" anchorCtr="0">
+            <a:noAutofit/>
+          </a:bodyPr>
+          <a:lstStyle/>
+          <a:p>
+            <a:pPr lvl="0">
+              <a:spcBef>
+                <a:spcPts val="0"/>
+              </a:spcBef>
+              <a:buNone/>
+            </a:pPr>
+            <a:fld id="{00000000-1234-1234-1234-123412341234}" type="slidenum">
+              <a:rPr lang="en-GB"/>
+            </a:fld>
+            <a:endParaRPr lang="en-GB"/>
+          </a:p>
+        </p:txBody>
+      </p:sp>
+    </p:spTree>
+  </p:cSld>
+  <p:clrMapOvr>
+    <a:masterClrMapping/>
+  </p:clrMapOvr>
+</p:sldLayout>
+</file>
+
+<file path=ppt/slideLayouts/slideLayout2.xml><?xml version="1.0" encoding="utf-8"?>
+<p:sldLayout xmlns:a="http://schemas.openxmlformats.org/drawingml/2006/main" xmlns:r="http://schemas.openxmlformats.org/officeDocument/2006/relationships" xmlns:p="http://schemas.openxmlformats.org/presentationml/2006/main" type="secHead">
   <p:cSld name="Section header">
     <p:spTree>
       <p:nvGrpSpPr>
@@ -2147,7 +2351,7 @@
           </a:prstGeom>
         </p:spPr>
         <p:txBody>
-          <a:bodyPr anchorCtr="0" anchor="ctr" bIns="91425" lIns="91425" rIns="91425" tIns="91425"/>
+          <a:bodyPr lIns="91425" tIns="91425" rIns="91425" bIns="91425" anchor="ctr" anchorCtr="0"/>
           <a:lstStyle>
             <a:lvl1pPr lvl="0" algn="ctr">
               <a:spcBef>
@@ -2221,7 +2425,7 @@
           <p:cNvPr id="15" name="Shape 15"/>
           <p:cNvSpPr txBox="1"/>
           <p:nvPr>
-            <p:ph idx="12" type="sldNum"/>
+            <p:ph type="sldNum" idx="12"/>
           </p:nvPr>
         </p:nvSpPr>
         <p:spPr>
@@ -2234,7 +2438,7 @@
           </a:prstGeom>
         </p:spPr>
         <p:txBody>
-          <a:bodyPr anchorCtr="0" anchor="ctr" bIns="91425" lIns="91425" rIns="91425" tIns="91425">
+          <a:bodyPr lIns="91425" tIns="91425" rIns="91425" bIns="91425" anchor="ctr" anchorCtr="0">
             <a:noAutofit/>
           </a:bodyPr>
           <a:lstStyle/>
@@ -2246,9 +2450,9 @@
               <a:buNone/>
             </a:pPr>
             <a:fld id="{00000000-1234-1234-1234-123412341234}" type="slidenum">
-              <a:rPr lang="en"/>
-              <a:t>‹#›</a:t>
+              <a:rPr lang="en-GB"/>
             </a:fld>
+            <a:endParaRPr lang="en-GB"/>
           </a:p>
         </p:txBody>
       </p:sp>
@@ -2260,69 +2464,8 @@
 </p:sldLayout>
 </file>
 
-<file path=ppt/slideLayouts/slideLayout10.xml><?xml version="1.0" encoding="utf-8"?>
-<p:sldLayout xmlns:a="http://schemas.openxmlformats.org/drawingml/2006/main" xmlns:r="http://schemas.openxmlformats.org/officeDocument/2006/relationships" xmlns:mc="http://schemas.openxmlformats.org/markup-compatibility/2006" xmlns:mv="urn:schemas-microsoft-com:mac:vml" xmlns:p="http://schemas.openxmlformats.org/presentationml/2006/main" xmlns:c="http://schemas.openxmlformats.org/drawingml/2006/chart" xmlns:dgm="http://schemas.openxmlformats.org/drawingml/2006/diagram" xmlns:o="urn:schemas-microsoft-com:office:office" xmlns:v="urn:schemas-microsoft-com:vml" xmlns:pvml="urn:schemas-microsoft-com:office:powerpoint" xmlns:com="http://schemas.openxmlformats.org/drawingml/2006/compatibility" xmlns:p14="http://schemas.microsoft.com/office/powerpoint/2010/main" type="blank">
-  <p:cSld name="Blank">
-    <p:spTree>
-      <p:nvGrpSpPr>
-        <p:cNvPr id="48" name="Shape 48"/>
-        <p:cNvGrpSpPr/>
-        <p:nvPr/>
-      </p:nvGrpSpPr>
-      <p:grpSpPr>
-        <a:xfrm>
-          <a:off x="0" y="0"/>
-          <a:ext cx="0" cy="0"/>
-          <a:chOff x="0" y="0"/>
-          <a:chExt cx="0" cy="0"/>
-        </a:xfrm>
-      </p:grpSpPr>
-      <p:sp>
-        <p:nvSpPr>
-          <p:cNvPr id="49" name="Shape 49"/>
-          <p:cNvSpPr txBox="1"/>
-          <p:nvPr>
-            <p:ph idx="12" type="sldNum"/>
-          </p:nvPr>
-        </p:nvSpPr>
-        <p:spPr>
-          <a:xfrm>
-            <a:off x="8472457" y="4663216"/>
-            <a:ext cx="548699" cy="393600"/>
-          </a:xfrm>
-          <a:prstGeom prst="rect">
-            <a:avLst/>
-          </a:prstGeom>
-        </p:spPr>
-        <p:txBody>
-          <a:bodyPr anchorCtr="0" anchor="ctr" bIns="91425" lIns="91425" rIns="91425" tIns="91425">
-            <a:noAutofit/>
-          </a:bodyPr>
-          <a:lstStyle/>
-          <a:p>
-            <a:pPr lvl="0">
-              <a:spcBef>
-                <a:spcPts val="0"/>
-              </a:spcBef>
-              <a:buNone/>
-            </a:pPr>
-            <a:fld id="{00000000-1234-1234-1234-123412341234}" type="slidenum">
-              <a:rPr lang="en"/>
-              <a:t>‹#›</a:t>
-            </a:fld>
-          </a:p>
-        </p:txBody>
-      </p:sp>
-    </p:spTree>
-  </p:cSld>
-  <p:clrMapOvr>
-    <a:masterClrMapping/>
-  </p:clrMapOvr>
-</p:sldLayout>
-</file>
-
-<file path=ppt/slideLayouts/slideLayout2.xml><?xml version="1.0" encoding="utf-8"?>
-<p:sldLayout xmlns:a="http://schemas.openxmlformats.org/drawingml/2006/main" xmlns:r="http://schemas.openxmlformats.org/officeDocument/2006/relationships" xmlns:mc="http://schemas.openxmlformats.org/markup-compatibility/2006" xmlns:mv="urn:schemas-microsoft-com:mac:vml" xmlns:p="http://schemas.openxmlformats.org/presentationml/2006/main" xmlns:c="http://schemas.openxmlformats.org/drawingml/2006/chart" xmlns:dgm="http://schemas.openxmlformats.org/drawingml/2006/diagram" xmlns:o="urn:schemas-microsoft-com:office:office" xmlns:v="urn:schemas-microsoft-com:vml" xmlns:pvml="urn:schemas-microsoft-com:office:powerpoint" xmlns:com="http://schemas.openxmlformats.org/drawingml/2006/compatibility" xmlns:p14="http://schemas.microsoft.com/office/powerpoint/2010/main" type="tx">
+<file path=ppt/slideLayouts/slideLayout3.xml><?xml version="1.0" encoding="utf-8"?>
+<p:sldLayout xmlns:a="http://schemas.openxmlformats.org/drawingml/2006/main" xmlns:r="http://schemas.openxmlformats.org/officeDocument/2006/relationships" xmlns:p="http://schemas.openxmlformats.org/presentationml/2006/main" type="tx">
   <p:cSld name="Title and body">
     <p:spTree>
       <p:nvGrpSpPr>
@@ -2356,7 +2499,7 @@
           </a:prstGeom>
         </p:spPr>
         <p:txBody>
-          <a:bodyPr anchorCtr="0" anchor="t" bIns="91425" lIns="91425" rIns="91425" tIns="91425"/>
+          <a:bodyPr lIns="91425" tIns="91425" rIns="91425" bIns="91425" anchor="t" anchorCtr="0"/>
           <a:lstStyle>
             <a:lvl1pPr lvl="0">
               <a:spcBef>
@@ -2421,7 +2564,7 @@
           <p:cNvPr id="18" name="Shape 18"/>
           <p:cNvSpPr txBox="1"/>
           <p:nvPr>
-            <p:ph idx="1" type="body"/>
+            <p:ph type="body" idx="1"/>
           </p:nvPr>
         </p:nvSpPr>
         <p:spPr>
@@ -2434,7 +2577,7 @@
           </a:prstGeom>
         </p:spPr>
         <p:txBody>
-          <a:bodyPr anchorCtr="0" anchor="t" bIns="91425" lIns="91425" rIns="91425" tIns="91425"/>
+          <a:bodyPr lIns="91425" tIns="91425" rIns="91425" bIns="91425" anchor="t" anchorCtr="0"/>
           <a:lstStyle>
             <a:lvl1pPr lvl="0">
               <a:spcBef>
@@ -2499,7 +2642,7 @@
           <p:cNvPr id="19" name="Shape 19"/>
           <p:cNvSpPr txBox="1"/>
           <p:nvPr>
-            <p:ph idx="12" type="sldNum"/>
+            <p:ph type="sldNum" idx="12"/>
           </p:nvPr>
         </p:nvSpPr>
         <p:spPr>
@@ -2512,7 +2655,7 @@
           </a:prstGeom>
         </p:spPr>
         <p:txBody>
-          <a:bodyPr anchorCtr="0" anchor="ctr" bIns="91425" lIns="91425" rIns="91425" tIns="91425">
+          <a:bodyPr lIns="91425" tIns="91425" rIns="91425" bIns="91425" anchor="ctr" anchorCtr="0">
             <a:noAutofit/>
           </a:bodyPr>
           <a:lstStyle/>
@@ -2524,9 +2667,9 @@
               <a:buNone/>
             </a:pPr>
             <a:fld id="{00000000-1234-1234-1234-123412341234}" type="slidenum">
-              <a:rPr lang="en"/>
-              <a:t>‹#›</a:t>
+              <a:rPr lang="en-GB"/>
             </a:fld>
+            <a:endParaRPr lang="en-GB"/>
           </a:p>
         </p:txBody>
       </p:sp>
@@ -2538,8 +2681,8 @@
 </p:sldLayout>
 </file>
 
-<file path=ppt/slideLayouts/slideLayout3.xml><?xml version="1.0" encoding="utf-8"?>
-<p:sldLayout xmlns:a="http://schemas.openxmlformats.org/drawingml/2006/main" xmlns:r="http://schemas.openxmlformats.org/officeDocument/2006/relationships" xmlns:mc="http://schemas.openxmlformats.org/markup-compatibility/2006" xmlns:mv="urn:schemas-microsoft-com:mac:vml" xmlns:p="http://schemas.openxmlformats.org/presentationml/2006/main" xmlns:c="http://schemas.openxmlformats.org/drawingml/2006/chart" xmlns:dgm="http://schemas.openxmlformats.org/drawingml/2006/diagram" xmlns:o="urn:schemas-microsoft-com:office:office" xmlns:v="urn:schemas-microsoft-com:vml" xmlns:pvml="urn:schemas-microsoft-com:office:powerpoint" xmlns:com="http://schemas.openxmlformats.org/drawingml/2006/compatibility" xmlns:p14="http://schemas.microsoft.com/office/powerpoint/2010/main" type="twoColTx">
+<file path=ppt/slideLayouts/slideLayout4.xml><?xml version="1.0" encoding="utf-8"?>
+<p:sldLayout xmlns:a="http://schemas.openxmlformats.org/drawingml/2006/main" xmlns:r="http://schemas.openxmlformats.org/officeDocument/2006/relationships" xmlns:p="http://schemas.openxmlformats.org/presentationml/2006/main" type="twoColTx">
   <p:cSld name="Title and two columns">
     <p:spTree>
       <p:nvGrpSpPr>
@@ -2573,7 +2716,7 @@
           </a:prstGeom>
         </p:spPr>
         <p:txBody>
-          <a:bodyPr anchorCtr="0" anchor="t" bIns="91425" lIns="91425" rIns="91425" tIns="91425"/>
+          <a:bodyPr lIns="91425" tIns="91425" rIns="91425" bIns="91425" anchor="t" anchorCtr="0"/>
           <a:lstStyle>
             <a:lvl1pPr lvl="0">
               <a:spcBef>
@@ -2638,7 +2781,7 @@
           <p:cNvPr id="22" name="Shape 22"/>
           <p:cNvSpPr txBox="1"/>
           <p:nvPr>
-            <p:ph idx="1" type="body"/>
+            <p:ph type="body" idx="1"/>
           </p:nvPr>
         </p:nvSpPr>
         <p:spPr>
@@ -2651,7 +2794,7 @@
           </a:prstGeom>
         </p:spPr>
         <p:txBody>
-          <a:bodyPr anchorCtr="0" anchor="t" bIns="91425" lIns="91425" rIns="91425" tIns="91425"/>
+          <a:bodyPr lIns="91425" tIns="91425" rIns="91425" bIns="91425" anchor="t" anchorCtr="0"/>
           <a:lstStyle>
             <a:lvl1pPr lvl="0">
               <a:spcBef>
@@ -2725,7 +2868,7 @@
           <p:cNvPr id="23" name="Shape 23"/>
           <p:cNvSpPr txBox="1"/>
           <p:nvPr>
-            <p:ph idx="2" type="body"/>
+            <p:ph type="body" idx="2"/>
           </p:nvPr>
         </p:nvSpPr>
         <p:spPr>
@@ -2738,7 +2881,7 @@
           </a:prstGeom>
         </p:spPr>
         <p:txBody>
-          <a:bodyPr anchorCtr="0" anchor="t" bIns="91425" lIns="91425" rIns="91425" tIns="91425"/>
+          <a:bodyPr lIns="91425" tIns="91425" rIns="91425" bIns="91425" anchor="t" anchorCtr="0"/>
           <a:lstStyle>
             <a:lvl1pPr lvl="0">
               <a:spcBef>
@@ -2812,7 +2955,7 @@
           <p:cNvPr id="24" name="Shape 24"/>
           <p:cNvSpPr txBox="1"/>
           <p:nvPr>
-            <p:ph idx="12" type="sldNum"/>
+            <p:ph type="sldNum" idx="12"/>
           </p:nvPr>
         </p:nvSpPr>
         <p:spPr>
@@ -2825,7 +2968,7 @@
           </a:prstGeom>
         </p:spPr>
         <p:txBody>
-          <a:bodyPr anchorCtr="0" anchor="ctr" bIns="91425" lIns="91425" rIns="91425" tIns="91425">
+          <a:bodyPr lIns="91425" tIns="91425" rIns="91425" bIns="91425" anchor="ctr" anchorCtr="0">
             <a:noAutofit/>
           </a:bodyPr>
           <a:lstStyle/>
@@ -2837,9 +2980,9 @@
               <a:buNone/>
             </a:pPr>
             <a:fld id="{00000000-1234-1234-1234-123412341234}" type="slidenum">
-              <a:rPr lang="en"/>
-              <a:t>‹#›</a:t>
+              <a:rPr lang="en-GB"/>
             </a:fld>
+            <a:endParaRPr lang="en-GB"/>
           </a:p>
         </p:txBody>
       </p:sp>
@@ -2851,8 +2994,8 @@
 </p:sldLayout>
 </file>
 
-<file path=ppt/slideLayouts/slideLayout4.xml><?xml version="1.0" encoding="utf-8"?>
-<p:sldLayout xmlns:a="http://schemas.openxmlformats.org/drawingml/2006/main" xmlns:r="http://schemas.openxmlformats.org/officeDocument/2006/relationships" xmlns:mc="http://schemas.openxmlformats.org/markup-compatibility/2006" xmlns:mv="urn:schemas-microsoft-com:mac:vml" xmlns:p="http://schemas.openxmlformats.org/presentationml/2006/main" xmlns:c="http://schemas.openxmlformats.org/drawingml/2006/chart" xmlns:dgm="http://schemas.openxmlformats.org/drawingml/2006/diagram" xmlns:o="urn:schemas-microsoft-com:office:office" xmlns:v="urn:schemas-microsoft-com:vml" xmlns:pvml="urn:schemas-microsoft-com:office:powerpoint" xmlns:com="http://schemas.openxmlformats.org/drawingml/2006/compatibility" xmlns:p14="http://schemas.microsoft.com/office/powerpoint/2010/main" type="titleOnly">
+<file path=ppt/slideLayouts/slideLayout5.xml><?xml version="1.0" encoding="utf-8"?>
+<p:sldLayout xmlns:a="http://schemas.openxmlformats.org/drawingml/2006/main" xmlns:r="http://schemas.openxmlformats.org/officeDocument/2006/relationships" xmlns:p="http://schemas.openxmlformats.org/presentationml/2006/main" type="titleOnly">
   <p:cSld name="Title only">
     <p:spTree>
       <p:nvGrpSpPr>
@@ -2886,7 +3029,7 @@
           </a:prstGeom>
         </p:spPr>
         <p:txBody>
-          <a:bodyPr anchorCtr="0" anchor="t" bIns="91425" lIns="91425" rIns="91425" tIns="91425"/>
+          <a:bodyPr lIns="91425" tIns="91425" rIns="91425" bIns="91425" anchor="t" anchorCtr="0"/>
           <a:lstStyle>
             <a:lvl1pPr lvl="0">
               <a:spcBef>
@@ -2951,7 +3094,7 @@
           <p:cNvPr id="27" name="Shape 27"/>
           <p:cNvSpPr txBox="1"/>
           <p:nvPr>
-            <p:ph idx="12" type="sldNum"/>
+            <p:ph type="sldNum" idx="12"/>
           </p:nvPr>
         </p:nvSpPr>
         <p:spPr>
@@ -2964,7 +3107,7 @@
           </a:prstGeom>
         </p:spPr>
         <p:txBody>
-          <a:bodyPr anchorCtr="0" anchor="ctr" bIns="91425" lIns="91425" rIns="91425" tIns="91425">
+          <a:bodyPr lIns="91425" tIns="91425" rIns="91425" bIns="91425" anchor="ctr" anchorCtr="0">
             <a:noAutofit/>
           </a:bodyPr>
           <a:lstStyle/>
@@ -2976,9 +3119,9 @@
               <a:buNone/>
             </a:pPr>
             <a:fld id="{00000000-1234-1234-1234-123412341234}" type="slidenum">
-              <a:rPr lang="en"/>
-              <a:t>‹#›</a:t>
+              <a:rPr lang="en-GB"/>
             </a:fld>
+            <a:endParaRPr lang="en-GB"/>
           </a:p>
         </p:txBody>
       </p:sp>
@@ -2990,8 +3133,8 @@
 </p:sldLayout>
 </file>
 
-<file path=ppt/slideLayouts/slideLayout5.xml><?xml version="1.0" encoding="utf-8"?>
-<p:sldLayout xmlns:a="http://schemas.openxmlformats.org/drawingml/2006/main" xmlns:r="http://schemas.openxmlformats.org/officeDocument/2006/relationships" xmlns:mc="http://schemas.openxmlformats.org/markup-compatibility/2006" xmlns:mv="urn:schemas-microsoft-com:mac:vml" xmlns:p="http://schemas.openxmlformats.org/presentationml/2006/main" xmlns:c="http://schemas.openxmlformats.org/drawingml/2006/chart" xmlns:dgm="http://schemas.openxmlformats.org/drawingml/2006/diagram" xmlns:o="urn:schemas-microsoft-com:office:office" xmlns:v="urn:schemas-microsoft-com:vml" xmlns:pvml="urn:schemas-microsoft-com:office:powerpoint" xmlns:com="http://schemas.openxmlformats.org/drawingml/2006/compatibility" xmlns:p14="http://schemas.microsoft.com/office/powerpoint/2010/main">
+<file path=ppt/slideLayouts/slideLayout6.xml><?xml version="1.0" encoding="utf-8"?>
+<p:sldLayout xmlns:a="http://schemas.openxmlformats.org/drawingml/2006/main" xmlns:r="http://schemas.openxmlformats.org/officeDocument/2006/relationships" xmlns:p="http://schemas.openxmlformats.org/presentationml/2006/main">
   <p:cSld name="One column text">
     <p:spTree>
       <p:nvGrpSpPr>
@@ -3025,7 +3168,7 @@
           </a:prstGeom>
         </p:spPr>
         <p:txBody>
-          <a:bodyPr anchorCtr="0" anchor="b" bIns="91425" lIns="91425" rIns="91425" tIns="91425"/>
+          <a:bodyPr lIns="91425" tIns="91425" rIns="91425" bIns="91425" anchor="b" anchorCtr="0"/>
           <a:lstStyle>
             <a:lvl1pPr lvl="0">
               <a:spcBef>
@@ -3099,7 +3242,7 @@
           <p:cNvPr id="30" name="Shape 30"/>
           <p:cNvSpPr txBox="1"/>
           <p:nvPr>
-            <p:ph idx="1" type="body"/>
+            <p:ph type="body" idx="1"/>
           </p:nvPr>
         </p:nvSpPr>
         <p:spPr>
@@ -3112,7 +3255,7 @@
           </a:prstGeom>
         </p:spPr>
         <p:txBody>
-          <a:bodyPr anchorCtr="0" anchor="t" bIns="91425" lIns="91425" rIns="91425" tIns="91425"/>
+          <a:bodyPr lIns="91425" tIns="91425" rIns="91425" bIns="91425" anchor="t" anchorCtr="0"/>
           <a:lstStyle>
             <a:lvl1pPr lvl="0">
               <a:spcBef>
@@ -3186,7 +3329,7 @@
           <p:cNvPr id="31" name="Shape 31"/>
           <p:cNvSpPr txBox="1"/>
           <p:nvPr>
-            <p:ph idx="12" type="sldNum"/>
+            <p:ph type="sldNum" idx="12"/>
           </p:nvPr>
         </p:nvSpPr>
         <p:spPr>
@@ -3199,7 +3342,7 @@
           </a:prstGeom>
         </p:spPr>
         <p:txBody>
-          <a:bodyPr anchorCtr="0" anchor="ctr" bIns="91425" lIns="91425" rIns="91425" tIns="91425">
+          <a:bodyPr lIns="91425" tIns="91425" rIns="91425" bIns="91425" anchor="ctr" anchorCtr="0">
             <a:noAutofit/>
           </a:bodyPr>
           <a:lstStyle/>
@@ -3211,9 +3354,9 @@
               <a:buNone/>
             </a:pPr>
             <a:fld id="{00000000-1234-1234-1234-123412341234}" type="slidenum">
-              <a:rPr lang="en"/>
-              <a:t>‹#›</a:t>
+              <a:rPr lang="en-GB"/>
             </a:fld>
+            <a:endParaRPr lang="en-GB"/>
           </a:p>
         </p:txBody>
       </p:sp>
@@ -3225,8 +3368,8 @@
 </p:sldLayout>
 </file>
 
-<file path=ppt/slideLayouts/slideLayout6.xml><?xml version="1.0" encoding="utf-8"?>
-<p:sldLayout xmlns:a="http://schemas.openxmlformats.org/drawingml/2006/main" xmlns:r="http://schemas.openxmlformats.org/officeDocument/2006/relationships" xmlns:mc="http://schemas.openxmlformats.org/markup-compatibility/2006" xmlns:mv="urn:schemas-microsoft-com:mac:vml" xmlns:p="http://schemas.openxmlformats.org/presentationml/2006/main" xmlns:c="http://schemas.openxmlformats.org/drawingml/2006/chart" xmlns:dgm="http://schemas.openxmlformats.org/drawingml/2006/diagram" xmlns:o="urn:schemas-microsoft-com:office:office" xmlns:v="urn:schemas-microsoft-com:vml" xmlns:pvml="urn:schemas-microsoft-com:office:powerpoint" xmlns:com="http://schemas.openxmlformats.org/drawingml/2006/compatibility" xmlns:p14="http://schemas.microsoft.com/office/powerpoint/2010/main">
+<file path=ppt/slideLayouts/slideLayout7.xml><?xml version="1.0" encoding="utf-8"?>
+<p:sldLayout xmlns:a="http://schemas.openxmlformats.org/drawingml/2006/main" xmlns:r="http://schemas.openxmlformats.org/officeDocument/2006/relationships" xmlns:p="http://schemas.openxmlformats.org/presentationml/2006/main">
   <p:cSld name="Main point">
     <p:spTree>
       <p:nvGrpSpPr>
@@ -3260,7 +3403,7 @@
           </a:prstGeom>
         </p:spPr>
         <p:txBody>
-          <a:bodyPr anchorCtr="0" anchor="ctr" bIns="91425" lIns="91425" rIns="91425" tIns="91425"/>
+          <a:bodyPr lIns="91425" tIns="91425" rIns="91425" bIns="91425" anchor="ctr" anchorCtr="0"/>
           <a:lstStyle>
             <a:lvl1pPr lvl="0">
               <a:spcBef>
@@ -3334,7 +3477,7 @@
           <p:cNvPr id="34" name="Shape 34"/>
           <p:cNvSpPr txBox="1"/>
           <p:nvPr>
-            <p:ph idx="12" type="sldNum"/>
+            <p:ph type="sldNum" idx="12"/>
           </p:nvPr>
         </p:nvSpPr>
         <p:spPr>
@@ -3347,7 +3490,7 @@
           </a:prstGeom>
         </p:spPr>
         <p:txBody>
-          <a:bodyPr anchorCtr="0" anchor="ctr" bIns="91425" lIns="91425" rIns="91425" tIns="91425">
+          <a:bodyPr lIns="91425" tIns="91425" rIns="91425" bIns="91425" anchor="ctr" anchorCtr="0">
             <a:noAutofit/>
           </a:bodyPr>
           <a:lstStyle/>
@@ -3359,9 +3502,9 @@
               <a:buNone/>
             </a:pPr>
             <a:fld id="{00000000-1234-1234-1234-123412341234}" type="slidenum">
-              <a:rPr lang="en"/>
-              <a:t>‹#›</a:t>
+              <a:rPr lang="en-GB"/>
             </a:fld>
+            <a:endParaRPr lang="en-GB"/>
           </a:p>
         </p:txBody>
       </p:sp>
@@ -3373,8 +3516,8 @@
 </p:sldLayout>
 </file>
 
-<file path=ppt/slideLayouts/slideLayout7.xml><?xml version="1.0" encoding="utf-8"?>
-<p:sldLayout xmlns:a="http://schemas.openxmlformats.org/drawingml/2006/main" xmlns:r="http://schemas.openxmlformats.org/officeDocument/2006/relationships" xmlns:mc="http://schemas.openxmlformats.org/markup-compatibility/2006" xmlns:mv="urn:schemas-microsoft-com:mac:vml" xmlns:p="http://schemas.openxmlformats.org/presentationml/2006/main" xmlns:c="http://schemas.openxmlformats.org/drawingml/2006/chart" xmlns:dgm="http://schemas.openxmlformats.org/drawingml/2006/diagram" xmlns:o="urn:schemas-microsoft-com:office:office" xmlns:v="urn:schemas-microsoft-com:vml" xmlns:pvml="urn:schemas-microsoft-com:office:powerpoint" xmlns:com="http://schemas.openxmlformats.org/drawingml/2006/compatibility" xmlns:p14="http://schemas.microsoft.com/office/powerpoint/2010/main">
+<file path=ppt/slideLayouts/slideLayout8.xml><?xml version="1.0" encoding="utf-8"?>
+<p:sldLayout xmlns:a="http://schemas.openxmlformats.org/drawingml/2006/main" xmlns:r="http://schemas.openxmlformats.org/officeDocument/2006/relationships" xmlns:p="http://schemas.openxmlformats.org/presentationml/2006/main">
   <p:cSld name="Section title and description">
     <p:spTree>
       <p:nvGrpSpPr>
@@ -3412,7 +3555,7 @@
           </a:ln>
         </p:spPr>
         <p:txBody>
-          <a:bodyPr anchorCtr="0" anchor="ctr" bIns="91425" lIns="91425" rIns="91425" tIns="91425">
+          <a:bodyPr lIns="91425" tIns="91425" rIns="91425" bIns="91425" anchor="ctr" anchorCtr="0">
             <a:noAutofit/>
           </a:bodyPr>
           <a:lstStyle/>
@@ -3423,10 +3566,6 @@
               </a:spcBef>
               <a:buNone/>
             </a:pPr>
-            <a:r>
-              <a:t/>
-            </a:r>
-            <a:endParaRPr/>
           </a:p>
         </p:txBody>
       </p:sp>
@@ -3448,7 +3587,7 @@
           </a:prstGeom>
         </p:spPr>
         <p:txBody>
-          <a:bodyPr anchorCtr="0" anchor="b" bIns="91425" lIns="91425" rIns="91425" tIns="91425"/>
+          <a:bodyPr lIns="91425" tIns="91425" rIns="91425" bIns="91425" anchor="b" anchorCtr="0"/>
           <a:lstStyle>
             <a:lvl1pPr lvl="0" algn="ctr">
               <a:spcBef>
@@ -3522,7 +3661,7 @@
           <p:cNvPr id="38" name="Shape 38"/>
           <p:cNvSpPr txBox="1"/>
           <p:nvPr>
-            <p:ph idx="1" type="subTitle"/>
+            <p:ph type="subTitle" idx="1"/>
           </p:nvPr>
         </p:nvSpPr>
         <p:spPr>
@@ -3535,7 +3674,7 @@
           </a:prstGeom>
         </p:spPr>
         <p:txBody>
-          <a:bodyPr anchorCtr="0" anchor="t" bIns="91425" lIns="91425" rIns="91425" tIns="91425"/>
+          <a:bodyPr lIns="91425" tIns="91425" rIns="91425" bIns="91425" anchor="t" anchorCtr="0"/>
           <a:lstStyle>
             <a:lvl1pPr lvl="0" algn="ctr">
               <a:lnSpc>
@@ -3672,7 +3811,7 @@
           <p:cNvPr id="39" name="Shape 39"/>
           <p:cNvSpPr txBox="1"/>
           <p:nvPr>
-            <p:ph idx="2" type="body"/>
+            <p:ph type="body" idx="2"/>
           </p:nvPr>
         </p:nvSpPr>
         <p:spPr>
@@ -3685,7 +3824,7 @@
           </a:prstGeom>
         </p:spPr>
         <p:txBody>
-          <a:bodyPr anchorCtr="0" anchor="ctr" bIns="91425" lIns="91425" rIns="91425" tIns="91425"/>
+          <a:bodyPr lIns="91425" tIns="91425" rIns="91425" bIns="91425" anchor="ctr" anchorCtr="0"/>
           <a:lstStyle>
             <a:lvl1pPr lvl="0">
               <a:spcBef>
@@ -3750,7 +3889,7 @@
           <p:cNvPr id="40" name="Shape 40"/>
           <p:cNvSpPr txBox="1"/>
           <p:nvPr>
-            <p:ph idx="12" type="sldNum"/>
+            <p:ph type="sldNum" idx="12"/>
           </p:nvPr>
         </p:nvSpPr>
         <p:spPr>
@@ -3763,7 +3902,7 @@
           </a:prstGeom>
         </p:spPr>
         <p:txBody>
-          <a:bodyPr anchorCtr="0" anchor="ctr" bIns="91425" lIns="91425" rIns="91425" tIns="91425">
+          <a:bodyPr lIns="91425" tIns="91425" rIns="91425" bIns="91425" anchor="ctr" anchorCtr="0">
             <a:noAutofit/>
           </a:bodyPr>
           <a:lstStyle/>
@@ -3775,9 +3914,9 @@
               <a:buNone/>
             </a:pPr>
             <a:fld id="{00000000-1234-1234-1234-123412341234}" type="slidenum">
-              <a:rPr lang="en"/>
-              <a:t>‹#›</a:t>
+              <a:rPr lang="en-GB"/>
             </a:fld>
+            <a:endParaRPr lang="en-GB"/>
           </a:p>
         </p:txBody>
       </p:sp>
@@ -3789,8 +3928,8 @@
 </p:sldLayout>
 </file>
 
-<file path=ppt/slideLayouts/slideLayout8.xml><?xml version="1.0" encoding="utf-8"?>
-<p:sldLayout xmlns:a="http://schemas.openxmlformats.org/drawingml/2006/main" xmlns:r="http://schemas.openxmlformats.org/officeDocument/2006/relationships" xmlns:mc="http://schemas.openxmlformats.org/markup-compatibility/2006" xmlns:mv="urn:schemas-microsoft-com:mac:vml" xmlns:p="http://schemas.openxmlformats.org/presentationml/2006/main" xmlns:c="http://schemas.openxmlformats.org/drawingml/2006/chart" xmlns:dgm="http://schemas.openxmlformats.org/drawingml/2006/diagram" xmlns:o="urn:schemas-microsoft-com:office:office" xmlns:v="urn:schemas-microsoft-com:vml" xmlns:pvml="urn:schemas-microsoft-com:office:powerpoint" xmlns:com="http://schemas.openxmlformats.org/drawingml/2006/compatibility" xmlns:p14="http://schemas.microsoft.com/office/powerpoint/2010/main">
+<file path=ppt/slideLayouts/slideLayout9.xml><?xml version="1.0" encoding="utf-8"?>
+<p:sldLayout xmlns:a="http://schemas.openxmlformats.org/drawingml/2006/main" xmlns:r="http://schemas.openxmlformats.org/officeDocument/2006/relationships" xmlns:p="http://schemas.openxmlformats.org/presentationml/2006/main">
   <p:cSld name="Caption">
     <p:spTree>
       <p:nvGrpSpPr>
@@ -3811,7 +3950,7 @@
           <p:cNvPr id="42" name="Shape 42"/>
           <p:cNvSpPr txBox="1"/>
           <p:nvPr>
-            <p:ph idx="1" type="body"/>
+            <p:ph type="body" idx="1"/>
           </p:nvPr>
         </p:nvSpPr>
         <p:spPr>
@@ -3824,7 +3963,7 @@
           </a:prstGeom>
         </p:spPr>
         <p:txBody>
-          <a:bodyPr anchorCtr="0" anchor="ctr" bIns="91425" lIns="91425" rIns="91425" tIns="91425"/>
+          <a:bodyPr lIns="91425" tIns="91425" rIns="91425" bIns="91425" anchor="ctr" anchorCtr="0"/>
           <a:lstStyle>
             <a:lvl1pPr lvl="0">
               <a:lnSpc>
@@ -3848,7 +3987,7 @@
           <p:cNvPr id="43" name="Shape 43"/>
           <p:cNvSpPr txBox="1"/>
           <p:nvPr>
-            <p:ph idx="12" type="sldNum"/>
+            <p:ph type="sldNum" idx="12"/>
           </p:nvPr>
         </p:nvSpPr>
         <p:spPr>
@@ -3861,7 +4000,7 @@
           </a:prstGeom>
         </p:spPr>
         <p:txBody>
-          <a:bodyPr anchorCtr="0" anchor="ctr" bIns="91425" lIns="91425" rIns="91425" tIns="91425">
+          <a:bodyPr lIns="91425" tIns="91425" rIns="91425" bIns="91425" anchor="ctr" anchorCtr="0">
             <a:noAutofit/>
           </a:bodyPr>
           <a:lstStyle/>
@@ -3873,9 +4012,9 @@
               <a:buNone/>
             </a:pPr>
             <a:fld id="{00000000-1234-1234-1234-123412341234}" type="slidenum">
-              <a:rPr lang="en"/>
-              <a:t>‹#›</a:t>
+              <a:rPr lang="en-GB"/>
             </a:fld>
+            <a:endParaRPr lang="en-GB"/>
           </a:p>
         </p:txBody>
       </p:sp>
@@ -3887,240 +4026,15 @@
 </p:sldLayout>
 </file>
 
-<file path=ppt/slideLayouts/slideLayout9.xml><?xml version="1.0" encoding="utf-8"?>
-<p:sldLayout xmlns:a="http://schemas.openxmlformats.org/drawingml/2006/main" xmlns:r="http://schemas.openxmlformats.org/officeDocument/2006/relationships" xmlns:mc="http://schemas.openxmlformats.org/markup-compatibility/2006" xmlns:mv="urn:schemas-microsoft-com:mac:vml" xmlns:p="http://schemas.openxmlformats.org/presentationml/2006/main" xmlns:c="http://schemas.openxmlformats.org/drawingml/2006/chart" xmlns:dgm="http://schemas.openxmlformats.org/drawingml/2006/diagram" xmlns:o="urn:schemas-microsoft-com:office:office" xmlns:v="urn:schemas-microsoft-com:vml" xmlns:pvml="urn:schemas-microsoft-com:office:powerpoint" xmlns:com="http://schemas.openxmlformats.org/drawingml/2006/compatibility" xmlns:p14="http://schemas.microsoft.com/office/powerpoint/2010/main">
-  <p:cSld name="Big number">
-    <p:spTree>
-      <p:nvGrpSpPr>
-        <p:cNvPr id="44" name="Shape 44"/>
-        <p:cNvGrpSpPr/>
-        <p:nvPr/>
-      </p:nvGrpSpPr>
-      <p:grpSpPr>
-        <a:xfrm>
-          <a:off x="0" y="0"/>
-          <a:ext cx="0" cy="0"/>
-          <a:chOff x="0" y="0"/>
-          <a:chExt cx="0" cy="0"/>
-        </a:xfrm>
-      </p:grpSpPr>
-      <p:sp>
-        <p:nvSpPr>
-          <p:cNvPr id="45" name="Shape 45"/>
-          <p:cNvSpPr txBox="1"/>
-          <p:nvPr>
-            <p:ph type="title"/>
-          </p:nvPr>
-        </p:nvSpPr>
-        <p:spPr>
-          <a:xfrm>
-            <a:off x="311700" y="1106125"/>
-            <a:ext cx="8520599" cy="1963500"/>
-          </a:xfrm>
-          <a:prstGeom prst="rect">
-            <a:avLst/>
-          </a:prstGeom>
-        </p:spPr>
-        <p:txBody>
-          <a:bodyPr anchorCtr="0" anchor="b" bIns="91425" lIns="91425" rIns="91425" tIns="91425"/>
-          <a:lstStyle>
-            <a:lvl1pPr lvl="0" algn="ctr">
-              <a:spcBef>
-                <a:spcPts val="0"/>
-              </a:spcBef>
-              <a:buSzPct val="100000"/>
-              <a:defRPr sz="12000"/>
-            </a:lvl1pPr>
-            <a:lvl2pPr lvl="1" algn="ctr">
-              <a:spcBef>
-                <a:spcPts val="0"/>
-              </a:spcBef>
-              <a:buSzPct val="100000"/>
-              <a:defRPr sz="12000"/>
-            </a:lvl2pPr>
-            <a:lvl3pPr lvl="2" algn="ctr">
-              <a:spcBef>
-                <a:spcPts val="0"/>
-              </a:spcBef>
-              <a:buSzPct val="100000"/>
-              <a:defRPr sz="12000"/>
-            </a:lvl3pPr>
-            <a:lvl4pPr lvl="3" algn="ctr">
-              <a:spcBef>
-                <a:spcPts val="0"/>
-              </a:spcBef>
-              <a:buSzPct val="100000"/>
-              <a:defRPr sz="12000"/>
-            </a:lvl4pPr>
-            <a:lvl5pPr lvl="4" algn="ctr">
-              <a:spcBef>
-                <a:spcPts val="0"/>
-              </a:spcBef>
-              <a:buSzPct val="100000"/>
-              <a:defRPr sz="12000"/>
-            </a:lvl5pPr>
-            <a:lvl6pPr lvl="5" algn="ctr">
-              <a:spcBef>
-                <a:spcPts val="0"/>
-              </a:spcBef>
-              <a:buSzPct val="100000"/>
-              <a:defRPr sz="12000"/>
-            </a:lvl6pPr>
-            <a:lvl7pPr lvl="6" algn="ctr">
-              <a:spcBef>
-                <a:spcPts val="0"/>
-              </a:spcBef>
-              <a:buSzPct val="100000"/>
-              <a:defRPr sz="12000"/>
-            </a:lvl7pPr>
-            <a:lvl8pPr lvl="7" algn="ctr">
-              <a:spcBef>
-                <a:spcPts val="0"/>
-              </a:spcBef>
-              <a:buSzPct val="100000"/>
-              <a:defRPr sz="12000"/>
-            </a:lvl8pPr>
-            <a:lvl9pPr lvl="8" algn="ctr">
-              <a:spcBef>
-                <a:spcPts val="0"/>
-              </a:spcBef>
-              <a:buSzPct val="100000"/>
-              <a:defRPr sz="12000"/>
-            </a:lvl9pPr>
-          </a:lstStyle>
-          <a:p/>
-        </p:txBody>
-      </p:sp>
-      <p:sp>
-        <p:nvSpPr>
-          <p:cNvPr id="46" name="Shape 46"/>
-          <p:cNvSpPr txBox="1"/>
-          <p:nvPr>
-            <p:ph idx="1" type="body"/>
-          </p:nvPr>
-        </p:nvSpPr>
-        <p:spPr>
-          <a:xfrm>
-            <a:off x="311700" y="3152225"/>
-            <a:ext cx="8520599" cy="1300800"/>
-          </a:xfrm>
-          <a:prstGeom prst="rect">
-            <a:avLst/>
-          </a:prstGeom>
-        </p:spPr>
-        <p:txBody>
-          <a:bodyPr anchorCtr="0" anchor="t" bIns="91425" lIns="91425" rIns="91425" tIns="91425"/>
-          <a:lstStyle>
-            <a:lvl1pPr lvl="0" algn="ctr">
-              <a:spcBef>
-                <a:spcPts val="0"/>
-              </a:spcBef>
-              <a:defRPr/>
-            </a:lvl1pPr>
-            <a:lvl2pPr lvl="1" algn="ctr">
-              <a:spcBef>
-                <a:spcPts val="0"/>
-              </a:spcBef>
-              <a:defRPr/>
-            </a:lvl2pPr>
-            <a:lvl3pPr lvl="2" algn="ctr">
-              <a:spcBef>
-                <a:spcPts val="0"/>
-              </a:spcBef>
-              <a:defRPr/>
-            </a:lvl3pPr>
-            <a:lvl4pPr lvl="3" algn="ctr">
-              <a:spcBef>
-                <a:spcPts val="0"/>
-              </a:spcBef>
-              <a:defRPr/>
-            </a:lvl4pPr>
-            <a:lvl5pPr lvl="4" algn="ctr">
-              <a:spcBef>
-                <a:spcPts val="0"/>
-              </a:spcBef>
-              <a:defRPr/>
-            </a:lvl5pPr>
-            <a:lvl6pPr lvl="5" algn="ctr">
-              <a:spcBef>
-                <a:spcPts val="0"/>
-              </a:spcBef>
-              <a:defRPr/>
-            </a:lvl6pPr>
-            <a:lvl7pPr lvl="6" algn="ctr">
-              <a:spcBef>
-                <a:spcPts val="0"/>
-              </a:spcBef>
-              <a:defRPr/>
-            </a:lvl7pPr>
-            <a:lvl8pPr lvl="7" algn="ctr">
-              <a:spcBef>
-                <a:spcPts val="0"/>
-              </a:spcBef>
-              <a:defRPr/>
-            </a:lvl8pPr>
-            <a:lvl9pPr lvl="8" algn="ctr">
-              <a:spcBef>
-                <a:spcPts val="0"/>
-              </a:spcBef>
-              <a:defRPr/>
-            </a:lvl9pPr>
-          </a:lstStyle>
-          <a:p/>
-        </p:txBody>
-      </p:sp>
-      <p:sp>
-        <p:nvSpPr>
-          <p:cNvPr id="47" name="Shape 47"/>
-          <p:cNvSpPr txBox="1"/>
-          <p:nvPr>
-            <p:ph idx="12" type="sldNum"/>
-          </p:nvPr>
-        </p:nvSpPr>
-        <p:spPr>
-          <a:xfrm>
-            <a:off x="8472457" y="4663216"/>
-            <a:ext cx="548699" cy="393600"/>
-          </a:xfrm>
-          <a:prstGeom prst="rect">
-            <a:avLst/>
-          </a:prstGeom>
-        </p:spPr>
-        <p:txBody>
-          <a:bodyPr anchorCtr="0" anchor="ctr" bIns="91425" lIns="91425" rIns="91425" tIns="91425">
-            <a:noAutofit/>
-          </a:bodyPr>
-          <a:lstStyle/>
-          <a:p>
-            <a:pPr lvl="0">
-              <a:spcBef>
-                <a:spcPts val="0"/>
-              </a:spcBef>
-              <a:buNone/>
-            </a:pPr>
-            <a:fld id="{00000000-1234-1234-1234-123412341234}" type="slidenum">
-              <a:rPr lang="en"/>
-              <a:t>‹#›</a:t>
-            </a:fld>
-          </a:p>
-        </p:txBody>
-      </p:sp>
-    </p:spTree>
-  </p:cSld>
-  <p:clrMapOvr>
-    <a:masterClrMapping/>
-  </p:clrMapOvr>
-</p:sldLayout>
-</file>
-
-<file path=ppt/slideMasters/slideMaster.xml><?xml version="1.0" encoding="utf-8"?>
-<p:sldMaster xmlns:a="http://schemas.openxmlformats.org/drawingml/2006/main" xmlns:r="http://schemas.openxmlformats.org/officeDocument/2006/relationships" xmlns:mc="http://schemas.openxmlformats.org/markup-compatibility/2006" xmlns:mv="urn:schemas-microsoft-com:mac:vml" xmlns:p="http://schemas.openxmlformats.org/presentationml/2006/main" xmlns:c="http://schemas.openxmlformats.org/drawingml/2006/chart" xmlns:dgm="http://schemas.openxmlformats.org/drawingml/2006/diagram" xmlns:o="urn:schemas-microsoft-com:office:office" xmlns:v="urn:schemas-microsoft-com:vml" xmlns:pvml="urn:schemas-microsoft-com:office:powerpoint" xmlns:com="http://schemas.openxmlformats.org/drawingml/2006/compatibility" xmlns:p14="http://schemas.microsoft.com/office/powerpoint/2010/main">
+<file path=ppt/slideMasters/slideMaster1.xml><?xml version="1.0" encoding="utf-8"?>
+<p:sldMaster xmlns:a="http://schemas.openxmlformats.org/drawingml/2006/main" xmlns:r="http://schemas.openxmlformats.org/officeDocument/2006/relationships" xmlns:p="http://schemas.openxmlformats.org/presentationml/2006/main">
   <p:cSld>
     <p:bg>
       <p:bgPr>
         <a:solidFill>
           <a:schemeClr val="lt1"/>
         </a:solidFill>
+        <a:effectLst/>
       </p:bgPr>
     </p:bg>
     <p:spTree>
@@ -4159,7 +4073,7 @@
           </a:ln>
         </p:spPr>
         <p:txBody>
-          <a:bodyPr anchorCtr="0" anchor="t" bIns="91425" lIns="91425" rIns="91425" tIns="91425"/>
+          <a:bodyPr lIns="91425" tIns="91425" rIns="91425" bIns="91425" anchor="t" anchorCtr="0"/>
           <a:lstStyle>
             <a:lvl1pPr lvl="0">
               <a:spcBef>
@@ -4305,7 +4219,7 @@
           <p:cNvPr id="7" name="Shape 7"/>
           <p:cNvSpPr txBox="1"/>
           <p:nvPr>
-            <p:ph idx="1" type="body"/>
+            <p:ph type="body" idx="1"/>
           </p:nvPr>
         </p:nvSpPr>
         <p:spPr>
@@ -4322,7 +4236,7 @@
           </a:ln>
         </p:spPr>
         <p:txBody>
-          <a:bodyPr anchorCtr="0" anchor="t" bIns="91425" lIns="91425" rIns="91425" tIns="91425"/>
+          <a:bodyPr lIns="91425" tIns="91425" rIns="91425" bIns="91425" anchor="t" anchorCtr="0"/>
           <a:lstStyle>
             <a:lvl1pPr lvl="0">
               <a:lnSpc>
@@ -4505,7 +4419,7 @@
           <p:cNvPr id="8" name="Shape 8"/>
           <p:cNvSpPr txBox="1"/>
           <p:nvPr>
-            <p:ph idx="12" type="sldNum"/>
+            <p:ph type="sldNum" idx="12"/>
           </p:nvPr>
         </p:nvSpPr>
         <p:spPr>
@@ -4522,7 +4436,7 @@
           </a:ln>
         </p:spPr>
         <p:txBody>
-          <a:bodyPr anchorCtr="0" anchor="ctr" bIns="91425" lIns="91425" rIns="91425" tIns="91425">
+          <a:bodyPr lIns="91425" tIns="91425" rIns="91425" bIns="91425" anchor="ctr" anchorCtr="0">
             <a:noAutofit/>
           </a:bodyPr>
           <a:lstStyle/>
@@ -4534,36 +4448,40 @@
               <a:buNone/>
             </a:pPr>
             <a:fld id="{00000000-1234-1234-1234-123412341234}" type="slidenum">
-              <a:rPr lang="en" sz="1000">
+              <a:rPr lang="en-GB" sz="1000">
                 <a:solidFill>
                   <a:schemeClr val="dk2"/>
                 </a:solidFill>
               </a:rPr>
-              <a:t>‹#›</a:t>
             </a:fld>
+            <a:endParaRPr lang="en-GB" sz="1000">
+              <a:solidFill>
+                <a:schemeClr val="dk2"/>
+              </a:solidFill>
+            </a:endParaRPr>
           </a:p>
         </p:txBody>
       </p:sp>
     </p:spTree>
   </p:cSld>
-  <p:clrMap accent1="accent1" accent2="accent2" accent3="accent3" accent4="accent4" accent5="accent5" accent6="accent6" bg1="lt1" bg2="dk2" tx1="dk1" tx2="lt2" folHlink="folHlink" hlink="hlink"/>
+  <p:clrMap bg1="lt1" tx1="dk1" bg2="dk2" tx2="lt2" accent1="accent1" accent2="accent2" accent3="accent3" accent4="accent4" accent5="accent5" accent6="accent6" hlink="hlink" folHlink="folHlink"/>
   <p:sldLayoutIdLst>
-    <p:sldLayoutId id="2147483648" r:id="rId1"/>
-    <p:sldLayoutId id="2147483649" r:id="rId2"/>
-    <p:sldLayoutId id="2147483650" r:id="rId3"/>
-    <p:sldLayoutId id="2147483651" r:id="rId4"/>
-    <p:sldLayoutId id="2147483652" r:id="rId5"/>
-    <p:sldLayoutId id="2147483653" r:id="rId6"/>
-    <p:sldLayoutId id="2147483654" r:id="rId7"/>
-    <p:sldLayoutId id="2147483655" r:id="rId8"/>
-    <p:sldLayoutId id="2147483656" r:id="rId9"/>
-    <p:sldLayoutId id="2147483657" r:id="rId10"/>
-    <p:sldLayoutId id="2147483658" r:id="rId11"/>
+    <p:sldLayoutId id="2147483649" r:id="rId1"/>
+    <p:sldLayoutId id="2147483650" r:id="rId2"/>
+    <p:sldLayoutId id="2147483651" r:id="rId3"/>
+    <p:sldLayoutId id="2147483652" r:id="rId4"/>
+    <p:sldLayoutId id="2147483653" r:id="rId5"/>
+    <p:sldLayoutId id="2147483654" r:id="rId6"/>
+    <p:sldLayoutId id="2147483655" r:id="rId7"/>
+    <p:sldLayoutId id="2147483656" r:id="rId8"/>
+    <p:sldLayoutId id="2147483657" r:id="rId9"/>
+    <p:sldLayoutId id="2147483658" r:id="rId10"/>
+    <p:sldLayoutId id="2147483659" r:id="rId11"/>
   </p:sldLayoutIdLst>
-  <p:hf dt="0" ftr="0" hdr="0" sldNum="0"/>
+  <p:hf sldNum="0" hdr="0" ftr="0" dt="0"/>
   <p:txStyles>
     <p:titleStyle>
-      <a:defPPr lvl="0" marR="0" rtl="0" algn="l">
+      <a:defPPr marR="0" lvl="0" algn="l" rtl="0">
         <a:lnSpc>
           <a:spcPct val="100000"/>
         </a:lnSpc>
@@ -4574,7 +4492,7 @@
           <a:spcPts val="0"/>
         </a:spcAft>
       </a:defPPr>
-      <a:lvl1pPr lvl="0" marR="0" rtl="0" algn="l">
+      <a:lvl1pPr marR="0" lvl="0" algn="l" rtl="0">
         <a:lnSpc>
           <a:spcPct val="100000"/>
         </a:lnSpc>
@@ -4585,20 +4503,20 @@
           <a:spcPts val="0"/>
         </a:spcAft>
         <a:buNone/>
-        <a:defRPr b="0" i="0" sz="1400" u="none" cap="none" strike="noStrike">
+        <a:defRPr sz="1400" b="0" i="0" u="none" strike="noStrike" cap="none">
           <a:solidFill>
             <a:srgbClr val="000000"/>
           </a:solidFill>
-          <a:latin typeface="Arial"/>
-          <a:ea typeface="Arial"/>
-          <a:cs typeface="Arial"/>
-          <a:sym typeface="Arial"/>
+          <a:latin typeface="Arial" panose="020B0604020202020204"/>
+          <a:ea typeface="Arial" panose="020B0604020202020204"/>
+          <a:cs typeface="Arial" panose="020B0604020202020204"/>
+          <a:sym typeface="Arial" panose="020B0604020202020204"/>
           <a:rtl val="0"/>
         </a:defRPr>
       </a:lvl1pPr>
     </p:titleStyle>
     <p:bodyStyle>
-      <a:defPPr lvl="0" marR="0" rtl="0" algn="l">
+      <a:defPPr marR="0" lvl="0" algn="l" rtl="0">
         <a:lnSpc>
           <a:spcPct val="100000"/>
         </a:lnSpc>
@@ -4609,7 +4527,7 @@
           <a:spcPts val="0"/>
         </a:spcAft>
       </a:defPPr>
-      <a:lvl1pPr lvl="0" marR="0" rtl="0" algn="l">
+      <a:lvl1pPr marR="0" lvl="0" algn="l" rtl="0">
         <a:lnSpc>
           <a:spcPct val="100000"/>
         </a:lnSpc>
@@ -4620,18 +4538,18 @@
           <a:spcPts val="0"/>
         </a:spcAft>
         <a:buNone/>
-        <a:defRPr b="0" i="0" sz="1400" u="none" cap="none" strike="noStrike">
+        <a:defRPr sz="1400" b="0" i="0" u="none" strike="noStrike" cap="none">
           <a:solidFill>
             <a:srgbClr val="000000"/>
           </a:solidFill>
-          <a:latin typeface="Arial"/>
-          <a:ea typeface="Arial"/>
-          <a:cs typeface="Arial"/>
-          <a:sym typeface="Arial"/>
+          <a:latin typeface="Arial" panose="020B0604020202020204"/>
+          <a:ea typeface="Arial" panose="020B0604020202020204"/>
+          <a:cs typeface="Arial" panose="020B0604020202020204"/>
+          <a:sym typeface="Arial" panose="020B0604020202020204"/>
           <a:rtl val="0"/>
         </a:defRPr>
       </a:lvl1pPr>
-      <a:lvl2pPr lvl="1" marR="0" rtl="0" algn="l">
+      <a:lvl2pPr marR="0" lvl="1" algn="l" rtl="0">
         <a:lnSpc>
           <a:spcPct val="100000"/>
         </a:lnSpc>
@@ -4642,18 +4560,18 @@
           <a:spcPts val="0"/>
         </a:spcAft>
         <a:buNone/>
-        <a:defRPr b="0" i="0" sz="1400" u="none" cap="none" strike="noStrike">
+        <a:defRPr sz="1400" b="0" i="0" u="none" strike="noStrike" cap="none">
           <a:solidFill>
             <a:srgbClr val="000000"/>
           </a:solidFill>
-          <a:latin typeface="Arial"/>
-          <a:ea typeface="Arial"/>
-          <a:cs typeface="Arial"/>
-          <a:sym typeface="Arial"/>
+          <a:latin typeface="Arial" panose="020B0604020202020204"/>
+          <a:ea typeface="Arial" panose="020B0604020202020204"/>
+          <a:cs typeface="Arial" panose="020B0604020202020204"/>
+          <a:sym typeface="Arial" panose="020B0604020202020204"/>
           <a:rtl val="0"/>
         </a:defRPr>
       </a:lvl2pPr>
-      <a:lvl3pPr lvl="2" marR="0" rtl="0" algn="l">
+      <a:lvl3pPr marR="0" lvl="2" algn="l" rtl="0">
         <a:lnSpc>
           <a:spcPct val="100000"/>
         </a:lnSpc>
@@ -4664,18 +4582,18 @@
           <a:spcPts val="0"/>
         </a:spcAft>
         <a:buNone/>
-        <a:defRPr b="0" i="0" sz="1400" u="none" cap="none" strike="noStrike">
+        <a:defRPr sz="1400" b="0" i="0" u="none" strike="noStrike" cap="none">
           <a:solidFill>
             <a:srgbClr val="000000"/>
           </a:solidFill>
-          <a:latin typeface="Arial"/>
-          <a:ea typeface="Arial"/>
-          <a:cs typeface="Arial"/>
-          <a:sym typeface="Arial"/>
+          <a:latin typeface="Arial" panose="020B0604020202020204"/>
+          <a:ea typeface="Arial" panose="020B0604020202020204"/>
+          <a:cs typeface="Arial" panose="020B0604020202020204"/>
+          <a:sym typeface="Arial" panose="020B0604020202020204"/>
           <a:rtl val="0"/>
         </a:defRPr>
       </a:lvl3pPr>
-      <a:lvl4pPr lvl="3" marR="0" rtl="0" algn="l">
+      <a:lvl4pPr marR="0" lvl="3" algn="l" rtl="0">
         <a:lnSpc>
           <a:spcPct val="100000"/>
         </a:lnSpc>
@@ -4686,18 +4604,18 @@
           <a:spcPts val="0"/>
         </a:spcAft>
         <a:buNone/>
-        <a:defRPr b="0" i="0" sz="1400" u="none" cap="none" strike="noStrike">
+        <a:defRPr sz="1400" b="0" i="0" u="none" strike="noStrike" cap="none">
           <a:solidFill>
             <a:srgbClr val="000000"/>
           </a:solidFill>
-          <a:latin typeface="Arial"/>
-          <a:ea typeface="Arial"/>
-          <a:cs typeface="Arial"/>
-          <a:sym typeface="Arial"/>
+          <a:latin typeface="Arial" panose="020B0604020202020204"/>
+          <a:ea typeface="Arial" panose="020B0604020202020204"/>
+          <a:cs typeface="Arial" panose="020B0604020202020204"/>
+          <a:sym typeface="Arial" panose="020B0604020202020204"/>
           <a:rtl val="0"/>
         </a:defRPr>
       </a:lvl4pPr>
-      <a:lvl5pPr lvl="4" marR="0" rtl="0" algn="l">
+      <a:lvl5pPr marR="0" lvl="4" algn="l" rtl="0">
         <a:lnSpc>
           <a:spcPct val="100000"/>
         </a:lnSpc>
@@ -4708,18 +4626,18 @@
           <a:spcPts val="0"/>
         </a:spcAft>
         <a:buNone/>
-        <a:defRPr b="0" i="0" sz="1400" u="none" cap="none" strike="noStrike">
+        <a:defRPr sz="1400" b="0" i="0" u="none" strike="noStrike" cap="none">
           <a:solidFill>
             <a:srgbClr val="000000"/>
           </a:solidFill>
-          <a:latin typeface="Arial"/>
-          <a:ea typeface="Arial"/>
-          <a:cs typeface="Arial"/>
-          <a:sym typeface="Arial"/>
+          <a:latin typeface="Arial" panose="020B0604020202020204"/>
+          <a:ea typeface="Arial" panose="020B0604020202020204"/>
+          <a:cs typeface="Arial" panose="020B0604020202020204"/>
+          <a:sym typeface="Arial" panose="020B0604020202020204"/>
           <a:rtl val="0"/>
         </a:defRPr>
       </a:lvl5pPr>
-      <a:lvl6pPr lvl="5" marR="0" rtl="0" algn="l">
+      <a:lvl6pPr marR="0" lvl="5" algn="l" rtl="0">
         <a:lnSpc>
           <a:spcPct val="100000"/>
         </a:lnSpc>
@@ -4730,18 +4648,18 @@
           <a:spcPts val="0"/>
         </a:spcAft>
         <a:buNone/>
-        <a:defRPr b="0" i="0" sz="1400" u="none" cap="none" strike="noStrike">
+        <a:defRPr sz="1400" b="0" i="0" u="none" strike="noStrike" cap="none">
           <a:solidFill>
             <a:srgbClr val="000000"/>
           </a:solidFill>
-          <a:latin typeface="Arial"/>
-          <a:ea typeface="Arial"/>
-          <a:cs typeface="Arial"/>
-          <a:sym typeface="Arial"/>
+          <a:latin typeface="Arial" panose="020B0604020202020204"/>
+          <a:ea typeface="Arial" panose="020B0604020202020204"/>
+          <a:cs typeface="Arial" panose="020B0604020202020204"/>
+          <a:sym typeface="Arial" panose="020B0604020202020204"/>
           <a:rtl val="0"/>
         </a:defRPr>
       </a:lvl6pPr>
-      <a:lvl7pPr lvl="6" marR="0" rtl="0" algn="l">
+      <a:lvl7pPr marR="0" lvl="6" algn="l" rtl="0">
         <a:lnSpc>
           <a:spcPct val="100000"/>
         </a:lnSpc>
@@ -4752,18 +4670,18 @@
           <a:spcPts val="0"/>
         </a:spcAft>
         <a:buNone/>
-        <a:defRPr b="0" i="0" sz="1400" u="none" cap="none" strike="noStrike">
+        <a:defRPr sz="1400" b="0" i="0" u="none" strike="noStrike" cap="none">
           <a:solidFill>
             <a:srgbClr val="000000"/>
           </a:solidFill>
-          <a:latin typeface="Arial"/>
-          <a:ea typeface="Arial"/>
-          <a:cs typeface="Arial"/>
-          <a:sym typeface="Arial"/>
+          <a:latin typeface="Arial" panose="020B0604020202020204"/>
+          <a:ea typeface="Arial" panose="020B0604020202020204"/>
+          <a:cs typeface="Arial" panose="020B0604020202020204"/>
+          <a:sym typeface="Arial" panose="020B0604020202020204"/>
           <a:rtl val="0"/>
         </a:defRPr>
       </a:lvl7pPr>
-      <a:lvl8pPr lvl="7" marR="0" rtl="0" algn="l">
+      <a:lvl8pPr marR="0" lvl="7" algn="l" rtl="0">
         <a:lnSpc>
           <a:spcPct val="100000"/>
         </a:lnSpc>
@@ -4774,18 +4692,18 @@
           <a:spcPts val="0"/>
         </a:spcAft>
         <a:buNone/>
-        <a:defRPr b="0" i="0" sz="1400" u="none" cap="none" strike="noStrike">
+        <a:defRPr sz="1400" b="0" i="0" u="none" strike="noStrike" cap="none">
           <a:solidFill>
             <a:srgbClr val="000000"/>
           </a:solidFill>
-          <a:latin typeface="Arial"/>
-          <a:ea typeface="Arial"/>
-          <a:cs typeface="Arial"/>
-          <a:sym typeface="Arial"/>
+          <a:latin typeface="Arial" panose="020B0604020202020204"/>
+          <a:ea typeface="Arial" panose="020B0604020202020204"/>
+          <a:cs typeface="Arial" panose="020B0604020202020204"/>
+          <a:sym typeface="Arial" panose="020B0604020202020204"/>
           <a:rtl val="0"/>
         </a:defRPr>
       </a:lvl8pPr>
-      <a:lvl9pPr lvl="8" marR="0" rtl="0" algn="l">
+      <a:lvl9pPr marR="0" lvl="8" algn="l" rtl="0">
         <a:lnSpc>
           <a:spcPct val="100000"/>
         </a:lnSpc>
@@ -4796,20 +4714,20 @@
           <a:spcPts val="0"/>
         </a:spcAft>
         <a:buNone/>
-        <a:defRPr b="0" i="0" sz="1400" u="none" cap="none" strike="noStrike">
+        <a:defRPr sz="1400" b="0" i="0" u="none" strike="noStrike" cap="none">
           <a:solidFill>
             <a:srgbClr val="000000"/>
           </a:solidFill>
-          <a:latin typeface="Arial"/>
-          <a:ea typeface="Arial"/>
-          <a:cs typeface="Arial"/>
-          <a:sym typeface="Arial"/>
+          <a:latin typeface="Arial" panose="020B0604020202020204"/>
+          <a:ea typeface="Arial" panose="020B0604020202020204"/>
+          <a:cs typeface="Arial" panose="020B0604020202020204"/>
+          <a:sym typeface="Arial" panose="020B0604020202020204"/>
           <a:rtl val="0"/>
         </a:defRPr>
       </a:lvl9pPr>
     </p:bodyStyle>
     <p:otherStyle>
-      <a:defPPr lvl="0" marR="0" rtl="0" algn="l">
+      <a:defPPr marR="0" lvl="0" algn="l" rtl="0">
         <a:lnSpc>
           <a:spcPct val="100000"/>
         </a:lnSpc>
@@ -4820,7 +4738,7 @@
           <a:spcPts val="0"/>
         </a:spcAft>
       </a:defPPr>
-      <a:lvl1pPr lvl="0" marR="0" rtl="0" algn="l">
+      <a:lvl1pPr marR="0" lvl="0" algn="l" rtl="0">
         <a:lnSpc>
           <a:spcPct val="100000"/>
         </a:lnSpc>
@@ -4831,18 +4749,18 @@
           <a:spcPts val="0"/>
         </a:spcAft>
         <a:buNone/>
-        <a:defRPr b="0" i="0" sz="1400" u="none" cap="none" strike="noStrike">
+        <a:defRPr sz="1400" b="0" i="0" u="none" strike="noStrike" cap="none">
           <a:solidFill>
             <a:srgbClr val="000000"/>
           </a:solidFill>
-          <a:latin typeface="Arial"/>
-          <a:ea typeface="Arial"/>
-          <a:cs typeface="Arial"/>
-          <a:sym typeface="Arial"/>
+          <a:latin typeface="Arial" panose="020B0604020202020204"/>
+          <a:ea typeface="Arial" panose="020B0604020202020204"/>
+          <a:cs typeface="Arial" panose="020B0604020202020204"/>
+          <a:sym typeface="Arial" panose="020B0604020202020204"/>
           <a:rtl val="0"/>
         </a:defRPr>
       </a:lvl1pPr>
-      <a:lvl2pPr lvl="1" marR="0" rtl="0" algn="l">
+      <a:lvl2pPr marR="0" lvl="1" algn="l" rtl="0">
         <a:lnSpc>
           <a:spcPct val="100000"/>
         </a:lnSpc>
@@ -4853,18 +4771,18 @@
           <a:spcPts val="0"/>
         </a:spcAft>
         <a:buNone/>
-        <a:defRPr b="0" i="0" sz="1400" u="none" cap="none" strike="noStrike">
+        <a:defRPr sz="1400" b="0" i="0" u="none" strike="noStrike" cap="none">
           <a:solidFill>
             <a:srgbClr val="000000"/>
           </a:solidFill>
-          <a:latin typeface="Arial"/>
-          <a:ea typeface="Arial"/>
-          <a:cs typeface="Arial"/>
-          <a:sym typeface="Arial"/>
+          <a:latin typeface="Arial" panose="020B0604020202020204"/>
+          <a:ea typeface="Arial" panose="020B0604020202020204"/>
+          <a:cs typeface="Arial" panose="020B0604020202020204"/>
+          <a:sym typeface="Arial" panose="020B0604020202020204"/>
           <a:rtl val="0"/>
         </a:defRPr>
       </a:lvl2pPr>
-      <a:lvl3pPr lvl="2" marR="0" rtl="0" algn="l">
+      <a:lvl3pPr marR="0" lvl="2" algn="l" rtl="0">
         <a:lnSpc>
           <a:spcPct val="100000"/>
         </a:lnSpc>
@@ -4875,18 +4793,18 @@
           <a:spcPts val="0"/>
         </a:spcAft>
         <a:buNone/>
-        <a:defRPr b="0" i="0" sz="1400" u="none" cap="none" strike="noStrike">
+        <a:defRPr sz="1400" b="0" i="0" u="none" strike="noStrike" cap="none">
           <a:solidFill>
             <a:srgbClr val="000000"/>
           </a:solidFill>
-          <a:latin typeface="Arial"/>
-          <a:ea typeface="Arial"/>
-          <a:cs typeface="Arial"/>
-          <a:sym typeface="Arial"/>
+          <a:latin typeface="Arial" panose="020B0604020202020204"/>
+          <a:ea typeface="Arial" panose="020B0604020202020204"/>
+          <a:cs typeface="Arial" panose="020B0604020202020204"/>
+          <a:sym typeface="Arial" panose="020B0604020202020204"/>
           <a:rtl val="0"/>
         </a:defRPr>
       </a:lvl3pPr>
-      <a:lvl4pPr lvl="3" marR="0" rtl="0" algn="l">
+      <a:lvl4pPr marR="0" lvl="3" algn="l" rtl="0">
         <a:lnSpc>
           <a:spcPct val="100000"/>
         </a:lnSpc>
@@ -4897,18 +4815,18 @@
           <a:spcPts val="0"/>
         </a:spcAft>
         <a:buNone/>
-        <a:defRPr b="0" i="0" sz="1400" u="none" cap="none" strike="noStrike">
+        <a:defRPr sz="1400" b="0" i="0" u="none" strike="noStrike" cap="none">
           <a:solidFill>
             <a:srgbClr val="000000"/>
           </a:solidFill>
-          <a:latin typeface="Arial"/>
-          <a:ea typeface="Arial"/>
-          <a:cs typeface="Arial"/>
-          <a:sym typeface="Arial"/>
+          <a:latin typeface="Arial" panose="020B0604020202020204"/>
+          <a:ea typeface="Arial" panose="020B0604020202020204"/>
+          <a:cs typeface="Arial" panose="020B0604020202020204"/>
+          <a:sym typeface="Arial" panose="020B0604020202020204"/>
           <a:rtl val="0"/>
         </a:defRPr>
       </a:lvl4pPr>
-      <a:lvl5pPr lvl="4" marR="0" rtl="0" algn="l">
+      <a:lvl5pPr marR="0" lvl="4" algn="l" rtl="0">
         <a:lnSpc>
           <a:spcPct val="100000"/>
         </a:lnSpc>
@@ -4919,18 +4837,18 @@
           <a:spcPts val="0"/>
         </a:spcAft>
         <a:buNone/>
-        <a:defRPr b="0" i="0" sz="1400" u="none" cap="none" strike="noStrike">
+        <a:defRPr sz="1400" b="0" i="0" u="none" strike="noStrike" cap="none">
           <a:solidFill>
             <a:srgbClr val="000000"/>
           </a:solidFill>
-          <a:latin typeface="Arial"/>
-          <a:ea typeface="Arial"/>
-          <a:cs typeface="Arial"/>
-          <a:sym typeface="Arial"/>
+          <a:latin typeface="Arial" panose="020B0604020202020204"/>
+          <a:ea typeface="Arial" panose="020B0604020202020204"/>
+          <a:cs typeface="Arial" panose="020B0604020202020204"/>
+          <a:sym typeface="Arial" panose="020B0604020202020204"/>
           <a:rtl val="0"/>
         </a:defRPr>
       </a:lvl5pPr>
-      <a:lvl6pPr lvl="5" marR="0" rtl="0" algn="l">
+      <a:lvl6pPr marR="0" lvl="5" algn="l" rtl="0">
         <a:lnSpc>
           <a:spcPct val="100000"/>
         </a:lnSpc>
@@ -4941,18 +4859,18 @@
           <a:spcPts val="0"/>
         </a:spcAft>
         <a:buNone/>
-        <a:defRPr b="0" i="0" sz="1400" u="none" cap="none" strike="noStrike">
+        <a:defRPr sz="1400" b="0" i="0" u="none" strike="noStrike" cap="none">
           <a:solidFill>
             <a:srgbClr val="000000"/>
           </a:solidFill>
-          <a:latin typeface="Arial"/>
-          <a:ea typeface="Arial"/>
-          <a:cs typeface="Arial"/>
-          <a:sym typeface="Arial"/>
+          <a:latin typeface="Arial" panose="020B0604020202020204"/>
+          <a:ea typeface="Arial" panose="020B0604020202020204"/>
+          <a:cs typeface="Arial" panose="020B0604020202020204"/>
+          <a:sym typeface="Arial" panose="020B0604020202020204"/>
           <a:rtl val="0"/>
         </a:defRPr>
       </a:lvl6pPr>
-      <a:lvl7pPr lvl="6" marR="0" rtl="0" algn="l">
+      <a:lvl7pPr marR="0" lvl="6" algn="l" rtl="0">
         <a:lnSpc>
           <a:spcPct val="100000"/>
         </a:lnSpc>
@@ -4963,18 +4881,18 @@
           <a:spcPts val="0"/>
         </a:spcAft>
         <a:buNone/>
-        <a:defRPr b="0" i="0" sz="1400" u="none" cap="none" strike="noStrike">
+        <a:defRPr sz="1400" b="0" i="0" u="none" strike="noStrike" cap="none">
           <a:solidFill>
             <a:srgbClr val="000000"/>
           </a:solidFill>
-          <a:latin typeface="Arial"/>
-          <a:ea typeface="Arial"/>
-          <a:cs typeface="Arial"/>
-          <a:sym typeface="Arial"/>
+          <a:latin typeface="Arial" panose="020B0604020202020204"/>
+          <a:ea typeface="Arial" panose="020B0604020202020204"/>
+          <a:cs typeface="Arial" panose="020B0604020202020204"/>
+          <a:sym typeface="Arial" panose="020B0604020202020204"/>
           <a:rtl val="0"/>
         </a:defRPr>
       </a:lvl7pPr>
-      <a:lvl8pPr lvl="7" marR="0" rtl="0" algn="l">
+      <a:lvl8pPr marR="0" lvl="7" algn="l" rtl="0">
         <a:lnSpc>
           <a:spcPct val="100000"/>
         </a:lnSpc>
@@ -4985,18 +4903,18 @@
           <a:spcPts val="0"/>
         </a:spcAft>
         <a:buNone/>
-        <a:defRPr b="0" i="0" sz="1400" u="none" cap="none" strike="noStrike">
+        <a:defRPr sz="1400" b="0" i="0" u="none" strike="noStrike" cap="none">
           <a:solidFill>
             <a:srgbClr val="000000"/>
           </a:solidFill>
-          <a:latin typeface="Arial"/>
-          <a:ea typeface="Arial"/>
-          <a:cs typeface="Arial"/>
-          <a:sym typeface="Arial"/>
+          <a:latin typeface="Arial" panose="020B0604020202020204"/>
+          <a:ea typeface="Arial" panose="020B0604020202020204"/>
+          <a:cs typeface="Arial" panose="020B0604020202020204"/>
+          <a:sym typeface="Arial" panose="020B0604020202020204"/>
           <a:rtl val="0"/>
         </a:defRPr>
       </a:lvl8pPr>
-      <a:lvl9pPr lvl="8" marR="0" rtl="0" algn="l">
+      <a:lvl9pPr marR="0" lvl="8" algn="l" rtl="0">
         <a:lnSpc>
           <a:spcPct val="100000"/>
         </a:lnSpc>
@@ -5007,14 +4925,14 @@
           <a:spcPts val="0"/>
         </a:spcAft>
         <a:buNone/>
-        <a:defRPr b="0" i="0" sz="1400" u="none" cap="none" strike="noStrike">
+        <a:defRPr sz="1400" b="0" i="0" u="none" strike="noStrike" cap="none">
           <a:solidFill>
             <a:srgbClr val="000000"/>
           </a:solidFill>
-          <a:latin typeface="Arial"/>
-          <a:ea typeface="Arial"/>
-          <a:cs typeface="Arial"/>
-          <a:sym typeface="Arial"/>
+          <a:latin typeface="Arial" panose="020B0604020202020204"/>
+          <a:ea typeface="Arial" panose="020B0604020202020204"/>
+          <a:cs typeface="Arial" panose="020B0604020202020204"/>
+          <a:sym typeface="Arial" panose="020B0604020202020204"/>
           <a:rtl val="0"/>
         </a:defRPr>
       </a:lvl9pPr>
@@ -5023,8 +4941,581 @@
 </p:sldMaster>
 </file>
 
-<file path=ppt/slides/slide.xml><?xml version="1.0" encoding="utf-8"?>
-<p:sld xmlns:a="http://schemas.openxmlformats.org/drawingml/2006/main" xmlns:r="http://schemas.openxmlformats.org/officeDocument/2006/relationships" xmlns:mc="http://schemas.openxmlformats.org/markup-compatibility/2006" xmlns:mv="urn:schemas-microsoft-com:mac:vml" xmlns:p="http://schemas.openxmlformats.org/presentationml/2006/main" xmlns:c="http://schemas.openxmlformats.org/drawingml/2006/chart" xmlns:dgm="http://schemas.openxmlformats.org/drawingml/2006/diagram" xmlns:o="urn:schemas-microsoft-com:office:office" xmlns:v="urn:schemas-microsoft-com:vml" xmlns:pvml="urn:schemas-microsoft-com:office:powerpoint" xmlns:com="http://schemas.openxmlformats.org/drawingml/2006/compatibility" xmlns:p14="http://schemas.microsoft.com/office/powerpoint/2010/main">
+<file path=ppt/slides/slide1.xml><?xml version="1.0" encoding="utf-8"?>
+<p:sld xmlns:a="http://schemas.openxmlformats.org/drawingml/2006/main" xmlns:r="http://schemas.openxmlformats.org/officeDocument/2006/relationships" xmlns:p="http://schemas.openxmlformats.org/presentationml/2006/main">
+  <p:cSld>
+    <p:spTree>
+      <p:nvGrpSpPr>
+        <p:cNvPr id="1" name=""/>
+        <p:cNvGrpSpPr/>
+        <p:nvPr/>
+      </p:nvGrpSpPr>
+      <p:grpSpPr/>
+      <p:sp>
+        <p:nvSpPr>
+          <p:cNvPr id="2" name="标题 1"/>
+          <p:cNvSpPr/>
+          <p:nvPr>
+            <p:ph type="title"/>
+          </p:nvPr>
+        </p:nvSpPr>
+        <p:spPr/>
+        <p:txBody>
+          <a:bodyPr/>
+          <a:p>
+            <a:r>
+              <a:rPr lang="en-US" altLang="zh-CN"/>
+              <a:t>Project 1</a:t>
+            </a:r>
+            <a:endParaRPr lang="en-US" altLang="zh-CN"/>
+          </a:p>
+        </p:txBody>
+      </p:sp>
+    </p:spTree>
+  </p:cSld>
+  <p:clrMapOvr>
+    <a:masterClrMapping/>
+  </p:clrMapOvr>
+</p:sld>
+</file>
+
+<file path=ppt/slides/slide10.xml><?xml version="1.0" encoding="utf-8"?>
+<p:sld xmlns:a="http://schemas.openxmlformats.org/drawingml/2006/main" xmlns:r="http://schemas.openxmlformats.org/officeDocument/2006/relationships" xmlns:p="http://schemas.openxmlformats.org/presentationml/2006/main">
+  <p:cSld>
+    <p:spTree>
+      <p:nvGrpSpPr>
+        <p:cNvPr id="90" name="Shape 90"/>
+        <p:cNvGrpSpPr/>
+        <p:nvPr/>
+      </p:nvGrpSpPr>
+      <p:grpSpPr>
+        <a:xfrm>
+          <a:off x="0" y="0"/>
+          <a:ext cx="0" cy="0"/>
+          <a:chOff x="0" y="0"/>
+          <a:chExt cx="0" cy="0"/>
+        </a:xfrm>
+      </p:grpSpPr>
+      <p:sp>
+        <p:nvSpPr>
+          <p:cNvPr id="91" name="Shape 91"/>
+          <p:cNvSpPr txBox="1"/>
+          <p:nvPr/>
+        </p:nvSpPr>
+        <p:spPr>
+          <a:xfrm>
+            <a:off x="0" y="0"/>
+            <a:ext cx="3000000" cy="3000000"/>
+          </a:xfrm>
+          <a:prstGeom prst="rect">
+            <a:avLst/>
+          </a:prstGeom>
+          <a:noFill/>
+          <a:ln>
+            <a:noFill/>
+          </a:ln>
+        </p:spPr>
+        <p:txBody>
+          <a:bodyPr lIns="91425" tIns="91425" rIns="91425" bIns="91425" anchor="ctr" anchorCtr="0">
+            <a:noAutofit/>
+          </a:bodyPr>
+          <a:lstStyle/>
+          <a:p>
+            <a:pPr lvl="0" rtl="0">
+              <a:spcBef>
+                <a:spcPts val="0"/>
+              </a:spcBef>
+              <a:buNone/>
+            </a:pPr>
+            <a:r>
+              <a:rPr lang="en-GB"/>
+              <a:t> </a:t>
+            </a:r>
+            <a:endParaRPr lang="en-GB"/>
+          </a:p>
+        </p:txBody>
+      </p:sp>
+      <p:pic>
+        <p:nvPicPr>
+          <p:cNvPr id="92" name="Shape 92"/>
+          <p:cNvPicPr preferRelativeResize="0"/>
+          <p:nvPr/>
+        </p:nvPicPr>
+        <p:blipFill>
+          <a:blip r:embed="rId1"/>
+          <a:stretch>
+            <a:fillRect/>
+          </a:stretch>
+        </p:blipFill>
+        <p:spPr>
+          <a:xfrm>
+            <a:off x="1357312" y="0"/>
+            <a:ext cx="6429375" cy="5143500"/>
+          </a:xfrm>
+          <a:prstGeom prst="rect">
+            <a:avLst/>
+          </a:prstGeom>
+          <a:noFill/>
+          <a:ln>
+            <a:noFill/>
+          </a:ln>
+        </p:spPr>
+      </p:pic>
+    </p:spTree>
+  </p:cSld>
+  <p:clrMapOvr>
+    <a:masterClrMapping/>
+  </p:clrMapOvr>
+  <p:transition spd="slow">
+    <p:cut/>
+  </p:transition>
+</p:sld>
+</file>
+
+<file path=ppt/slides/slide11.xml><?xml version="1.0" encoding="utf-8"?>
+<p:sld xmlns:a="http://schemas.openxmlformats.org/drawingml/2006/main" xmlns:r="http://schemas.openxmlformats.org/officeDocument/2006/relationships" xmlns:p="http://schemas.openxmlformats.org/presentationml/2006/main">
+  <p:cSld>
+    <p:spTree>
+      <p:nvGrpSpPr>
+        <p:cNvPr id="96" name="Shape 96"/>
+        <p:cNvGrpSpPr/>
+        <p:nvPr/>
+      </p:nvGrpSpPr>
+      <p:grpSpPr>
+        <a:xfrm>
+          <a:off x="0" y="0"/>
+          <a:ext cx="0" cy="0"/>
+          <a:chOff x="0" y="0"/>
+          <a:chExt cx="0" cy="0"/>
+        </a:xfrm>
+      </p:grpSpPr>
+      <p:pic>
+        <p:nvPicPr>
+          <p:cNvPr id="97" name="Shape 97"/>
+          <p:cNvPicPr preferRelativeResize="0"/>
+          <p:nvPr/>
+        </p:nvPicPr>
+        <p:blipFill>
+          <a:blip r:embed="rId1"/>
+          <a:stretch>
+            <a:fillRect/>
+          </a:stretch>
+        </p:blipFill>
+        <p:spPr>
+          <a:xfrm>
+            <a:off x="1453600" y="0"/>
+            <a:ext cx="6429375" cy="5143500"/>
+          </a:xfrm>
+          <a:prstGeom prst="rect">
+            <a:avLst/>
+          </a:prstGeom>
+          <a:noFill/>
+          <a:ln>
+            <a:noFill/>
+          </a:ln>
+        </p:spPr>
+      </p:pic>
+    </p:spTree>
+  </p:cSld>
+  <p:clrMapOvr>
+    <a:masterClrMapping/>
+  </p:clrMapOvr>
+  <p:transition spd="slow">
+    <p:cut/>
+  </p:transition>
+</p:sld>
+</file>
+
+<file path=ppt/slides/slide12.xml><?xml version="1.0" encoding="utf-8"?>
+<p:sld xmlns:a="http://schemas.openxmlformats.org/drawingml/2006/main" xmlns:r="http://schemas.openxmlformats.org/officeDocument/2006/relationships" xmlns:p="http://schemas.openxmlformats.org/presentationml/2006/main">
+  <p:cSld>
+    <p:spTree>
+      <p:nvGrpSpPr>
+        <p:cNvPr id="1" name=""/>
+        <p:cNvGrpSpPr/>
+        <p:nvPr/>
+      </p:nvGrpSpPr>
+      <p:grpSpPr/>
+      <p:sp>
+        <p:nvSpPr>
+          <p:cNvPr id="2" name="标题 1"/>
+          <p:cNvSpPr/>
+          <p:nvPr>
+            <p:ph type="title"/>
+          </p:nvPr>
+        </p:nvSpPr>
+        <p:spPr/>
+        <p:txBody>
+          <a:bodyPr/>
+          <a:p>
+            <a:r>
+              <a:rPr lang="en-US" altLang="zh-CN">
+                <a:sym typeface="+mn-ea"/>
+              </a:rPr>
+              <a:t>Project 3</a:t>
+            </a:r>
+            <a:endParaRPr lang="zh-CN" altLang="en-US"/>
+          </a:p>
+        </p:txBody>
+      </p:sp>
+    </p:spTree>
+  </p:cSld>
+  <p:clrMapOvr>
+    <a:masterClrMapping/>
+  </p:clrMapOvr>
+</p:sld>
+</file>
+
+<file path=ppt/slides/slide13.xml><?xml version="1.0" encoding="utf-8"?>
+<p:sld xmlns:a="http://schemas.openxmlformats.org/drawingml/2006/main" xmlns:r="http://schemas.openxmlformats.org/officeDocument/2006/relationships" xmlns:p="http://schemas.openxmlformats.org/presentationml/2006/main">
+  <p:cSld>
+    <p:spTree>
+      <p:nvGrpSpPr>
+        <p:cNvPr id="101" name="Shape 101"/>
+        <p:cNvGrpSpPr/>
+        <p:nvPr/>
+      </p:nvGrpSpPr>
+      <p:grpSpPr>
+        <a:xfrm>
+          <a:off x="0" y="0"/>
+          <a:ext cx="0" cy="0"/>
+          <a:chOff x="0" y="0"/>
+          <a:chExt cx="0" cy="0"/>
+        </a:xfrm>
+      </p:grpSpPr>
+      <p:pic>
+        <p:nvPicPr>
+          <p:cNvPr id="102" name="Shape 102"/>
+          <p:cNvPicPr preferRelativeResize="0"/>
+          <p:nvPr/>
+        </p:nvPicPr>
+        <p:blipFill>
+          <a:blip r:embed="rId1"/>
+          <a:stretch>
+            <a:fillRect/>
+          </a:stretch>
+        </p:blipFill>
+        <p:spPr>
+          <a:xfrm>
+            <a:off x="1357312" y="0"/>
+            <a:ext cx="6429375" cy="5143500"/>
+          </a:xfrm>
+          <a:prstGeom prst="rect">
+            <a:avLst/>
+          </a:prstGeom>
+          <a:noFill/>
+          <a:ln>
+            <a:noFill/>
+          </a:ln>
+        </p:spPr>
+      </p:pic>
+    </p:spTree>
+  </p:cSld>
+  <p:clrMapOvr>
+    <a:masterClrMapping/>
+  </p:clrMapOvr>
+  <p:transition spd="slow">
+    <p:cut/>
+  </p:transition>
+</p:sld>
+</file>
+
+<file path=ppt/slides/slide14.xml><?xml version="1.0" encoding="utf-8"?>
+<p:sld xmlns:a="http://schemas.openxmlformats.org/drawingml/2006/main" xmlns:r="http://schemas.openxmlformats.org/officeDocument/2006/relationships" xmlns:p="http://schemas.openxmlformats.org/presentationml/2006/main">
+  <p:cSld>
+    <p:spTree>
+      <p:nvGrpSpPr>
+        <p:cNvPr id="106" name="Shape 106"/>
+        <p:cNvGrpSpPr/>
+        <p:nvPr/>
+      </p:nvGrpSpPr>
+      <p:grpSpPr>
+        <a:xfrm>
+          <a:off x="0" y="0"/>
+          <a:ext cx="0" cy="0"/>
+          <a:chOff x="0" y="0"/>
+          <a:chExt cx="0" cy="0"/>
+        </a:xfrm>
+      </p:grpSpPr>
+      <p:sp>
+        <p:nvSpPr>
+          <p:cNvPr id="107" name="Shape 107"/>
+          <p:cNvSpPr txBox="1"/>
+          <p:nvPr/>
+        </p:nvSpPr>
+        <p:spPr>
+          <a:xfrm>
+            <a:off x="0" y="0"/>
+            <a:ext cx="3000000" cy="3000000"/>
+          </a:xfrm>
+          <a:prstGeom prst="rect">
+            <a:avLst/>
+          </a:prstGeom>
+          <a:noFill/>
+          <a:ln>
+            <a:noFill/>
+          </a:ln>
+        </p:spPr>
+        <p:txBody>
+          <a:bodyPr lIns="91425" tIns="91425" rIns="91425" bIns="91425" anchor="ctr" anchorCtr="0">
+            <a:noAutofit/>
+          </a:bodyPr>
+          <a:lstStyle/>
+          <a:p>
+            <a:pPr lvl="0" rtl="0">
+              <a:spcBef>
+                <a:spcPts val="0"/>
+              </a:spcBef>
+              <a:buNone/>
+            </a:pPr>
+            <a:r>
+              <a:rPr lang="en-GB"/>
+              <a:t> </a:t>
+            </a:r>
+            <a:endParaRPr lang="en-GB"/>
+          </a:p>
+        </p:txBody>
+      </p:sp>
+      <p:pic>
+        <p:nvPicPr>
+          <p:cNvPr id="108" name="Shape 108"/>
+          <p:cNvPicPr preferRelativeResize="0"/>
+          <p:nvPr/>
+        </p:nvPicPr>
+        <p:blipFill>
+          <a:blip r:embed="rId1"/>
+          <a:stretch>
+            <a:fillRect/>
+          </a:stretch>
+        </p:blipFill>
+        <p:spPr>
+          <a:xfrm>
+            <a:off x="1357312" y="0"/>
+            <a:ext cx="6429375" cy="5143500"/>
+          </a:xfrm>
+          <a:prstGeom prst="rect">
+            <a:avLst/>
+          </a:prstGeom>
+          <a:noFill/>
+          <a:ln>
+            <a:noFill/>
+          </a:ln>
+        </p:spPr>
+      </p:pic>
+    </p:spTree>
+  </p:cSld>
+  <p:clrMapOvr>
+    <a:masterClrMapping/>
+  </p:clrMapOvr>
+  <p:transition spd="slow">
+    <p:cut/>
+  </p:transition>
+</p:sld>
+</file>
+
+<file path=ppt/slides/slide15.xml><?xml version="1.0" encoding="utf-8"?>
+<p:sld xmlns:a="http://schemas.openxmlformats.org/drawingml/2006/main" xmlns:r="http://schemas.openxmlformats.org/officeDocument/2006/relationships" xmlns:p="http://schemas.openxmlformats.org/presentationml/2006/main">
+  <p:cSld>
+    <p:spTree>
+      <p:nvGrpSpPr>
+        <p:cNvPr id="112" name="Shape 112"/>
+        <p:cNvGrpSpPr/>
+        <p:nvPr/>
+      </p:nvGrpSpPr>
+      <p:grpSpPr>
+        <a:xfrm>
+          <a:off x="0" y="0"/>
+          <a:ext cx="0" cy="0"/>
+          <a:chOff x="0" y="0"/>
+          <a:chExt cx="0" cy="0"/>
+        </a:xfrm>
+      </p:grpSpPr>
+      <p:pic>
+        <p:nvPicPr>
+          <p:cNvPr id="113" name="Shape 113"/>
+          <p:cNvPicPr preferRelativeResize="0"/>
+          <p:nvPr/>
+        </p:nvPicPr>
+        <p:blipFill>
+          <a:blip r:embed="rId1"/>
+          <a:stretch>
+            <a:fillRect/>
+          </a:stretch>
+        </p:blipFill>
+        <p:spPr>
+          <a:xfrm>
+            <a:off x="1252525" y="57775"/>
+            <a:ext cx="6429375" cy="5143500"/>
+          </a:xfrm>
+          <a:prstGeom prst="rect">
+            <a:avLst/>
+          </a:prstGeom>
+          <a:noFill/>
+          <a:ln>
+            <a:noFill/>
+          </a:ln>
+        </p:spPr>
+      </p:pic>
+    </p:spTree>
+  </p:cSld>
+  <p:clrMapOvr>
+    <a:masterClrMapping/>
+  </p:clrMapOvr>
+  <p:transition spd="slow">
+    <p:cut/>
+  </p:transition>
+</p:sld>
+</file>
+
+<file path=ppt/slides/slide16.xml><?xml version="1.0" encoding="utf-8"?>
+<p:sld xmlns:a="http://schemas.openxmlformats.org/drawingml/2006/main" xmlns:r="http://schemas.openxmlformats.org/officeDocument/2006/relationships" xmlns:p="http://schemas.openxmlformats.org/presentationml/2006/main">
+  <p:cSld>
+    <p:spTree>
+      <p:nvGrpSpPr>
+        <p:cNvPr id="117" name="Shape 117"/>
+        <p:cNvGrpSpPr/>
+        <p:nvPr/>
+      </p:nvGrpSpPr>
+      <p:grpSpPr>
+        <a:xfrm>
+          <a:off x="0" y="0"/>
+          <a:ext cx="0" cy="0"/>
+          <a:chOff x="0" y="0"/>
+          <a:chExt cx="0" cy="0"/>
+        </a:xfrm>
+      </p:grpSpPr>
+      <p:sp>
+        <p:nvSpPr>
+          <p:cNvPr id="118" name="Shape 118"/>
+          <p:cNvSpPr txBox="1"/>
+          <p:nvPr/>
+        </p:nvSpPr>
+        <p:spPr>
+          <a:xfrm>
+            <a:off x="0" y="0"/>
+            <a:ext cx="3000000" cy="3000000"/>
+          </a:xfrm>
+          <a:prstGeom prst="rect">
+            <a:avLst/>
+          </a:prstGeom>
+          <a:noFill/>
+          <a:ln>
+            <a:noFill/>
+          </a:ln>
+        </p:spPr>
+        <p:txBody>
+          <a:bodyPr lIns="91425" tIns="91425" rIns="91425" bIns="91425" anchor="ctr" anchorCtr="0">
+            <a:noAutofit/>
+          </a:bodyPr>
+          <a:lstStyle/>
+          <a:p>
+            <a:pPr lvl="0" rtl="0">
+              <a:spcBef>
+                <a:spcPts val="0"/>
+              </a:spcBef>
+              <a:buNone/>
+            </a:pPr>
+            <a:r>
+              <a:rPr lang="en-GB"/>
+              <a:t> </a:t>
+            </a:r>
+            <a:endParaRPr lang="en-GB"/>
+          </a:p>
+        </p:txBody>
+      </p:sp>
+      <p:pic>
+        <p:nvPicPr>
+          <p:cNvPr id="119" name="Shape 119"/>
+          <p:cNvPicPr preferRelativeResize="0"/>
+          <p:nvPr/>
+        </p:nvPicPr>
+        <p:blipFill>
+          <a:blip r:embed="rId1"/>
+          <a:stretch>
+            <a:fillRect/>
+          </a:stretch>
+        </p:blipFill>
+        <p:spPr>
+          <a:xfrm>
+            <a:off x="1357312" y="0"/>
+            <a:ext cx="6429375" cy="5143500"/>
+          </a:xfrm>
+          <a:prstGeom prst="rect">
+            <a:avLst/>
+          </a:prstGeom>
+          <a:noFill/>
+          <a:ln>
+            <a:noFill/>
+          </a:ln>
+        </p:spPr>
+      </p:pic>
+    </p:spTree>
+  </p:cSld>
+  <p:clrMapOvr>
+    <a:masterClrMapping/>
+  </p:clrMapOvr>
+  <p:transition spd="slow">
+    <p:cut/>
+  </p:transition>
+</p:sld>
+</file>
+
+<file path=ppt/slides/slide17.xml><?xml version="1.0" encoding="utf-8"?>
+<p:sld xmlns:a="http://schemas.openxmlformats.org/drawingml/2006/main" xmlns:r="http://schemas.openxmlformats.org/officeDocument/2006/relationships" xmlns:p="http://schemas.openxmlformats.org/presentationml/2006/main">
+  <p:cSld>
+    <p:spTree>
+      <p:nvGrpSpPr>
+        <p:cNvPr id="123" name="Shape 123"/>
+        <p:cNvGrpSpPr/>
+        <p:nvPr/>
+      </p:nvGrpSpPr>
+      <p:grpSpPr>
+        <a:xfrm>
+          <a:off x="0" y="0"/>
+          <a:ext cx="0" cy="0"/>
+          <a:chOff x="0" y="0"/>
+          <a:chExt cx="0" cy="0"/>
+        </a:xfrm>
+      </p:grpSpPr>
+      <p:pic>
+        <p:nvPicPr>
+          <p:cNvPr id="124" name="Shape 124"/>
+          <p:cNvPicPr preferRelativeResize="0"/>
+          <p:nvPr/>
+        </p:nvPicPr>
+        <p:blipFill>
+          <a:blip r:embed="rId1"/>
+          <a:stretch>
+            <a:fillRect/>
+          </a:stretch>
+        </p:blipFill>
+        <p:spPr>
+          <a:xfrm>
+            <a:off x="1357312" y="0"/>
+            <a:ext cx="6429375" cy="5143500"/>
+          </a:xfrm>
+          <a:prstGeom prst="rect">
+            <a:avLst/>
+          </a:prstGeom>
+          <a:noFill/>
+          <a:ln>
+            <a:noFill/>
+          </a:ln>
+        </p:spPr>
+      </p:pic>
+    </p:spTree>
+  </p:cSld>
+  <p:clrMapOvr>
+    <a:masterClrMapping/>
+  </p:clrMapOvr>
+  <p:transition spd="slow">
+    <p:cut/>
+  </p:transition>
+</p:sld>
+</file>
+
+<file path=ppt/slides/slide2.xml><?xml version="1.0" encoding="utf-8"?>
+<p:sld xmlns:a="http://schemas.openxmlformats.org/drawingml/2006/main" xmlns:r="http://schemas.openxmlformats.org/officeDocument/2006/relationships" xmlns:p="http://schemas.openxmlformats.org/presentationml/2006/main">
   <p:cSld>
     <p:spTree>
       <p:nvGrpSpPr>
@@ -5047,9 +5538,7 @@
           <p:nvPr/>
         </p:nvPicPr>
         <p:blipFill>
-          <a:blip r:embed="rId3">
-            <a:alphaModFix/>
-          </a:blip>
+          <a:blip r:embed="rId1"/>
           <a:stretch>
             <a:fillRect/>
           </a:stretch>
@@ -5079,8 +5568,8 @@
 </p:sld>
 </file>
 
-<file path=ppt/slides/slide1.xml><?xml version="1.0" encoding="utf-8"?>
-<p:sld xmlns:a="http://schemas.openxmlformats.org/drawingml/2006/main" xmlns:r="http://schemas.openxmlformats.org/officeDocument/2006/relationships" xmlns:mc="http://schemas.openxmlformats.org/markup-compatibility/2006" xmlns:mv="urn:schemas-microsoft-com:mac:vml" xmlns:p="http://schemas.openxmlformats.org/presentationml/2006/main" xmlns:c="http://schemas.openxmlformats.org/drawingml/2006/chart" xmlns:dgm="http://schemas.openxmlformats.org/drawingml/2006/diagram" xmlns:o="urn:schemas-microsoft-com:office:office" xmlns:v="urn:schemas-microsoft-com:vml" xmlns:pvml="urn:schemas-microsoft-com:office:powerpoint" xmlns:com="http://schemas.openxmlformats.org/drawingml/2006/compatibility" xmlns:p14="http://schemas.microsoft.com/office/powerpoint/2010/main">
+<file path=ppt/slides/slide3.xml><?xml version="1.0" encoding="utf-8"?>
+<p:sld xmlns:a="http://schemas.openxmlformats.org/drawingml/2006/main" xmlns:r="http://schemas.openxmlformats.org/officeDocument/2006/relationships" xmlns:p="http://schemas.openxmlformats.org/presentationml/2006/main">
   <p:cSld>
     <p:spTree>
       <p:nvGrpSpPr>
@@ -5103,9 +5592,7 @@
           <p:nvPr/>
         </p:nvPicPr>
         <p:blipFill>
-          <a:blip r:embed="rId3">
-            <a:alphaModFix/>
-          </a:blip>
+          <a:blip r:embed="rId1"/>
           <a:stretch>
             <a:fillRect/>
           </a:stretch>
@@ -5135,336 +5622,8 @@
 </p:sld>
 </file>
 
-<file path=ppt/slides/slide10.xml><?xml version="1.0" encoding="utf-8"?>
-<p:sld xmlns:a="http://schemas.openxmlformats.org/drawingml/2006/main" xmlns:r="http://schemas.openxmlformats.org/officeDocument/2006/relationships" xmlns:mc="http://schemas.openxmlformats.org/markup-compatibility/2006" xmlns:mv="urn:schemas-microsoft-com:mac:vml" xmlns:p="http://schemas.openxmlformats.org/presentationml/2006/main" xmlns:c="http://schemas.openxmlformats.org/drawingml/2006/chart" xmlns:dgm="http://schemas.openxmlformats.org/drawingml/2006/diagram" xmlns:o="urn:schemas-microsoft-com:office:office" xmlns:v="urn:schemas-microsoft-com:vml" xmlns:pvml="urn:schemas-microsoft-com:office:powerpoint" xmlns:com="http://schemas.openxmlformats.org/drawingml/2006/compatibility" xmlns:p14="http://schemas.microsoft.com/office/powerpoint/2010/main">
-  <p:cSld>
-    <p:spTree>
-      <p:nvGrpSpPr>
-        <p:cNvPr id="106" name="Shape 106"/>
-        <p:cNvGrpSpPr/>
-        <p:nvPr/>
-      </p:nvGrpSpPr>
-      <p:grpSpPr>
-        <a:xfrm>
-          <a:off x="0" y="0"/>
-          <a:ext cx="0" cy="0"/>
-          <a:chOff x="0" y="0"/>
-          <a:chExt cx="0" cy="0"/>
-        </a:xfrm>
-      </p:grpSpPr>
-      <p:sp>
-        <p:nvSpPr>
-          <p:cNvPr id="107" name="Shape 107"/>
-          <p:cNvSpPr txBox="1"/>
-          <p:nvPr/>
-        </p:nvSpPr>
-        <p:spPr>
-          <a:xfrm>
-            <a:off x="0" y="0"/>
-            <a:ext cx="3000000" cy="3000000"/>
-          </a:xfrm>
-          <a:prstGeom prst="rect">
-            <a:avLst/>
-          </a:prstGeom>
-          <a:noFill/>
-          <a:ln>
-            <a:noFill/>
-          </a:ln>
-        </p:spPr>
-        <p:txBody>
-          <a:bodyPr anchorCtr="0" anchor="ctr" bIns="91425" lIns="91425" rIns="91425" tIns="91425">
-            <a:noAutofit/>
-          </a:bodyPr>
-          <a:lstStyle/>
-          <a:p>
-            <a:pPr lvl="0" rtl="0">
-              <a:spcBef>
-                <a:spcPts val="0"/>
-              </a:spcBef>
-              <a:buNone/>
-            </a:pPr>
-            <a:r>
-              <a:rPr lang="en"/>
-              <a:t> </a:t>
-            </a:r>
-          </a:p>
-        </p:txBody>
-      </p:sp>
-      <p:pic>
-        <p:nvPicPr>
-          <p:cNvPr id="108" name="Shape 108"/>
-          <p:cNvPicPr preferRelativeResize="0"/>
-          <p:nvPr/>
-        </p:nvPicPr>
-        <p:blipFill>
-          <a:blip r:embed="rId3">
-            <a:alphaModFix/>
-          </a:blip>
-          <a:stretch>
-            <a:fillRect/>
-          </a:stretch>
-        </p:blipFill>
-        <p:spPr>
-          <a:xfrm>
-            <a:off x="1357312" y="0"/>
-            <a:ext cx="6429375" cy="5143500"/>
-          </a:xfrm>
-          <a:prstGeom prst="rect">
-            <a:avLst/>
-          </a:prstGeom>
-          <a:noFill/>
-          <a:ln>
-            <a:noFill/>
-          </a:ln>
-        </p:spPr>
-      </p:pic>
-    </p:spTree>
-  </p:cSld>
-  <p:clrMapOvr>
-    <a:masterClrMapping/>
-  </p:clrMapOvr>
-  <p:transition spd="slow">
-    <p:cut/>
-  </p:transition>
-</p:sld>
-</file>
-
-<file path=ppt/slides/slide11.xml><?xml version="1.0" encoding="utf-8"?>
-<p:sld xmlns:a="http://schemas.openxmlformats.org/drawingml/2006/main" xmlns:r="http://schemas.openxmlformats.org/officeDocument/2006/relationships" xmlns:mc="http://schemas.openxmlformats.org/markup-compatibility/2006" xmlns:mv="urn:schemas-microsoft-com:mac:vml" xmlns:p="http://schemas.openxmlformats.org/presentationml/2006/main" xmlns:c="http://schemas.openxmlformats.org/drawingml/2006/chart" xmlns:dgm="http://schemas.openxmlformats.org/drawingml/2006/diagram" xmlns:o="urn:schemas-microsoft-com:office:office" xmlns:v="urn:schemas-microsoft-com:vml" xmlns:pvml="urn:schemas-microsoft-com:office:powerpoint" xmlns:com="http://schemas.openxmlformats.org/drawingml/2006/compatibility" xmlns:p14="http://schemas.microsoft.com/office/powerpoint/2010/main">
-  <p:cSld>
-    <p:spTree>
-      <p:nvGrpSpPr>
-        <p:cNvPr id="112" name="Shape 112"/>
-        <p:cNvGrpSpPr/>
-        <p:nvPr/>
-      </p:nvGrpSpPr>
-      <p:grpSpPr>
-        <a:xfrm>
-          <a:off x="0" y="0"/>
-          <a:ext cx="0" cy="0"/>
-          <a:chOff x="0" y="0"/>
-          <a:chExt cx="0" cy="0"/>
-        </a:xfrm>
-      </p:grpSpPr>
-      <p:pic>
-        <p:nvPicPr>
-          <p:cNvPr id="113" name="Shape 113"/>
-          <p:cNvPicPr preferRelativeResize="0"/>
-          <p:nvPr/>
-        </p:nvPicPr>
-        <p:blipFill>
-          <a:blip r:embed="rId3">
-            <a:alphaModFix/>
-          </a:blip>
-          <a:stretch>
-            <a:fillRect/>
-          </a:stretch>
-        </p:blipFill>
-        <p:spPr>
-          <a:xfrm>
-            <a:off x="1252525" y="57775"/>
-            <a:ext cx="6429375" cy="5143500"/>
-          </a:xfrm>
-          <a:prstGeom prst="rect">
-            <a:avLst/>
-          </a:prstGeom>
-          <a:noFill/>
-          <a:ln>
-            <a:noFill/>
-          </a:ln>
-        </p:spPr>
-      </p:pic>
-    </p:spTree>
-  </p:cSld>
-  <p:clrMapOvr>
-    <a:masterClrMapping/>
-  </p:clrMapOvr>
-  <p:transition spd="slow">
-    <p:cut/>
-  </p:transition>
-</p:sld>
-</file>
-
-<file path=ppt/slides/slide12.xml><?xml version="1.0" encoding="utf-8"?>
-<p:sld xmlns:a="http://schemas.openxmlformats.org/drawingml/2006/main" xmlns:r="http://schemas.openxmlformats.org/officeDocument/2006/relationships" xmlns:mc="http://schemas.openxmlformats.org/markup-compatibility/2006" xmlns:mv="urn:schemas-microsoft-com:mac:vml" xmlns:p="http://schemas.openxmlformats.org/presentationml/2006/main" xmlns:c="http://schemas.openxmlformats.org/drawingml/2006/chart" xmlns:dgm="http://schemas.openxmlformats.org/drawingml/2006/diagram" xmlns:o="urn:schemas-microsoft-com:office:office" xmlns:v="urn:schemas-microsoft-com:vml" xmlns:pvml="urn:schemas-microsoft-com:office:powerpoint" xmlns:com="http://schemas.openxmlformats.org/drawingml/2006/compatibility" xmlns:p14="http://schemas.microsoft.com/office/powerpoint/2010/main">
-  <p:cSld>
-    <p:spTree>
-      <p:nvGrpSpPr>
-        <p:cNvPr id="117" name="Shape 117"/>
-        <p:cNvGrpSpPr/>
-        <p:nvPr/>
-      </p:nvGrpSpPr>
-      <p:grpSpPr>
-        <a:xfrm>
-          <a:off x="0" y="0"/>
-          <a:ext cx="0" cy="0"/>
-          <a:chOff x="0" y="0"/>
-          <a:chExt cx="0" cy="0"/>
-        </a:xfrm>
-      </p:grpSpPr>
-      <p:sp>
-        <p:nvSpPr>
-          <p:cNvPr id="118" name="Shape 118"/>
-          <p:cNvSpPr txBox="1"/>
-          <p:nvPr/>
-        </p:nvSpPr>
-        <p:spPr>
-          <a:xfrm>
-            <a:off x="0" y="0"/>
-            <a:ext cx="3000000" cy="3000000"/>
-          </a:xfrm>
-          <a:prstGeom prst="rect">
-            <a:avLst/>
-          </a:prstGeom>
-          <a:noFill/>
-          <a:ln>
-            <a:noFill/>
-          </a:ln>
-        </p:spPr>
-        <p:txBody>
-          <a:bodyPr anchorCtr="0" anchor="ctr" bIns="91425" lIns="91425" rIns="91425" tIns="91425">
-            <a:noAutofit/>
-          </a:bodyPr>
-          <a:lstStyle/>
-          <a:p>
-            <a:pPr lvl="0" rtl="0">
-              <a:spcBef>
-                <a:spcPts val="0"/>
-              </a:spcBef>
-              <a:buNone/>
-            </a:pPr>
-            <a:r>
-              <a:rPr lang="en"/>
-              <a:t> </a:t>
-            </a:r>
-          </a:p>
-        </p:txBody>
-      </p:sp>
-      <p:pic>
-        <p:nvPicPr>
-          <p:cNvPr id="119" name="Shape 119"/>
-          <p:cNvPicPr preferRelativeResize="0"/>
-          <p:nvPr/>
-        </p:nvPicPr>
-        <p:blipFill>
-          <a:blip r:embed="rId3">
-            <a:alphaModFix/>
-          </a:blip>
-          <a:stretch>
-            <a:fillRect/>
-          </a:stretch>
-        </p:blipFill>
-        <p:spPr>
-          <a:xfrm>
-            <a:off x="1357312" y="0"/>
-            <a:ext cx="6429375" cy="5143500"/>
-          </a:xfrm>
-          <a:prstGeom prst="rect">
-            <a:avLst/>
-          </a:prstGeom>
-          <a:noFill/>
-          <a:ln>
-            <a:noFill/>
-          </a:ln>
-        </p:spPr>
-      </p:pic>
-    </p:spTree>
-  </p:cSld>
-  <p:clrMapOvr>
-    <a:masterClrMapping/>
-  </p:clrMapOvr>
-  <p:transition spd="slow">
-    <p:cut/>
-  </p:transition>
-</p:sld>
-</file>
-
-<file path=ppt/slides/slide13.xml><?xml version="1.0" encoding="utf-8"?>
-<p:sld xmlns:a="http://schemas.openxmlformats.org/drawingml/2006/main" xmlns:r="http://schemas.openxmlformats.org/officeDocument/2006/relationships" xmlns:mc="http://schemas.openxmlformats.org/markup-compatibility/2006" xmlns:mv="urn:schemas-microsoft-com:mac:vml" xmlns:p="http://schemas.openxmlformats.org/presentationml/2006/main" xmlns:c="http://schemas.openxmlformats.org/drawingml/2006/chart" xmlns:dgm="http://schemas.openxmlformats.org/drawingml/2006/diagram" xmlns:o="urn:schemas-microsoft-com:office:office" xmlns:v="urn:schemas-microsoft-com:vml" xmlns:pvml="urn:schemas-microsoft-com:office:powerpoint" xmlns:com="http://schemas.openxmlformats.org/drawingml/2006/compatibility" xmlns:p14="http://schemas.microsoft.com/office/powerpoint/2010/main">
-  <p:cSld>
-    <p:spTree>
-      <p:nvGrpSpPr>
-        <p:cNvPr id="123" name="Shape 123"/>
-        <p:cNvGrpSpPr/>
-        <p:nvPr/>
-      </p:nvGrpSpPr>
-      <p:grpSpPr>
-        <a:xfrm>
-          <a:off x="0" y="0"/>
-          <a:ext cx="0" cy="0"/>
-          <a:chOff x="0" y="0"/>
-          <a:chExt cx="0" cy="0"/>
-        </a:xfrm>
-      </p:grpSpPr>
-      <p:pic>
-        <p:nvPicPr>
-          <p:cNvPr id="124" name="Shape 124"/>
-          <p:cNvPicPr preferRelativeResize="0"/>
-          <p:nvPr/>
-        </p:nvPicPr>
-        <p:blipFill>
-          <a:blip r:embed="rId3">
-            <a:alphaModFix/>
-          </a:blip>
-          <a:stretch>
-            <a:fillRect/>
-          </a:stretch>
-        </p:blipFill>
-        <p:spPr>
-          <a:xfrm>
-            <a:off x="1357312" y="0"/>
-            <a:ext cx="6429375" cy="5143500"/>
-          </a:xfrm>
-          <a:prstGeom prst="rect">
-            <a:avLst/>
-          </a:prstGeom>
-          <a:noFill/>
-          <a:ln>
-            <a:noFill/>
-          </a:ln>
-        </p:spPr>
-      </p:pic>
-    </p:spTree>
-  </p:cSld>
-  <p:clrMapOvr>
-    <a:masterClrMapping/>
-  </p:clrMapOvr>
-  <p:transition spd="slow">
-    <p:cut/>
-  </p:transition>
-</p:sld>
-</file>
-
-<file path=ppt/slides/slide14.xml><?xml version="1.0" encoding="utf-8"?>
-<p:sld xmlns:a="http://schemas.openxmlformats.org/drawingml/2006/main" xmlns:r="http://schemas.openxmlformats.org/officeDocument/2006/relationships" xmlns:mc="http://schemas.openxmlformats.org/markup-compatibility/2006" xmlns:mv="urn:schemas-microsoft-com:mac:vml" xmlns:p="http://schemas.openxmlformats.org/presentationml/2006/main" xmlns:c="http://schemas.openxmlformats.org/drawingml/2006/chart" xmlns:dgm="http://schemas.openxmlformats.org/drawingml/2006/diagram" xmlns:o="urn:schemas-microsoft-com:office:office" xmlns:v="urn:schemas-microsoft-com:vml" xmlns:pvml="urn:schemas-microsoft-com:office:powerpoint" xmlns:com="http://schemas.openxmlformats.org/drawingml/2006/compatibility" xmlns:p14="http://schemas.microsoft.com/office/powerpoint/2010/main">
-  <p:cSld>
-    <p:spTree>
-      <p:nvGrpSpPr>
-        <p:cNvPr id="128" name="Shape 128"/>
-        <p:cNvGrpSpPr/>
-        <p:nvPr/>
-      </p:nvGrpSpPr>
-      <p:grpSpPr>
-        <a:xfrm>
-          <a:off x="0" y="0"/>
-          <a:ext cx="0" cy="0"/>
-          <a:chOff x="0" y="0"/>
-          <a:chExt cx="0" cy="0"/>
-        </a:xfrm>
-      </p:grpSpPr>
-    </p:spTree>
-  </p:cSld>
-  <p:clrMapOvr>
-    <a:masterClrMapping/>
-  </p:clrMapOvr>
-  <p:transition spd="slow">
-    <p:cut/>
-  </p:transition>
-</p:sld>
-</file>
-
-<file path=ppt/slides/slide2.xml><?xml version="1.0" encoding="utf-8"?>
-<p:sld xmlns:a="http://schemas.openxmlformats.org/drawingml/2006/main" xmlns:r="http://schemas.openxmlformats.org/officeDocument/2006/relationships" xmlns:mc="http://schemas.openxmlformats.org/markup-compatibility/2006" xmlns:mv="urn:schemas-microsoft-com:mac:vml" xmlns:p="http://schemas.openxmlformats.org/presentationml/2006/main" xmlns:c="http://schemas.openxmlformats.org/drawingml/2006/chart" xmlns:dgm="http://schemas.openxmlformats.org/drawingml/2006/diagram" xmlns:o="urn:schemas-microsoft-com:office:office" xmlns:v="urn:schemas-microsoft-com:vml" xmlns:pvml="urn:schemas-microsoft-com:office:powerpoint" xmlns:com="http://schemas.openxmlformats.org/drawingml/2006/compatibility" xmlns:p14="http://schemas.microsoft.com/office/powerpoint/2010/main">
+<file path=ppt/slides/slide4.xml><?xml version="1.0" encoding="utf-8"?>
+<p:sld xmlns:a="http://schemas.openxmlformats.org/drawingml/2006/main" xmlns:r="http://schemas.openxmlformats.org/officeDocument/2006/relationships" xmlns:p="http://schemas.openxmlformats.org/presentationml/2006/main">
   <p:cSld>
     <p:spTree>
       <p:nvGrpSpPr>
@@ -5487,9 +5646,7 @@
           <p:nvPr/>
         </p:nvPicPr>
         <p:blipFill>
-          <a:blip r:embed="rId3">
-            <a:alphaModFix/>
-          </a:blip>
+          <a:blip r:embed="rId1"/>
           <a:stretch>
             <a:fillRect/>
           </a:stretch>
@@ -5519,8 +5676,8 @@
 </p:sld>
 </file>
 
-<file path=ppt/slides/slide3.xml><?xml version="1.0" encoding="utf-8"?>
-<p:sld xmlns:a="http://schemas.openxmlformats.org/drawingml/2006/main" xmlns:r="http://schemas.openxmlformats.org/officeDocument/2006/relationships" xmlns:mc="http://schemas.openxmlformats.org/markup-compatibility/2006" xmlns:mv="urn:schemas-microsoft-com:mac:vml" xmlns:p="http://schemas.openxmlformats.org/presentationml/2006/main" xmlns:c="http://schemas.openxmlformats.org/drawingml/2006/chart" xmlns:dgm="http://schemas.openxmlformats.org/drawingml/2006/diagram" xmlns:o="urn:schemas-microsoft-com:office:office" xmlns:v="urn:schemas-microsoft-com:vml" xmlns:pvml="urn:schemas-microsoft-com:office:powerpoint" xmlns:com="http://schemas.openxmlformats.org/drawingml/2006/compatibility" xmlns:p14="http://schemas.microsoft.com/office/powerpoint/2010/main">
+<file path=ppt/slides/slide5.xml><?xml version="1.0" encoding="utf-8"?>
+<p:sld xmlns:a="http://schemas.openxmlformats.org/drawingml/2006/main" xmlns:r="http://schemas.openxmlformats.org/officeDocument/2006/relationships" xmlns:p="http://schemas.openxmlformats.org/presentationml/2006/main">
   <p:cSld>
     <p:spTree>
       <p:nvGrpSpPr>
@@ -5556,7 +5713,7 @@
           </a:ln>
         </p:spPr>
         <p:txBody>
-          <a:bodyPr anchorCtr="0" anchor="ctr" bIns="91425" lIns="91425" rIns="91425" tIns="91425">
+          <a:bodyPr lIns="91425" tIns="91425" rIns="91425" bIns="91425" anchor="ctr" anchorCtr="0">
             <a:noAutofit/>
           </a:bodyPr>
           <a:lstStyle/>
@@ -5568,9 +5725,10 @@
               <a:buNone/>
             </a:pPr>
             <a:r>
-              <a:rPr lang="en"/>
+              <a:rPr lang="en-GB"/>
               <a:t> </a:t>
             </a:r>
+            <a:endParaRPr lang="en-GB"/>
           </a:p>
         </p:txBody>
       </p:sp>
@@ -5581,9 +5739,7 @@
           <p:nvPr/>
         </p:nvPicPr>
         <p:blipFill>
-          <a:blip r:embed="rId3">
-            <a:alphaModFix/>
-          </a:blip>
+          <a:blip r:embed="rId1"/>
           <a:stretch>
             <a:fillRect/>
           </a:stretch>
@@ -5613,8 +5769,46 @@
 </p:sld>
 </file>
 
-<file path=ppt/slides/slide4.xml><?xml version="1.0" encoding="utf-8"?>
-<p:sld xmlns:a="http://schemas.openxmlformats.org/drawingml/2006/main" xmlns:r="http://schemas.openxmlformats.org/officeDocument/2006/relationships" xmlns:mc="http://schemas.openxmlformats.org/markup-compatibility/2006" xmlns:mv="urn:schemas-microsoft-com:mac:vml" xmlns:p="http://schemas.openxmlformats.org/presentationml/2006/main" xmlns:c="http://schemas.openxmlformats.org/drawingml/2006/chart" xmlns:dgm="http://schemas.openxmlformats.org/drawingml/2006/diagram" xmlns:o="urn:schemas-microsoft-com:office:office" xmlns:v="urn:schemas-microsoft-com:vml" xmlns:pvml="urn:schemas-microsoft-com:office:powerpoint" xmlns:com="http://schemas.openxmlformats.org/drawingml/2006/compatibility" xmlns:p14="http://schemas.microsoft.com/office/powerpoint/2010/main">
+<file path=ppt/slides/slide6.xml><?xml version="1.0" encoding="utf-8"?>
+<p:sld xmlns:a="http://schemas.openxmlformats.org/drawingml/2006/main" xmlns:r="http://schemas.openxmlformats.org/officeDocument/2006/relationships" xmlns:p="http://schemas.openxmlformats.org/presentationml/2006/main">
+  <p:cSld>
+    <p:spTree>
+      <p:nvGrpSpPr>
+        <p:cNvPr id="1" name=""/>
+        <p:cNvGrpSpPr/>
+        <p:nvPr/>
+      </p:nvGrpSpPr>
+      <p:grpSpPr/>
+      <p:sp>
+        <p:nvSpPr>
+          <p:cNvPr id="2" name="标题 1"/>
+          <p:cNvSpPr/>
+          <p:nvPr>
+            <p:ph type="title"/>
+          </p:nvPr>
+        </p:nvSpPr>
+        <p:spPr/>
+        <p:txBody>
+          <a:bodyPr/>
+          <a:p>
+            <a:r>
+              <a:rPr lang="en-US" altLang="zh-CN"/>
+              <a:t>Project 2</a:t>
+            </a:r>
+            <a:endParaRPr lang="en-US" altLang="zh-CN"/>
+          </a:p>
+        </p:txBody>
+      </p:sp>
+    </p:spTree>
+  </p:cSld>
+  <p:clrMapOvr>
+    <a:masterClrMapping/>
+  </p:clrMapOvr>
+</p:sld>
+</file>
+
+<file path=ppt/slides/slide7.xml><?xml version="1.0" encoding="utf-8"?>
+<p:sld xmlns:a="http://schemas.openxmlformats.org/drawingml/2006/main" xmlns:r="http://schemas.openxmlformats.org/officeDocument/2006/relationships" xmlns:p="http://schemas.openxmlformats.org/presentationml/2006/main">
   <p:cSld>
     <p:spTree>
       <p:nvGrpSpPr>
@@ -5637,9 +5831,7 @@
           <p:nvPr/>
         </p:nvPicPr>
         <p:blipFill>
-          <a:blip r:embed="rId3">
-            <a:alphaModFix/>
-          </a:blip>
+          <a:blip r:embed="rId1"/>
           <a:stretch>
             <a:fillRect/>
           </a:stretch>
@@ -5669,8 +5861,8 @@
 </p:sld>
 </file>
 
-<file path=ppt/slides/slide5.xml><?xml version="1.0" encoding="utf-8"?>
-<p:sld xmlns:a="http://schemas.openxmlformats.org/drawingml/2006/main" xmlns:r="http://schemas.openxmlformats.org/officeDocument/2006/relationships" xmlns:mc="http://schemas.openxmlformats.org/markup-compatibility/2006" xmlns:mv="urn:schemas-microsoft-com:mac:vml" xmlns:p="http://schemas.openxmlformats.org/presentationml/2006/main" xmlns:c="http://schemas.openxmlformats.org/drawingml/2006/chart" xmlns:dgm="http://schemas.openxmlformats.org/drawingml/2006/diagram" xmlns:o="urn:schemas-microsoft-com:office:office" xmlns:v="urn:schemas-microsoft-com:vml" xmlns:pvml="urn:schemas-microsoft-com:office:powerpoint" xmlns:com="http://schemas.openxmlformats.org/drawingml/2006/compatibility" xmlns:p14="http://schemas.microsoft.com/office/powerpoint/2010/main">
+<file path=ppt/slides/slide8.xml><?xml version="1.0" encoding="utf-8"?>
+<p:sld xmlns:a="http://schemas.openxmlformats.org/drawingml/2006/main" xmlns:r="http://schemas.openxmlformats.org/officeDocument/2006/relationships" xmlns:p="http://schemas.openxmlformats.org/presentationml/2006/main">
   <p:cSld>
     <p:spTree>
       <p:nvGrpSpPr>
@@ -5706,7 +5898,7 @@
           </a:ln>
         </p:spPr>
         <p:txBody>
-          <a:bodyPr anchorCtr="0" anchor="ctr" bIns="91425" lIns="91425" rIns="91425" tIns="91425">
+          <a:bodyPr lIns="91425" tIns="91425" rIns="91425" bIns="91425" anchor="ctr" anchorCtr="0">
             <a:noAutofit/>
           </a:bodyPr>
           <a:lstStyle/>
@@ -5718,9 +5910,10 @@
               <a:buNone/>
             </a:pPr>
             <a:r>
-              <a:rPr lang="en"/>
+              <a:rPr lang="en-GB"/>
               <a:t> </a:t>
             </a:r>
+            <a:endParaRPr lang="en-GB"/>
           </a:p>
         </p:txBody>
       </p:sp>
@@ -5731,9 +5924,7 @@
           <p:nvPr/>
         </p:nvPicPr>
         <p:blipFill>
-          <a:blip r:embed="rId3">
-            <a:alphaModFix/>
-          </a:blip>
+          <a:blip r:embed="rId1"/>
           <a:stretch>
             <a:fillRect/>
           </a:stretch>
@@ -5763,8 +5954,8 @@
 </p:sld>
 </file>
 
-<file path=ppt/slides/slide6.xml><?xml version="1.0" encoding="utf-8"?>
-<p:sld xmlns:a="http://schemas.openxmlformats.org/drawingml/2006/main" xmlns:r="http://schemas.openxmlformats.org/officeDocument/2006/relationships" xmlns:mc="http://schemas.openxmlformats.org/markup-compatibility/2006" xmlns:mv="urn:schemas-microsoft-com:mac:vml" xmlns:p="http://schemas.openxmlformats.org/presentationml/2006/main" xmlns:c="http://schemas.openxmlformats.org/drawingml/2006/chart" xmlns:dgm="http://schemas.openxmlformats.org/drawingml/2006/diagram" xmlns:o="urn:schemas-microsoft-com:office:office" xmlns:v="urn:schemas-microsoft-com:vml" xmlns:pvml="urn:schemas-microsoft-com:office:powerpoint" xmlns:com="http://schemas.openxmlformats.org/drawingml/2006/compatibility" xmlns:p14="http://schemas.microsoft.com/office/powerpoint/2010/main">
+<file path=ppt/slides/slide9.xml><?xml version="1.0" encoding="utf-8"?>
+<p:sld xmlns:a="http://schemas.openxmlformats.org/drawingml/2006/main" xmlns:r="http://schemas.openxmlformats.org/officeDocument/2006/relationships" xmlns:p="http://schemas.openxmlformats.org/presentationml/2006/main">
   <p:cSld>
     <p:spTree>
       <p:nvGrpSpPr>
@@ -5787,9 +5978,7 @@
           <p:nvPr/>
         </p:nvPicPr>
         <p:blipFill>
-          <a:blip r:embed="rId3">
-            <a:alphaModFix/>
-          </a:blip>
+          <a:blip r:embed="rId1"/>
           <a:stretch>
             <a:fillRect/>
           </a:stretch>
@@ -5819,214 +6008,294 @@
 </p:sld>
 </file>
 
-<file path=ppt/slides/slide7.xml><?xml version="1.0" encoding="utf-8"?>
-<p:sld xmlns:a="http://schemas.openxmlformats.org/drawingml/2006/main" xmlns:r="http://schemas.openxmlformats.org/officeDocument/2006/relationships" xmlns:mc="http://schemas.openxmlformats.org/markup-compatibility/2006" xmlns:mv="urn:schemas-microsoft-com:mac:vml" xmlns:p="http://schemas.openxmlformats.org/presentationml/2006/main" xmlns:c="http://schemas.openxmlformats.org/drawingml/2006/chart" xmlns:dgm="http://schemas.openxmlformats.org/drawingml/2006/diagram" xmlns:o="urn:schemas-microsoft-com:office:office" xmlns:v="urn:schemas-microsoft-com:vml" xmlns:pvml="urn:schemas-microsoft-com:office:powerpoint" xmlns:com="http://schemas.openxmlformats.org/drawingml/2006/compatibility" xmlns:p14="http://schemas.microsoft.com/office/powerpoint/2010/main">
-  <p:cSld>
-    <p:spTree>
-      <p:nvGrpSpPr>
-        <p:cNvPr id="90" name="Shape 90"/>
-        <p:cNvGrpSpPr/>
-        <p:nvPr/>
-      </p:nvGrpSpPr>
-      <p:grpSpPr>
-        <a:xfrm>
-          <a:off x="0" y="0"/>
-          <a:ext cx="0" cy="0"/>
-          <a:chOff x="0" y="0"/>
-          <a:chExt cx="0" cy="0"/>
-        </a:xfrm>
-      </p:grpSpPr>
-      <p:sp>
-        <p:nvSpPr>
-          <p:cNvPr id="91" name="Shape 91"/>
-          <p:cNvSpPr txBox="1"/>
-          <p:nvPr/>
-        </p:nvSpPr>
-        <p:spPr>
-          <a:xfrm>
-            <a:off x="0" y="0"/>
-            <a:ext cx="3000000" cy="3000000"/>
-          </a:xfrm>
-          <a:prstGeom prst="rect">
-            <a:avLst/>
-          </a:prstGeom>
-          <a:noFill/>
-          <a:ln>
-            <a:noFill/>
-          </a:ln>
-        </p:spPr>
-        <p:txBody>
-          <a:bodyPr anchorCtr="0" anchor="ctr" bIns="91425" lIns="91425" rIns="91425" tIns="91425">
-            <a:noAutofit/>
-          </a:bodyPr>
-          <a:lstStyle/>
-          <a:p>
-            <a:pPr lvl="0" rtl="0">
-              <a:spcBef>
-                <a:spcPts val="0"/>
-              </a:spcBef>
-              <a:buNone/>
-            </a:pPr>
-            <a:r>
-              <a:rPr lang="en"/>
-              <a:t> </a:t>
-            </a:r>
-          </a:p>
-        </p:txBody>
-      </p:sp>
-      <p:pic>
-        <p:nvPicPr>
-          <p:cNvPr id="92" name="Shape 92"/>
-          <p:cNvPicPr preferRelativeResize="0"/>
-          <p:nvPr/>
-        </p:nvPicPr>
-        <p:blipFill>
-          <a:blip r:embed="rId3">
-            <a:alphaModFix/>
-          </a:blip>
-          <a:stretch>
-            <a:fillRect/>
-          </a:stretch>
-        </p:blipFill>
-        <p:spPr>
-          <a:xfrm>
-            <a:off x="1357312" y="0"/>
-            <a:ext cx="6429375" cy="5143500"/>
-          </a:xfrm>
-          <a:prstGeom prst="rect">
-            <a:avLst/>
-          </a:prstGeom>
-          <a:noFill/>
-          <a:ln>
-            <a:noFill/>
-          </a:ln>
-        </p:spPr>
-      </p:pic>
-    </p:spTree>
-  </p:cSld>
-  <p:clrMapOvr>
-    <a:masterClrMapping/>
-  </p:clrMapOvr>
-  <p:transition spd="slow">
-    <p:cut/>
-  </p:transition>
-</p:sld>
+<file path=ppt/theme/theme1.xml><?xml version="1.0" encoding="utf-8"?>
+<a:theme xmlns:a="http://schemas.openxmlformats.org/drawingml/2006/main" name="simple-light-2">
+  <a:themeElements>
+    <a:clrScheme name="Simple Light">
+      <a:dk1>
+        <a:srgbClr val="000000"/>
+      </a:dk1>
+      <a:lt1>
+        <a:srgbClr val="FFFFFF"/>
+      </a:lt1>
+      <a:dk2>
+        <a:srgbClr val="595959"/>
+      </a:dk2>
+      <a:lt2>
+        <a:srgbClr val="EEEEEE"/>
+      </a:lt2>
+      <a:accent1>
+        <a:srgbClr val="FFAB40"/>
+      </a:accent1>
+      <a:accent2>
+        <a:srgbClr val="212121"/>
+      </a:accent2>
+      <a:accent3>
+        <a:srgbClr val="78909C"/>
+      </a:accent3>
+      <a:accent4>
+        <a:srgbClr val="FFAB40"/>
+      </a:accent4>
+      <a:accent5>
+        <a:srgbClr val="0097A7"/>
+      </a:accent5>
+      <a:accent6>
+        <a:srgbClr val="EEFF41"/>
+      </a:accent6>
+      <a:hlink>
+        <a:srgbClr val="0097A7"/>
+      </a:hlink>
+      <a:folHlink>
+        <a:srgbClr val="0097A7"/>
+      </a:folHlink>
+    </a:clrScheme>
+    <a:fontScheme name="Office">
+      <a:majorFont>
+        <a:latin typeface="Arial"/>
+        <a:ea typeface=""/>
+        <a:cs typeface=""/>
+        <a:font script="Jpan" typeface="ＭＳ Ｐゴシック"/>
+        <a:font script="Hang" typeface="맑은 고딕"/>
+        <a:font script="Hans" typeface="宋体"/>
+        <a:font script="Hant" typeface="新細明體"/>
+        <a:font script="Arab" typeface="Times New Roman"/>
+        <a:font script="Hebr" typeface="Times New Roman"/>
+        <a:font script="Thai" typeface="Angsana New"/>
+        <a:font script="Ethi" typeface="Nyala"/>
+        <a:font script="Beng" typeface="Vrinda"/>
+        <a:font script="Gujr" typeface="Shruti"/>
+        <a:font script="Khmr" typeface="MoolBoran"/>
+        <a:font script="Knda" typeface="Tunga"/>
+        <a:font script="Guru" typeface="Raavi"/>
+        <a:font script="Cans" typeface="Euphemia"/>
+        <a:font script="Cher" typeface="Plantagenet Cherokee"/>
+        <a:font script="Yiii" typeface="Microsoft Yi Baiti"/>
+        <a:font script="Tibt" typeface="Microsoft Himalaya"/>
+        <a:font script="Thaa" typeface="MV Boli"/>
+        <a:font script="Deva" typeface="Mangal"/>
+        <a:font script="Telu" typeface="Gautami"/>
+        <a:font script="Taml" typeface="Latha"/>
+        <a:font script="Syrc" typeface="Estrangelo Edessa"/>
+        <a:font script="Orya" typeface="Kalinga"/>
+        <a:font script="Mlym" typeface="Kartika"/>
+        <a:font script="Laoo" typeface="DokChampa"/>
+        <a:font script="Sinh" typeface="Iskoola Pota"/>
+        <a:font script="Mong" typeface="Mongolian Baiti"/>
+        <a:font script="Viet" typeface="Times New Roman"/>
+        <a:font script="Uigh" typeface="Microsoft Uighur"/>
+        <a:font script="Geor" typeface="Sylfaen"/>
+      </a:majorFont>
+      <a:minorFont>
+        <a:latin typeface="Arial"/>
+        <a:ea typeface=""/>
+        <a:cs typeface=""/>
+        <a:font script="Jpan" typeface="ＭＳ Ｐゴシック"/>
+        <a:font script="Hang" typeface="맑은 고딕"/>
+        <a:font script="Hans" typeface="宋体"/>
+        <a:font script="Hant" typeface="新細明體"/>
+        <a:font script="Arab" typeface="Arial"/>
+        <a:font script="Hebr" typeface="Arial"/>
+        <a:font script="Thai" typeface="Cordia New"/>
+        <a:font script="Ethi" typeface="Nyala"/>
+        <a:font script="Beng" typeface="Vrinda"/>
+        <a:font script="Gujr" typeface="Shruti"/>
+        <a:font script="Khmr" typeface="DaunPenh"/>
+        <a:font script="Knda" typeface="Tunga"/>
+        <a:font script="Guru" typeface="Raavi"/>
+        <a:font script="Cans" typeface="Euphemia"/>
+        <a:font script="Cher" typeface="Plantagenet Cherokee"/>
+        <a:font script="Yiii" typeface="Microsoft Yi Baiti"/>
+        <a:font script="Tibt" typeface="Microsoft Himalaya"/>
+        <a:font script="Thaa" typeface="MV Boli"/>
+        <a:font script="Deva" typeface="Mangal"/>
+        <a:font script="Telu" typeface="Gautami"/>
+        <a:font script="Taml" typeface="Latha"/>
+        <a:font script="Syrc" typeface="Estrangelo Edessa"/>
+        <a:font script="Orya" typeface="Kalinga"/>
+        <a:font script="Mlym" typeface="Kartika"/>
+        <a:font script="Laoo" typeface="DokChampa"/>
+        <a:font script="Sinh" typeface="Iskoola Pota"/>
+        <a:font script="Mong" typeface="Mongolian Baiti"/>
+        <a:font script="Viet" typeface="Arial"/>
+        <a:font script="Uigh" typeface="Microsoft Uighur"/>
+        <a:font script="Geor" typeface="Sylfaen"/>
+      </a:minorFont>
+    </a:fontScheme>
+    <a:fmtScheme name="Office">
+      <a:fillStyleLst>
+        <a:solidFill>
+          <a:schemeClr val="phClr"/>
+        </a:solidFill>
+        <a:gradFill rotWithShape="1">
+          <a:gsLst>
+            <a:gs pos="0">
+              <a:schemeClr val="phClr">
+                <a:tint val="50000"/>
+                <a:satMod val="300000"/>
+              </a:schemeClr>
+            </a:gs>
+            <a:gs pos="35000">
+              <a:schemeClr val="phClr">
+                <a:tint val="37000"/>
+                <a:satMod val="300000"/>
+              </a:schemeClr>
+            </a:gs>
+            <a:gs pos="100000">
+              <a:schemeClr val="phClr">
+                <a:tint val="15000"/>
+                <a:satMod val="350000"/>
+              </a:schemeClr>
+            </a:gs>
+          </a:gsLst>
+          <a:lin ang="16200000" scaled="1"/>
+        </a:gradFill>
+        <a:gradFill rotWithShape="1">
+          <a:gsLst>
+            <a:gs pos="0">
+              <a:schemeClr val="phClr">
+                <a:tint val="100000"/>
+                <a:shade val="100000"/>
+                <a:satMod val="130000"/>
+              </a:schemeClr>
+            </a:gs>
+            <a:gs pos="100000">
+              <a:schemeClr val="phClr">
+                <a:tint val="50000"/>
+                <a:shade val="100000"/>
+                <a:satMod val="350000"/>
+              </a:schemeClr>
+            </a:gs>
+          </a:gsLst>
+          <a:lin ang="16200000" scaled="0"/>
+        </a:gradFill>
+      </a:fillStyleLst>
+      <a:lnStyleLst>
+        <a:ln w="9525" cap="flat" cmpd="sng" algn="ctr">
+          <a:solidFill>
+            <a:schemeClr val="phClr">
+              <a:shade val="95000"/>
+              <a:satMod val="105000"/>
+            </a:schemeClr>
+          </a:solidFill>
+          <a:prstDash val="solid"/>
+        </a:ln>
+        <a:ln w="25400" cap="flat" cmpd="sng" algn="ctr">
+          <a:solidFill>
+            <a:schemeClr val="phClr"/>
+          </a:solidFill>
+          <a:prstDash val="solid"/>
+        </a:ln>
+        <a:ln w="38100" cap="flat" cmpd="sng" algn="ctr">
+          <a:solidFill>
+            <a:schemeClr val="phClr"/>
+          </a:solidFill>
+          <a:prstDash val="solid"/>
+        </a:ln>
+      </a:lnStyleLst>
+      <a:effectStyleLst>
+        <a:effectStyle>
+          <a:effectLst>
+            <a:outerShdw blurRad="40000" dist="20000" dir="5400000" rotWithShape="0">
+              <a:srgbClr val="000000">
+                <a:alpha val="38000"/>
+              </a:srgbClr>
+            </a:outerShdw>
+          </a:effectLst>
+        </a:effectStyle>
+        <a:effectStyle>
+          <a:effectLst>
+            <a:outerShdw blurRad="40000" dist="23000" dir="5400000" rotWithShape="0">
+              <a:srgbClr val="000000">
+                <a:alpha val="35000"/>
+              </a:srgbClr>
+            </a:outerShdw>
+          </a:effectLst>
+        </a:effectStyle>
+        <a:effectStyle>
+          <a:effectLst>
+            <a:outerShdw blurRad="40000" dist="23000" dir="5400000" rotWithShape="0">
+              <a:srgbClr val="000000">
+                <a:alpha val="35000"/>
+              </a:srgbClr>
+            </a:outerShdw>
+          </a:effectLst>
+          <a:scene3d>
+            <a:camera prst="orthographicFront">
+              <a:rot lat="0" lon="0" rev="0"/>
+            </a:camera>
+            <a:lightRig rig="threePt" dir="t">
+              <a:rot lat="0" lon="0" rev="1200000"/>
+            </a:lightRig>
+          </a:scene3d>
+          <a:sp3d>
+            <a:bevelT w="63500" h="25400"/>
+          </a:sp3d>
+        </a:effectStyle>
+      </a:effectStyleLst>
+      <a:bgFillStyleLst>
+        <a:solidFill>
+          <a:schemeClr val="phClr"/>
+        </a:solidFill>
+        <a:gradFill rotWithShape="1">
+          <a:gsLst>
+            <a:gs pos="0">
+              <a:schemeClr val="phClr">
+                <a:tint val="40000"/>
+                <a:satMod val="350000"/>
+              </a:schemeClr>
+            </a:gs>
+            <a:gs pos="40000">
+              <a:schemeClr val="phClr">
+                <a:tint val="45000"/>
+                <a:shade val="99000"/>
+                <a:satMod val="350000"/>
+              </a:schemeClr>
+            </a:gs>
+            <a:gs pos="100000">
+              <a:schemeClr val="phClr">
+                <a:shade val="20000"/>
+                <a:satMod val="255000"/>
+              </a:schemeClr>
+            </a:gs>
+          </a:gsLst>
+          <a:path path="circle">
+            <a:fillToRect l="50000" t="-80000" r="50000" b="180000"/>
+          </a:path>
+        </a:gradFill>
+        <a:gradFill rotWithShape="1">
+          <a:gsLst>
+            <a:gs pos="0">
+              <a:schemeClr val="phClr">
+                <a:tint val="80000"/>
+                <a:satMod val="300000"/>
+              </a:schemeClr>
+            </a:gs>
+            <a:gs pos="100000">
+              <a:schemeClr val="phClr">
+                <a:shade val="30000"/>
+                <a:satMod val="200000"/>
+              </a:schemeClr>
+            </a:gs>
+          </a:gsLst>
+          <a:path path="circle">
+            <a:fillToRect l="50000" t="50000" r="50000" b="50000"/>
+          </a:path>
+        </a:gradFill>
+      </a:bgFillStyleLst>
+    </a:fmtScheme>
+  </a:themeElements>
+  <a:objectDefaults/>
+  <a:extraClrSchemeLst/>
+  <a:extLst>
+    <a:ext uri="{05A4C25C-085E-4340-85A3-A5531E510DB2}">
+      <thm15:themeFamily xmlns:thm15="http://schemas.microsoft.com/office/thememl/2012/main" name="Office Theme" id="{62F939B6-93AF-4DB8-9C6B-D6C7DFDC589F}" vid="{4A3C46E8-61CC-4603-A589-7422A47A8E4A}"/>
+    </a:ext>
+  </a:extLst>
+</a:theme>
 </file>
 
-<file path=ppt/slides/slide8.xml><?xml version="1.0" encoding="utf-8"?>
-<p:sld xmlns:a="http://schemas.openxmlformats.org/drawingml/2006/main" xmlns:r="http://schemas.openxmlformats.org/officeDocument/2006/relationships" xmlns:mc="http://schemas.openxmlformats.org/markup-compatibility/2006" xmlns:mv="urn:schemas-microsoft-com:mac:vml" xmlns:p="http://schemas.openxmlformats.org/presentationml/2006/main" xmlns:c="http://schemas.openxmlformats.org/drawingml/2006/chart" xmlns:dgm="http://schemas.openxmlformats.org/drawingml/2006/diagram" xmlns:o="urn:schemas-microsoft-com:office:office" xmlns:v="urn:schemas-microsoft-com:vml" xmlns:pvml="urn:schemas-microsoft-com:office:powerpoint" xmlns:com="http://schemas.openxmlformats.org/drawingml/2006/compatibility" xmlns:p14="http://schemas.microsoft.com/office/powerpoint/2010/main">
-  <p:cSld>
-    <p:spTree>
-      <p:nvGrpSpPr>
-        <p:cNvPr id="96" name="Shape 96"/>
-        <p:cNvGrpSpPr/>
-        <p:nvPr/>
-      </p:nvGrpSpPr>
-      <p:grpSpPr>
-        <a:xfrm>
-          <a:off x="0" y="0"/>
-          <a:ext cx="0" cy="0"/>
-          <a:chOff x="0" y="0"/>
-          <a:chExt cx="0" cy="0"/>
-        </a:xfrm>
-      </p:grpSpPr>
-      <p:pic>
-        <p:nvPicPr>
-          <p:cNvPr id="97" name="Shape 97"/>
-          <p:cNvPicPr preferRelativeResize="0"/>
-          <p:nvPr/>
-        </p:nvPicPr>
-        <p:blipFill>
-          <a:blip r:embed="rId3">
-            <a:alphaModFix/>
-          </a:blip>
-          <a:stretch>
-            <a:fillRect/>
-          </a:stretch>
-        </p:blipFill>
-        <p:spPr>
-          <a:xfrm>
-            <a:off x="1453600" y="0"/>
-            <a:ext cx="6429375" cy="5143500"/>
-          </a:xfrm>
-          <a:prstGeom prst="rect">
-            <a:avLst/>
-          </a:prstGeom>
-          <a:noFill/>
-          <a:ln>
-            <a:noFill/>
-          </a:ln>
-        </p:spPr>
-      </p:pic>
-    </p:spTree>
-  </p:cSld>
-  <p:clrMapOvr>
-    <a:masterClrMapping/>
-  </p:clrMapOvr>
-  <p:transition spd="slow">
-    <p:cut/>
-  </p:transition>
-</p:sld>
-</file>
-
-<file path=ppt/slides/slide9.xml><?xml version="1.0" encoding="utf-8"?>
-<p:sld xmlns:a="http://schemas.openxmlformats.org/drawingml/2006/main" xmlns:r="http://schemas.openxmlformats.org/officeDocument/2006/relationships" xmlns:mc="http://schemas.openxmlformats.org/markup-compatibility/2006" xmlns:mv="urn:schemas-microsoft-com:mac:vml" xmlns:p="http://schemas.openxmlformats.org/presentationml/2006/main" xmlns:c="http://schemas.openxmlformats.org/drawingml/2006/chart" xmlns:dgm="http://schemas.openxmlformats.org/drawingml/2006/diagram" xmlns:o="urn:schemas-microsoft-com:office:office" xmlns:v="urn:schemas-microsoft-com:vml" xmlns:pvml="urn:schemas-microsoft-com:office:powerpoint" xmlns:com="http://schemas.openxmlformats.org/drawingml/2006/compatibility" xmlns:p14="http://schemas.microsoft.com/office/powerpoint/2010/main">
-  <p:cSld>
-    <p:spTree>
-      <p:nvGrpSpPr>
-        <p:cNvPr id="101" name="Shape 101"/>
-        <p:cNvGrpSpPr/>
-        <p:nvPr/>
-      </p:nvGrpSpPr>
-      <p:grpSpPr>
-        <a:xfrm>
-          <a:off x="0" y="0"/>
-          <a:ext cx="0" cy="0"/>
-          <a:chOff x="0" y="0"/>
-          <a:chExt cx="0" cy="0"/>
-        </a:xfrm>
-      </p:grpSpPr>
-      <p:pic>
-        <p:nvPicPr>
-          <p:cNvPr id="102" name="Shape 102"/>
-          <p:cNvPicPr preferRelativeResize="0"/>
-          <p:nvPr/>
-        </p:nvPicPr>
-        <p:blipFill>
-          <a:blip r:embed="rId3">
-            <a:alphaModFix/>
-          </a:blip>
-          <a:stretch>
-            <a:fillRect/>
-          </a:stretch>
-        </p:blipFill>
-        <p:spPr>
-          <a:xfrm>
-            <a:off x="1357312" y="0"/>
-            <a:ext cx="6429375" cy="5143500"/>
-          </a:xfrm>
-          <a:prstGeom prst="rect">
-            <a:avLst/>
-          </a:prstGeom>
-          <a:noFill/>
-          <a:ln>
-            <a:noFill/>
-          </a:ln>
-        </p:spPr>
-      </p:pic>
-    </p:spTree>
-  </p:cSld>
-  <p:clrMapOvr>
-    <a:masterClrMapping/>
-  </p:clrMapOvr>
-  <p:transition spd="slow">
-    <p:cut/>
-  </p:transition>
-</p:sld>
-</file>
-
-<file path=ppt/theme/theme.xml><?xml version="1.0" encoding="utf-8"?>
-<a:theme xmlns:a="http://schemas.openxmlformats.org/drawingml/2006/main" xmlns:r="http://schemas.openxmlformats.org/officeDocument/2006/relationships" name="Custom Theme">
+<file path=ppt/theme/theme2.xml><?xml version="1.0" encoding="utf-8"?>
+<a:theme xmlns:a="http://schemas.openxmlformats.org/drawingml/2006/main" name="Custom Theme">
   <a:themeElements>
     <a:clrScheme name="Default">
       <a:dk1>
@@ -6301,284 +6570,12 @@
       </a:bgFillStyleLst>
     </a:fmtScheme>
   </a:themeElements>
-</a:theme>
-</file>
-
-<file path=ppt/theme/theme1.xml><?xml version="1.0" encoding="utf-8"?>
-<a:theme xmlns:a="http://schemas.openxmlformats.org/drawingml/2006/main" xmlns:r="http://schemas.openxmlformats.org/officeDocument/2006/relationships" name="simple-light-2">
-  <a:themeElements>
-    <a:clrScheme name="Simple Light">
-      <a:dk1>
-        <a:srgbClr val="000000"/>
-      </a:dk1>
-      <a:lt1>
-        <a:srgbClr val="FFFFFF"/>
-      </a:lt1>
-      <a:dk2>
-        <a:srgbClr val="595959"/>
-      </a:dk2>
-      <a:lt2>
-        <a:srgbClr val="EEEEEE"/>
-      </a:lt2>
-      <a:accent1>
-        <a:srgbClr val="FFAB40"/>
-      </a:accent1>
-      <a:accent2>
-        <a:srgbClr val="212121"/>
-      </a:accent2>
-      <a:accent3>
-        <a:srgbClr val="78909C"/>
-      </a:accent3>
-      <a:accent4>
-        <a:srgbClr val="FFAB40"/>
-      </a:accent4>
-      <a:accent5>
-        <a:srgbClr val="0097A7"/>
-      </a:accent5>
-      <a:accent6>
-        <a:srgbClr val="EEFF41"/>
-      </a:accent6>
-      <a:hlink>
-        <a:srgbClr val="0097A7"/>
-      </a:hlink>
-      <a:folHlink>
-        <a:srgbClr val="0097A7"/>
-      </a:folHlink>
-    </a:clrScheme>
-    <a:fontScheme name="Office">
-      <a:majorFont>
-        <a:latin typeface="Arial"/>
-        <a:ea typeface=""/>
-        <a:cs typeface=""/>
-        <a:font script="Jpan" typeface="ＭＳ Ｐゴシック"/>
-        <a:font script="Hang" typeface="맑은 고딕"/>
-        <a:font script="Hans" typeface="宋体"/>
-        <a:font script="Hant" typeface="新細明體"/>
-        <a:font script="Arab" typeface="Times New Roman"/>
-        <a:font script="Hebr" typeface="Times New Roman"/>
-        <a:font script="Thai" typeface="Angsana New"/>
-        <a:font script="Ethi" typeface="Nyala"/>
-        <a:font script="Beng" typeface="Vrinda"/>
-        <a:font script="Gujr" typeface="Shruti"/>
-        <a:font script="Khmr" typeface="MoolBoran"/>
-        <a:font script="Knda" typeface="Tunga"/>
-        <a:font script="Guru" typeface="Raavi"/>
-        <a:font script="Cans" typeface="Euphemia"/>
-        <a:font script="Cher" typeface="Plantagenet Cherokee"/>
-        <a:font script="Yiii" typeface="Microsoft Yi Baiti"/>
-        <a:font script="Tibt" typeface="Microsoft Himalaya"/>
-        <a:font script="Thaa" typeface="MV Boli"/>
-        <a:font script="Deva" typeface="Mangal"/>
-        <a:font script="Telu" typeface="Gautami"/>
-        <a:font script="Taml" typeface="Latha"/>
-        <a:font script="Syrc" typeface="Estrangelo Edessa"/>
-        <a:font script="Orya" typeface="Kalinga"/>
-        <a:font script="Mlym" typeface="Kartika"/>
-        <a:font script="Laoo" typeface="DokChampa"/>
-        <a:font script="Sinh" typeface="Iskoola Pota"/>
-        <a:font script="Mong" typeface="Mongolian Baiti"/>
-        <a:font script="Viet" typeface="Times New Roman"/>
-        <a:font script="Uigh" typeface="Microsoft Uighur"/>
-        <a:font script="Geor" typeface="Sylfaen"/>
-      </a:majorFont>
-      <a:minorFont>
-        <a:latin typeface="Arial"/>
-        <a:ea typeface=""/>
-        <a:cs typeface=""/>
-        <a:font script="Jpan" typeface="ＭＳ Ｐゴシック"/>
-        <a:font script="Hang" typeface="맑은 고딕"/>
-        <a:font script="Hans" typeface="宋体"/>
-        <a:font script="Hant" typeface="新細明體"/>
-        <a:font script="Arab" typeface="Arial"/>
-        <a:font script="Hebr" typeface="Arial"/>
-        <a:font script="Thai" typeface="Cordia New"/>
-        <a:font script="Ethi" typeface="Nyala"/>
-        <a:font script="Beng" typeface="Vrinda"/>
-        <a:font script="Gujr" typeface="Shruti"/>
-        <a:font script="Khmr" typeface="DaunPenh"/>
-        <a:font script="Knda" typeface="Tunga"/>
-        <a:font script="Guru" typeface="Raavi"/>
-        <a:font script="Cans" typeface="Euphemia"/>
-        <a:font script="Cher" typeface="Plantagenet Cherokee"/>
-        <a:font script="Yiii" typeface="Microsoft Yi Baiti"/>
-        <a:font script="Tibt" typeface="Microsoft Himalaya"/>
-        <a:font script="Thaa" typeface="MV Boli"/>
-        <a:font script="Deva" typeface="Mangal"/>
-        <a:font script="Telu" typeface="Gautami"/>
-        <a:font script="Taml" typeface="Latha"/>
-        <a:font script="Syrc" typeface="Estrangelo Edessa"/>
-        <a:font script="Orya" typeface="Kalinga"/>
-        <a:font script="Mlym" typeface="Kartika"/>
-        <a:font script="Laoo" typeface="DokChampa"/>
-        <a:font script="Sinh" typeface="Iskoola Pota"/>
-        <a:font script="Mong" typeface="Mongolian Baiti"/>
-        <a:font script="Viet" typeface="Arial"/>
-        <a:font script="Uigh" typeface="Microsoft Uighur"/>
-        <a:font script="Geor" typeface="Sylfaen"/>
-      </a:minorFont>
-    </a:fontScheme>
-    <a:fmtScheme name="Office">
-      <a:fillStyleLst>
-        <a:solidFill>
-          <a:schemeClr val="phClr"/>
-        </a:solidFill>
-        <a:gradFill rotWithShape="1">
-          <a:gsLst>
-            <a:gs pos="0">
-              <a:schemeClr val="phClr">
-                <a:tint val="50000"/>
-                <a:satMod val="300000"/>
-              </a:schemeClr>
-            </a:gs>
-            <a:gs pos="35000">
-              <a:schemeClr val="phClr">
-                <a:tint val="37000"/>
-                <a:satMod val="300000"/>
-              </a:schemeClr>
-            </a:gs>
-            <a:gs pos="100000">
-              <a:schemeClr val="phClr">
-                <a:tint val="15000"/>
-                <a:satMod val="350000"/>
-              </a:schemeClr>
-            </a:gs>
-          </a:gsLst>
-          <a:lin ang="16200000" scaled="1"/>
-        </a:gradFill>
-        <a:gradFill rotWithShape="1">
-          <a:gsLst>
-            <a:gs pos="0">
-              <a:schemeClr val="phClr">
-                <a:tint val="100000"/>
-                <a:shade val="100000"/>
-                <a:satMod val="130000"/>
-              </a:schemeClr>
-            </a:gs>
-            <a:gs pos="100000">
-              <a:schemeClr val="phClr">
-                <a:tint val="50000"/>
-                <a:shade val="100000"/>
-                <a:satMod val="350000"/>
-              </a:schemeClr>
-            </a:gs>
-          </a:gsLst>
-          <a:lin ang="16200000" scaled="0"/>
-        </a:gradFill>
-      </a:fillStyleLst>
-      <a:lnStyleLst>
-        <a:ln w="9525" cap="flat" cmpd="sng" algn="ctr">
-          <a:solidFill>
-            <a:schemeClr val="phClr">
-              <a:shade val="95000"/>
-              <a:satMod val="105000"/>
-            </a:schemeClr>
-          </a:solidFill>
-          <a:prstDash val="solid"/>
-        </a:ln>
-        <a:ln w="25400" cap="flat" cmpd="sng" algn="ctr">
-          <a:solidFill>
-            <a:schemeClr val="phClr"/>
-          </a:solidFill>
-          <a:prstDash val="solid"/>
-        </a:ln>
-        <a:ln w="38100" cap="flat" cmpd="sng" algn="ctr">
-          <a:solidFill>
-            <a:schemeClr val="phClr"/>
-          </a:solidFill>
-          <a:prstDash val="solid"/>
-        </a:ln>
-      </a:lnStyleLst>
-      <a:effectStyleLst>
-        <a:effectStyle>
-          <a:effectLst>
-            <a:outerShdw blurRad="40000" dist="20000" dir="5400000" rotWithShape="0">
-              <a:srgbClr val="000000">
-                <a:alpha val="38000"/>
-              </a:srgbClr>
-            </a:outerShdw>
-          </a:effectLst>
-        </a:effectStyle>
-        <a:effectStyle>
-          <a:effectLst>
-            <a:outerShdw blurRad="40000" dist="23000" dir="5400000" rotWithShape="0">
-              <a:srgbClr val="000000">
-                <a:alpha val="35000"/>
-              </a:srgbClr>
-            </a:outerShdw>
-          </a:effectLst>
-        </a:effectStyle>
-        <a:effectStyle>
-          <a:effectLst>
-            <a:outerShdw blurRad="40000" dist="23000" dir="5400000" rotWithShape="0">
-              <a:srgbClr val="000000">
-                <a:alpha val="35000"/>
-              </a:srgbClr>
-            </a:outerShdw>
-          </a:effectLst>
-          <a:scene3d>
-            <a:camera prst="orthographicFront">
-              <a:rot lat="0" lon="0" rev="0"/>
-            </a:camera>
-            <a:lightRig rig="threePt" dir="t">
-              <a:rot lat="0" lon="0" rev="1200000"/>
-            </a:lightRig>
-          </a:scene3d>
-          <a:sp3d>
-            <a:bevelT w="63500" h="25400"/>
-          </a:sp3d>
-        </a:effectStyle>
-      </a:effectStyleLst>
-      <a:bgFillStyleLst>
-        <a:solidFill>
-          <a:schemeClr val="phClr"/>
-        </a:solidFill>
-        <a:gradFill rotWithShape="1">
-          <a:gsLst>
-            <a:gs pos="0">
-              <a:schemeClr val="phClr">
-                <a:tint val="40000"/>
-                <a:satMod val="350000"/>
-              </a:schemeClr>
-            </a:gs>
-            <a:gs pos="40000">
-              <a:schemeClr val="phClr">
-                <a:tint val="45000"/>
-                <a:shade val="99000"/>
-                <a:satMod val="350000"/>
-              </a:schemeClr>
-            </a:gs>
-            <a:gs pos="100000">
-              <a:schemeClr val="phClr">
-                <a:shade val="20000"/>
-                <a:satMod val="255000"/>
-              </a:schemeClr>
-            </a:gs>
-          </a:gsLst>
-          <a:path path="circle">
-            <a:fillToRect l="50000" t="-80000" r="50000" b="180000"/>
-          </a:path>
-        </a:gradFill>
-        <a:gradFill rotWithShape="1">
-          <a:gsLst>
-            <a:gs pos="0">
-              <a:schemeClr val="phClr">
-                <a:tint val="80000"/>
-                <a:satMod val="300000"/>
-              </a:schemeClr>
-            </a:gs>
-            <a:gs pos="100000">
-              <a:schemeClr val="phClr">
-                <a:shade val="30000"/>
-                <a:satMod val="200000"/>
-              </a:schemeClr>
-            </a:gs>
-          </a:gsLst>
-          <a:path path="circle">
-            <a:fillToRect l="50000" t="50000" r="50000" b="50000"/>
-          </a:path>
-        </a:gradFill>
-      </a:bgFillStyleLst>
-    </a:fmtScheme>
-  </a:themeElements>
+  <a:objectDefaults/>
+  <a:extraClrSchemeLst/>
+  <a:extLst>
+    <a:ext uri="{05A4C25C-085E-4340-85A3-A5531E510DB2}">
+      <thm15:themeFamily xmlns:thm15="http://schemas.microsoft.com/office/thememl/2012/main" name="Office Theme" id="{62F939B6-93AF-4DB8-9C6B-D6C7DFDC589F}" vid="{4A3C46E8-61CC-4603-A589-7422A47A8E4A}"/>
+    </a:ext>
+  </a:extLst>
 </a:theme>
 </file>